--- a/Presentacion_de_software_Grupo6.pptx
+++ b/Presentacion_de_software_Grupo6.pptx
@@ -1,31 +1,31 @@
 
 <file path=ppt/presentation.xml><?xml version="1.0" encoding="utf-8"?>
-<p:presentation xmlns:a="http://schemas.openxmlformats.org/drawingml/2006/main" xmlns:r="http://schemas.openxmlformats.org/officeDocument/2006/relationships" xmlns:mc="http://schemas.openxmlformats.org/markup-compatibility/2006" xmlns:mv="urn:schemas-microsoft-com:mac:vml" xmlns:p="http://schemas.openxmlformats.org/presentationml/2006/main" xmlns:c="http://schemas.openxmlformats.org/drawingml/2006/chart" xmlns:dgm="http://schemas.openxmlformats.org/drawingml/2006/diagram" xmlns:o="urn:schemas-microsoft-com:office:office" xmlns:v="urn:schemas-microsoft-com:vml" xmlns:pvml="urn:schemas-microsoft-com:office:powerpoint" xmlns:com="http://schemas.openxmlformats.org/drawingml/2006/compatibility" xmlns:p14="http://schemas.microsoft.com/office/powerpoint/2010/main" xmlns:p15="http://schemas.microsoft.com/office/powerpoint/2012/main" xmlns:ahyp="http://schemas.microsoft.com/office/drawing/2018/hyperlinkcolor" autoCompressPictures="0" embedTrueTypeFonts="1" strictFirstAndLastChars="0" saveSubsetFonts="1">
+<p:presentation xmlns:a="http://schemas.openxmlformats.org/drawingml/2006/main" xmlns:r="http://schemas.openxmlformats.org/officeDocument/2006/relationships" xmlns:p="http://schemas.openxmlformats.org/presentationml/2006/main" strictFirstAndLastChars="0" embedTrueTypeFonts="1" saveSubsetFonts="1" autoCompressPictures="0">
   <p:sldMasterIdLst>
-    <p:sldMasterId id="2147483659" r:id="rId4"/>
+    <p:sldMasterId id="2147483659" r:id="rId1"/>
   </p:sldMasterIdLst>
   <p:notesMasterIdLst>
-    <p:notesMasterId r:id="rId5"/>
+    <p:notesMasterId r:id="rId6"/>
   </p:notesMasterIdLst>
   <p:sldIdLst>
-    <p:sldId id="256" r:id="rId6"/>
-    <p:sldId id="257" r:id="rId7"/>
-    <p:sldId id="258" r:id="rId8"/>
-    <p:sldId id="259" r:id="rId9"/>
+    <p:sldId id="256" r:id="rId2"/>
+    <p:sldId id="257" r:id="rId3"/>
+    <p:sldId id="258" r:id="rId4"/>
+    <p:sldId id="259" r:id="rId5"/>
   </p:sldIdLst>
-  <p:sldSz cy="5143500" cx="9144000"/>
+  <p:sldSz cx="9144000" cy="5143500" type="screen16x9"/>
   <p:notesSz cx="6858000" cy="9144000"/>
   <p:embeddedFontLst>
     <p:embeddedFont>
-      <p:font typeface="Proxima Nova"/>
-      <p:regular r:id="rId10"/>
-      <p:bold r:id="rId11"/>
-      <p:italic r:id="rId12"/>
-      <p:boldItalic r:id="rId13"/>
+      <p:font typeface="Proxima Nova" panose="020B0604020202020204" charset="0"/>
+      <p:regular r:id="rId7"/>
+      <p:bold r:id="rId8"/>
+      <p:italic r:id="rId9"/>
+      <p:boldItalic r:id="rId10"/>
     </p:embeddedFont>
   </p:embeddedFontLst>
   <p:defaultTextStyle>
-    <a:defPPr lvl="0" marR="0" rtl="0" algn="l">
+    <a:defPPr marR="0" lvl="0" algn="l" rtl="0">
       <a:lnSpc>
         <a:spcPct val="100000"/>
       </a:lnSpc>
@@ -36,7 +36,7 @@
         <a:spcPts val="0"/>
       </a:spcAft>
     </a:defPPr>
-    <a:lvl1pPr lvl="0" marR="0" rtl="0" algn="l">
+    <a:lvl1pPr marR="0" lvl="0" algn="l" rtl="0">
       <a:lnSpc>
         <a:spcPct val="100000"/>
       </a:lnSpc>
@@ -50,7 +50,7 @@
         <a:srgbClr val="000000"/>
       </a:buClr>
       <a:buFont typeface="Arial"/>
-      <a:defRPr b="0" i="0" sz="1400" u="none" cap="none" strike="noStrike">
+      <a:defRPr sz="1400" b="0" i="0" u="none" strike="noStrike" cap="none">
         <a:solidFill>
           <a:srgbClr val="000000"/>
         </a:solidFill>
@@ -60,7 +60,7 @@
         <a:sym typeface="Arial"/>
       </a:defRPr>
     </a:lvl1pPr>
-    <a:lvl2pPr lvl="1" marR="0" rtl="0" algn="l">
+    <a:lvl2pPr marR="0" lvl="1" algn="l" rtl="0">
       <a:lnSpc>
         <a:spcPct val="100000"/>
       </a:lnSpc>
@@ -74,7 +74,7 @@
         <a:srgbClr val="000000"/>
       </a:buClr>
       <a:buFont typeface="Arial"/>
-      <a:defRPr b="0" i="0" sz="1400" u="none" cap="none" strike="noStrike">
+      <a:defRPr sz="1400" b="0" i="0" u="none" strike="noStrike" cap="none">
         <a:solidFill>
           <a:srgbClr val="000000"/>
         </a:solidFill>
@@ -84,7 +84,7 @@
         <a:sym typeface="Arial"/>
       </a:defRPr>
     </a:lvl2pPr>
-    <a:lvl3pPr lvl="2" marR="0" rtl="0" algn="l">
+    <a:lvl3pPr marR="0" lvl="2" algn="l" rtl="0">
       <a:lnSpc>
         <a:spcPct val="100000"/>
       </a:lnSpc>
@@ -98,7 +98,7 @@
         <a:srgbClr val="000000"/>
       </a:buClr>
       <a:buFont typeface="Arial"/>
-      <a:defRPr b="0" i="0" sz="1400" u="none" cap="none" strike="noStrike">
+      <a:defRPr sz="1400" b="0" i="0" u="none" strike="noStrike" cap="none">
         <a:solidFill>
           <a:srgbClr val="000000"/>
         </a:solidFill>
@@ -108,7 +108,7 @@
         <a:sym typeface="Arial"/>
       </a:defRPr>
     </a:lvl3pPr>
-    <a:lvl4pPr lvl="3" marR="0" rtl="0" algn="l">
+    <a:lvl4pPr marR="0" lvl="3" algn="l" rtl="0">
       <a:lnSpc>
         <a:spcPct val="100000"/>
       </a:lnSpc>
@@ -122,7 +122,7 @@
         <a:srgbClr val="000000"/>
       </a:buClr>
       <a:buFont typeface="Arial"/>
-      <a:defRPr b="0" i="0" sz="1400" u="none" cap="none" strike="noStrike">
+      <a:defRPr sz="1400" b="0" i="0" u="none" strike="noStrike" cap="none">
         <a:solidFill>
           <a:srgbClr val="000000"/>
         </a:solidFill>
@@ -132,7 +132,7 @@
         <a:sym typeface="Arial"/>
       </a:defRPr>
     </a:lvl4pPr>
-    <a:lvl5pPr lvl="4" marR="0" rtl="0" algn="l">
+    <a:lvl5pPr marR="0" lvl="4" algn="l" rtl="0">
       <a:lnSpc>
         <a:spcPct val="100000"/>
       </a:lnSpc>
@@ -146,7 +146,7 @@
         <a:srgbClr val="000000"/>
       </a:buClr>
       <a:buFont typeface="Arial"/>
-      <a:defRPr b="0" i="0" sz="1400" u="none" cap="none" strike="noStrike">
+      <a:defRPr sz="1400" b="0" i="0" u="none" strike="noStrike" cap="none">
         <a:solidFill>
           <a:srgbClr val="000000"/>
         </a:solidFill>
@@ -156,7 +156,7 @@
         <a:sym typeface="Arial"/>
       </a:defRPr>
     </a:lvl5pPr>
-    <a:lvl6pPr lvl="5" marR="0" rtl="0" algn="l">
+    <a:lvl6pPr marR="0" lvl="5" algn="l" rtl="0">
       <a:lnSpc>
         <a:spcPct val="100000"/>
       </a:lnSpc>
@@ -170,7 +170,7 @@
         <a:srgbClr val="000000"/>
       </a:buClr>
       <a:buFont typeface="Arial"/>
-      <a:defRPr b="0" i="0" sz="1400" u="none" cap="none" strike="noStrike">
+      <a:defRPr sz="1400" b="0" i="0" u="none" strike="noStrike" cap="none">
         <a:solidFill>
           <a:srgbClr val="000000"/>
         </a:solidFill>
@@ -180,7 +180,7 @@
         <a:sym typeface="Arial"/>
       </a:defRPr>
     </a:lvl6pPr>
-    <a:lvl7pPr lvl="6" marR="0" rtl="0" algn="l">
+    <a:lvl7pPr marR="0" lvl="6" algn="l" rtl="0">
       <a:lnSpc>
         <a:spcPct val="100000"/>
       </a:lnSpc>
@@ -194,7 +194,7 @@
         <a:srgbClr val="000000"/>
       </a:buClr>
       <a:buFont typeface="Arial"/>
-      <a:defRPr b="0" i="0" sz="1400" u="none" cap="none" strike="noStrike">
+      <a:defRPr sz="1400" b="0" i="0" u="none" strike="noStrike" cap="none">
         <a:solidFill>
           <a:srgbClr val="000000"/>
         </a:solidFill>
@@ -204,7 +204,7 @@
         <a:sym typeface="Arial"/>
       </a:defRPr>
     </a:lvl7pPr>
-    <a:lvl8pPr lvl="7" marR="0" rtl="0" algn="l">
+    <a:lvl8pPr marR="0" lvl="7" algn="l" rtl="0">
       <a:lnSpc>
         <a:spcPct val="100000"/>
       </a:lnSpc>
@@ -218,7 +218,7 @@
         <a:srgbClr val="000000"/>
       </a:buClr>
       <a:buFont typeface="Arial"/>
-      <a:defRPr b="0" i="0" sz="1400" u="none" cap="none" strike="noStrike">
+      <a:defRPr sz="1400" b="0" i="0" u="none" strike="noStrike" cap="none">
         <a:solidFill>
           <a:srgbClr val="000000"/>
         </a:solidFill>
@@ -228,7 +228,7 @@
         <a:sym typeface="Arial"/>
       </a:defRPr>
     </a:lvl8pPr>
-    <a:lvl9pPr lvl="8" marR="0" rtl="0" algn="l">
+    <a:lvl9pPr marR="0" lvl="8" algn="l" rtl="0">
       <a:lnSpc>
         <a:spcPct val="100000"/>
       </a:lnSpc>
@@ -242,7 +242,7 @@
         <a:srgbClr val="000000"/>
       </a:buClr>
       <a:buFont typeface="Arial"/>
-      <a:defRPr b="0" i="0" sz="1400" u="none" cap="none" strike="noStrike">
+      <a:defRPr sz="1400" b="0" i="0" u="none" strike="noStrike" cap="none">
         <a:solidFill>
           <a:srgbClr val="000000"/>
         </a:solidFill>
@@ -255,7 +255,7 @@
   </p:defaultTextStyle>
   <p:extLst>
     <p:ext uri="{EFAFB233-063F-42B5-8137-9DF3F51BA10A}">
-      <p15:sldGuideLst>
+      <p15:sldGuideLst xmlns:p15="http://schemas.microsoft.com/office/powerpoint/2012/main">
         <p15:guide id="1" orient="horz" pos="1620">
           <p15:clr>
             <a:srgbClr val="747775"/>
@@ -273,11 +273,16 @@
 </file>
 
 <file path=ppt/notesMasters/notesMaster1.xml><?xml version="1.0" encoding="utf-8"?>
-<p:notesMaster xmlns:a="http://schemas.openxmlformats.org/drawingml/2006/main" xmlns:r="http://schemas.openxmlformats.org/officeDocument/2006/relationships" xmlns:mc="http://schemas.openxmlformats.org/markup-compatibility/2006" xmlns:mv="urn:schemas-microsoft-com:mac:vml" xmlns:p="http://schemas.openxmlformats.org/presentationml/2006/main" xmlns:c="http://schemas.openxmlformats.org/drawingml/2006/chart" xmlns:dgm="http://schemas.openxmlformats.org/drawingml/2006/diagram" xmlns:o="urn:schemas-microsoft-com:office:office" xmlns:v="urn:schemas-microsoft-com:vml" xmlns:pvml="urn:schemas-microsoft-com:office:powerpoint" xmlns:com="http://schemas.openxmlformats.org/drawingml/2006/compatibility" xmlns:p14="http://schemas.microsoft.com/office/powerpoint/2010/main" xmlns:p15="http://schemas.microsoft.com/office/powerpoint/2012/main" xmlns:ahyp="http://schemas.microsoft.com/office/drawing/2018/hyperlinkcolor">
+<p:notesMaster xmlns:a="http://schemas.openxmlformats.org/drawingml/2006/main" xmlns:r="http://schemas.openxmlformats.org/officeDocument/2006/relationships" xmlns:p="http://schemas.openxmlformats.org/presentationml/2006/main">
   <p:cSld>
+    <p:bg>
+      <p:bgRef idx="1001">
+        <a:schemeClr val="bg1"/>
+      </p:bgRef>
+    </p:bg>
     <p:spTree>
       <p:nvGrpSpPr>
-        <p:cNvPr id="2" name="Shape 2"/>
+        <p:cNvPr id="1" name="Shape 2"/>
         <p:cNvGrpSpPr/>
         <p:nvPr/>
       </p:nvGrpSpPr>
@@ -292,9 +297,11 @@
       <p:sp>
         <p:nvSpPr>
           <p:cNvPr id="3" name="Google Shape;3;n"/>
-          <p:cNvSpPr/>
+          <p:cNvSpPr>
+            <a:spLocks noGrp="1" noRot="1" noChangeAspect="1"/>
+          </p:cNvSpPr>
           <p:nvPr>
-            <p:ph idx="2" type="sldImg"/>
+            <p:ph type="sldImg" idx="2"/>
           </p:nvPr>
         </p:nvSpPr>
         <p:spPr>
@@ -303,9 +310,13 @@
             <a:ext cx="6096075" cy="3429000"/>
           </a:xfrm>
           <a:custGeom>
-            <a:rect b="b" l="l" r="r" t="t"/>
+            <a:avLst/>
+            <a:gdLst/>
+            <a:ahLst/>
+            <a:cxnLst/>
+            <a:rect l="l" t="t" r="r" b="b"/>
             <a:pathLst>
-              <a:path extrusionOk="0" h="120000" w="120000">
+              <a:path w="120000" h="120000" extrusionOk="0">
                 <a:moveTo>
                   <a:pt x="0" y="0"/>
                 </a:moveTo>
@@ -323,23 +334,25 @@
             </a:pathLst>
           </a:custGeom>
           <a:noFill/>
-          <a:ln cap="flat" cmpd="sng" w="9525">
+          <a:ln w="9525" cap="flat" cmpd="sng">
             <a:solidFill>
               <a:srgbClr val="000000"/>
             </a:solidFill>
             <a:prstDash val="solid"/>
             <a:round/>
-            <a:headEnd len="sm" w="sm" type="none"/>
-            <a:tailEnd len="sm" w="sm" type="none"/>
+            <a:headEnd type="none" w="sm" len="sm"/>
+            <a:tailEnd type="none" w="sm" len="sm"/>
           </a:ln>
         </p:spPr>
       </p:sp>
       <p:sp>
         <p:nvSpPr>
           <p:cNvPr id="4" name="Google Shape;4;n"/>
-          <p:cNvSpPr txBox="1"/>
+          <p:cNvSpPr txBox="1">
+            <a:spLocks noGrp="1"/>
+          </p:cNvSpPr>
           <p:nvPr>
-            <p:ph idx="1" type="body"/>
+            <p:ph type="body" idx="1"/>
           </p:nvPr>
         </p:nvSpPr>
         <p:spPr>
@@ -356,11 +369,11 @@
           </a:ln>
         </p:spPr>
         <p:txBody>
-          <a:bodyPr anchorCtr="0" anchor="t" bIns="91425" lIns="91425" spcFirstLastPara="1" rIns="91425" wrap="square" tIns="91425">
+          <a:bodyPr spcFirstLastPara="1" wrap="square" lIns="91425" tIns="91425" rIns="91425" bIns="91425" anchor="t" anchorCtr="0">
             <a:noAutofit/>
           </a:bodyPr>
           <a:lstStyle>
-            <a:lvl1pPr indent="-298450" lvl="0" marL="457200">
+            <a:lvl1pPr marL="457200" lvl="0" indent="-298450">
               <a:spcBef>
                 <a:spcPts val="0"/>
               </a:spcBef>
@@ -371,7 +384,7 @@
               <a:buChar char="●"/>
               <a:defRPr sz="1100"/>
             </a:lvl1pPr>
-            <a:lvl2pPr indent="-298450" lvl="1" marL="914400">
+            <a:lvl2pPr marL="914400" lvl="1" indent="-298450">
               <a:spcBef>
                 <a:spcPts val="0"/>
               </a:spcBef>
@@ -382,7 +395,7 @@
               <a:buChar char="○"/>
               <a:defRPr sz="1100"/>
             </a:lvl2pPr>
-            <a:lvl3pPr indent="-298450" lvl="2" marL="1371600">
+            <a:lvl3pPr marL="1371600" lvl="2" indent="-298450">
               <a:spcBef>
                 <a:spcPts val="0"/>
               </a:spcBef>
@@ -393,7 +406,7 @@
               <a:buChar char="■"/>
               <a:defRPr sz="1100"/>
             </a:lvl3pPr>
-            <a:lvl4pPr indent="-298450" lvl="3" marL="1828800">
+            <a:lvl4pPr marL="1828800" lvl="3" indent="-298450">
               <a:spcBef>
                 <a:spcPts val="0"/>
               </a:spcBef>
@@ -404,7 +417,7 @@
               <a:buChar char="●"/>
               <a:defRPr sz="1100"/>
             </a:lvl4pPr>
-            <a:lvl5pPr indent="-298450" lvl="4" marL="2286000">
+            <a:lvl5pPr marL="2286000" lvl="4" indent="-298450">
               <a:spcBef>
                 <a:spcPts val="0"/>
               </a:spcBef>
@@ -415,7 +428,7 @@
               <a:buChar char="○"/>
               <a:defRPr sz="1100"/>
             </a:lvl5pPr>
-            <a:lvl6pPr indent="-298450" lvl="5" marL="2743200">
+            <a:lvl6pPr marL="2743200" lvl="5" indent="-298450">
               <a:spcBef>
                 <a:spcPts val="0"/>
               </a:spcBef>
@@ -426,7 +439,7 @@
               <a:buChar char="■"/>
               <a:defRPr sz="1100"/>
             </a:lvl6pPr>
-            <a:lvl7pPr indent="-298450" lvl="6" marL="3200400">
+            <a:lvl7pPr marL="3200400" lvl="6" indent="-298450">
               <a:spcBef>
                 <a:spcPts val="0"/>
               </a:spcBef>
@@ -437,7 +450,7 @@
               <a:buChar char="●"/>
               <a:defRPr sz="1100"/>
             </a:lvl7pPr>
-            <a:lvl8pPr indent="-298450" lvl="7" marL="3657600">
+            <a:lvl8pPr marL="3657600" lvl="7" indent="-298450">
               <a:spcBef>
                 <a:spcPts val="0"/>
               </a:spcBef>
@@ -448,7 +461,7 @@
               <a:buChar char="○"/>
               <a:defRPr sz="1100"/>
             </a:lvl8pPr>
-            <a:lvl9pPr indent="-298450" lvl="8" marL="4114800">
+            <a:lvl9pPr marL="4114800" lvl="8" indent="-298450">
               <a:spcBef>
                 <a:spcPts val="0"/>
               </a:spcBef>
@@ -460,14 +473,16 @@
               <a:defRPr sz="1100"/>
             </a:lvl9pPr>
           </a:lstStyle>
-          <a:p/>
+          <a:p>
+            <a:endParaRPr/>
+          </a:p>
         </p:txBody>
       </p:sp>
     </p:spTree>
   </p:cSld>
-  <p:clrMap accent1="accent1" accent2="accent2" accent3="accent3" accent4="accent4" accent5="accent5" accent6="accent6" bg1="lt1" bg2="dk2" tx1="dk1" tx2="lt2" folHlink="folHlink" hlink="hlink"/>
+  <p:clrMap bg1="lt1" tx1="dk1" bg2="dk2" tx2="lt2" accent1="accent1" accent2="accent2" accent3="accent3" accent4="accent4" accent5="accent5" accent6="accent6" hlink="hlink" folHlink="folHlink"/>
   <p:notesStyle>
-    <a:defPPr lvl="0" marR="0" rtl="0" algn="l">
+    <a:defPPr marR="0" lvl="0" algn="l" rtl="0">
       <a:lnSpc>
         <a:spcPct val="100000"/>
       </a:lnSpc>
@@ -478,7 +493,7 @@
         <a:spcPts val="0"/>
       </a:spcAft>
     </a:defPPr>
-    <a:lvl1pPr lvl="0" marR="0" rtl="0" algn="l">
+    <a:lvl1pPr marR="0" lvl="0" algn="l" rtl="0">
       <a:lnSpc>
         <a:spcPct val="100000"/>
       </a:lnSpc>
@@ -492,7 +507,7 @@
         <a:srgbClr val="000000"/>
       </a:buClr>
       <a:buFont typeface="Arial"/>
-      <a:defRPr b="0" i="0" sz="1400" u="none" cap="none" strike="noStrike">
+      <a:defRPr sz="1400" b="0" i="0" u="none" strike="noStrike" cap="none">
         <a:solidFill>
           <a:srgbClr val="000000"/>
         </a:solidFill>
@@ -502,7 +517,7 @@
         <a:sym typeface="Arial"/>
       </a:defRPr>
     </a:lvl1pPr>
-    <a:lvl2pPr lvl="1" marR="0" rtl="0" algn="l">
+    <a:lvl2pPr marR="0" lvl="1" algn="l" rtl="0">
       <a:lnSpc>
         <a:spcPct val="100000"/>
       </a:lnSpc>
@@ -516,7 +531,7 @@
         <a:srgbClr val="000000"/>
       </a:buClr>
       <a:buFont typeface="Arial"/>
-      <a:defRPr b="0" i="0" sz="1400" u="none" cap="none" strike="noStrike">
+      <a:defRPr sz="1400" b="0" i="0" u="none" strike="noStrike" cap="none">
         <a:solidFill>
           <a:srgbClr val="000000"/>
         </a:solidFill>
@@ -526,7 +541,7 @@
         <a:sym typeface="Arial"/>
       </a:defRPr>
     </a:lvl2pPr>
-    <a:lvl3pPr lvl="2" marR="0" rtl="0" algn="l">
+    <a:lvl3pPr marR="0" lvl="2" algn="l" rtl="0">
       <a:lnSpc>
         <a:spcPct val="100000"/>
       </a:lnSpc>
@@ -540,7 +555,7 @@
         <a:srgbClr val="000000"/>
       </a:buClr>
       <a:buFont typeface="Arial"/>
-      <a:defRPr b="0" i="0" sz="1400" u="none" cap="none" strike="noStrike">
+      <a:defRPr sz="1400" b="0" i="0" u="none" strike="noStrike" cap="none">
         <a:solidFill>
           <a:srgbClr val="000000"/>
         </a:solidFill>
@@ -550,7 +565,7 @@
         <a:sym typeface="Arial"/>
       </a:defRPr>
     </a:lvl3pPr>
-    <a:lvl4pPr lvl="3" marR="0" rtl="0" algn="l">
+    <a:lvl4pPr marR="0" lvl="3" algn="l" rtl="0">
       <a:lnSpc>
         <a:spcPct val="100000"/>
       </a:lnSpc>
@@ -564,7 +579,7 @@
         <a:srgbClr val="000000"/>
       </a:buClr>
       <a:buFont typeface="Arial"/>
-      <a:defRPr b="0" i="0" sz="1400" u="none" cap="none" strike="noStrike">
+      <a:defRPr sz="1400" b="0" i="0" u="none" strike="noStrike" cap="none">
         <a:solidFill>
           <a:srgbClr val="000000"/>
         </a:solidFill>
@@ -574,7 +589,7 @@
         <a:sym typeface="Arial"/>
       </a:defRPr>
     </a:lvl4pPr>
-    <a:lvl5pPr lvl="4" marR="0" rtl="0" algn="l">
+    <a:lvl5pPr marR="0" lvl="4" algn="l" rtl="0">
       <a:lnSpc>
         <a:spcPct val="100000"/>
       </a:lnSpc>
@@ -588,7 +603,7 @@
         <a:srgbClr val="000000"/>
       </a:buClr>
       <a:buFont typeface="Arial"/>
-      <a:defRPr b="0" i="0" sz="1400" u="none" cap="none" strike="noStrike">
+      <a:defRPr sz="1400" b="0" i="0" u="none" strike="noStrike" cap="none">
         <a:solidFill>
           <a:srgbClr val="000000"/>
         </a:solidFill>
@@ -598,7 +613,7 @@
         <a:sym typeface="Arial"/>
       </a:defRPr>
     </a:lvl5pPr>
-    <a:lvl6pPr lvl="5" marR="0" rtl="0" algn="l">
+    <a:lvl6pPr marR="0" lvl="5" algn="l" rtl="0">
       <a:lnSpc>
         <a:spcPct val="100000"/>
       </a:lnSpc>
@@ -612,7 +627,7 @@
         <a:srgbClr val="000000"/>
       </a:buClr>
       <a:buFont typeface="Arial"/>
-      <a:defRPr b="0" i="0" sz="1400" u="none" cap="none" strike="noStrike">
+      <a:defRPr sz="1400" b="0" i="0" u="none" strike="noStrike" cap="none">
         <a:solidFill>
           <a:srgbClr val="000000"/>
         </a:solidFill>
@@ -622,7 +637,7 @@
         <a:sym typeface="Arial"/>
       </a:defRPr>
     </a:lvl6pPr>
-    <a:lvl7pPr lvl="6" marR="0" rtl="0" algn="l">
+    <a:lvl7pPr marR="0" lvl="6" algn="l" rtl="0">
       <a:lnSpc>
         <a:spcPct val="100000"/>
       </a:lnSpc>
@@ -636,7 +651,7 @@
         <a:srgbClr val="000000"/>
       </a:buClr>
       <a:buFont typeface="Arial"/>
-      <a:defRPr b="0" i="0" sz="1400" u="none" cap="none" strike="noStrike">
+      <a:defRPr sz="1400" b="0" i="0" u="none" strike="noStrike" cap="none">
         <a:solidFill>
           <a:srgbClr val="000000"/>
         </a:solidFill>
@@ -646,7 +661,7 @@
         <a:sym typeface="Arial"/>
       </a:defRPr>
     </a:lvl7pPr>
-    <a:lvl8pPr lvl="7" marR="0" rtl="0" algn="l">
+    <a:lvl8pPr marR="0" lvl="7" algn="l" rtl="0">
       <a:lnSpc>
         <a:spcPct val="100000"/>
       </a:lnSpc>
@@ -660,7 +675,7 @@
         <a:srgbClr val="000000"/>
       </a:buClr>
       <a:buFont typeface="Arial"/>
-      <a:defRPr b="0" i="0" sz="1400" u="none" cap="none" strike="noStrike">
+      <a:defRPr sz="1400" b="0" i="0" u="none" strike="noStrike" cap="none">
         <a:solidFill>
           <a:srgbClr val="000000"/>
         </a:solidFill>
@@ -670,7 +685,7 @@
         <a:sym typeface="Arial"/>
       </a:defRPr>
     </a:lvl8pPr>
-    <a:lvl9pPr lvl="8" marR="0" rtl="0" algn="l">
+    <a:lvl9pPr marR="0" lvl="8" algn="l" rtl="0">
       <a:lnSpc>
         <a:spcPct val="100000"/>
       </a:lnSpc>
@@ -684,7 +699,7 @@
         <a:srgbClr val="000000"/>
       </a:buClr>
       <a:buFont typeface="Arial"/>
-      <a:defRPr b="0" i="0" sz="1400" u="none" cap="none" strike="noStrike">
+      <a:defRPr sz="1400" b="0" i="0" u="none" strike="noStrike" cap="none">
         <a:solidFill>
           <a:srgbClr val="000000"/>
         </a:solidFill>
@@ -699,11 +714,11 @@
 </file>
 
 <file path=ppt/notesSlides/notesSlide1.xml><?xml version="1.0" encoding="utf-8"?>
-<p:notes xmlns:a="http://schemas.openxmlformats.org/drawingml/2006/main" xmlns:r="http://schemas.openxmlformats.org/officeDocument/2006/relationships" xmlns:mc="http://schemas.openxmlformats.org/markup-compatibility/2006" xmlns:mv="urn:schemas-microsoft-com:mac:vml" xmlns:p="http://schemas.openxmlformats.org/presentationml/2006/main" xmlns:c="http://schemas.openxmlformats.org/drawingml/2006/chart" xmlns:dgm="http://schemas.openxmlformats.org/drawingml/2006/diagram" xmlns:o="urn:schemas-microsoft-com:office:office" xmlns:v="urn:schemas-microsoft-com:vml" xmlns:pvml="urn:schemas-microsoft-com:office:powerpoint" xmlns:com="http://schemas.openxmlformats.org/drawingml/2006/compatibility" xmlns:p14="http://schemas.microsoft.com/office/powerpoint/2010/main" xmlns:p15="http://schemas.microsoft.com/office/powerpoint/2012/main" xmlns:ahyp="http://schemas.microsoft.com/office/drawing/2018/hyperlinkcolor" showMasterPhAnim="0" showMasterSp="0">
+<p:notes xmlns:a="http://schemas.openxmlformats.org/drawingml/2006/main" xmlns:r="http://schemas.openxmlformats.org/officeDocument/2006/relationships" xmlns:p="http://schemas.openxmlformats.org/presentationml/2006/main" showMasterSp="0" showMasterPhAnim="0">
   <p:cSld>
     <p:spTree>
       <p:nvGrpSpPr>
-        <p:cNvPr id="55" name="Shape 55"/>
+        <p:cNvPr id="1" name="Shape 55"/>
         <p:cNvGrpSpPr/>
         <p:nvPr/>
       </p:nvGrpSpPr>
@@ -718,20 +733,26 @@
       <p:sp>
         <p:nvSpPr>
           <p:cNvPr id="56" name="Google Shape;56;p:notes"/>
-          <p:cNvSpPr/>
+          <p:cNvSpPr>
+            <a:spLocks noGrp="1" noRot="1" noChangeAspect="1"/>
+          </p:cNvSpPr>
           <p:nvPr>
-            <p:ph idx="2" type="sldImg"/>
+            <p:ph type="sldImg" idx="2"/>
           </p:nvPr>
         </p:nvSpPr>
         <p:spPr>
           <a:xfrm>
-            <a:off x="381300" y="685800"/>
-            <a:ext cx="6096075" cy="3429000"/>
+            <a:off x="381000" y="685800"/>
+            <a:ext cx="6096000" cy="3429000"/>
           </a:xfrm>
           <a:custGeom>
-            <a:rect b="b" l="l" r="r" t="t"/>
+            <a:avLst/>
+            <a:gdLst/>
+            <a:ahLst/>
+            <a:cxnLst/>
+            <a:rect l="l" t="t" r="r" b="b"/>
             <a:pathLst>
-              <a:path extrusionOk="0" h="120000" w="120000">
+              <a:path w="120000" h="120000" extrusionOk="0">
                 <a:moveTo>
                   <a:pt x="0" y="0"/>
                 </a:moveTo>
@@ -753,9 +774,11 @@
       <p:sp>
         <p:nvSpPr>
           <p:cNvPr id="57" name="Google Shape;57;p:notes"/>
-          <p:cNvSpPr txBox="1"/>
+          <p:cNvSpPr txBox="1">
+            <a:spLocks noGrp="1"/>
+          </p:cNvSpPr>
           <p:nvPr>
-            <p:ph idx="1" type="body"/>
+            <p:ph type="body" idx="1"/>
           </p:nvPr>
         </p:nvSpPr>
         <p:spPr>
@@ -768,12 +791,12 @@
           </a:prstGeom>
         </p:spPr>
         <p:txBody>
-          <a:bodyPr anchorCtr="0" anchor="t" bIns="91425" lIns="91425" spcFirstLastPara="1" rIns="91425" wrap="square" tIns="91425">
+          <a:bodyPr spcFirstLastPara="1" wrap="square" lIns="91425" tIns="91425" rIns="91425" bIns="91425" anchor="t" anchorCtr="0">
             <a:noAutofit/>
           </a:bodyPr>
           <a:lstStyle/>
           <a:p>
-            <a:pPr indent="0" lvl="0" marL="0" rtl="0" algn="l">
+            <a:pPr marL="0" lvl="0" indent="0" algn="l" rtl="0">
               <a:spcBef>
                 <a:spcPts val="0"/>
               </a:spcBef>
@@ -782,9 +805,6 @@
               </a:spcAft>
               <a:buNone/>
             </a:pPr>
-            <a:r>
-              <a:t/>
-            </a:r>
             <a:endParaRPr/>
           </a:p>
         </p:txBody>
@@ -798,11 +818,11 @@
 </file>
 
 <file path=ppt/notesSlides/notesSlide2.xml><?xml version="1.0" encoding="utf-8"?>
-<p:notes xmlns:a="http://schemas.openxmlformats.org/drawingml/2006/main" xmlns:r="http://schemas.openxmlformats.org/officeDocument/2006/relationships" xmlns:mc="http://schemas.openxmlformats.org/markup-compatibility/2006" xmlns:mv="urn:schemas-microsoft-com:mac:vml" xmlns:p="http://schemas.openxmlformats.org/presentationml/2006/main" xmlns:c="http://schemas.openxmlformats.org/drawingml/2006/chart" xmlns:dgm="http://schemas.openxmlformats.org/drawingml/2006/diagram" xmlns:o="urn:schemas-microsoft-com:office:office" xmlns:v="urn:schemas-microsoft-com:vml" xmlns:pvml="urn:schemas-microsoft-com:office:powerpoint" xmlns:com="http://schemas.openxmlformats.org/drawingml/2006/compatibility" xmlns:p14="http://schemas.microsoft.com/office/powerpoint/2010/main" xmlns:p15="http://schemas.microsoft.com/office/powerpoint/2012/main" xmlns:ahyp="http://schemas.microsoft.com/office/drawing/2018/hyperlinkcolor" showMasterPhAnim="0" showMasterSp="0">
+<p:notes xmlns:a="http://schemas.openxmlformats.org/drawingml/2006/main" xmlns:r="http://schemas.openxmlformats.org/officeDocument/2006/relationships" xmlns:p="http://schemas.openxmlformats.org/presentationml/2006/main" showMasterSp="0" showMasterPhAnim="0">
   <p:cSld>
     <p:spTree>
       <p:nvGrpSpPr>
-        <p:cNvPr id="61" name="Shape 61"/>
+        <p:cNvPr id="1" name="Shape 61"/>
         <p:cNvGrpSpPr/>
         <p:nvPr/>
       </p:nvGrpSpPr>
@@ -817,20 +837,26 @@
       <p:sp>
         <p:nvSpPr>
           <p:cNvPr id="62" name="Google Shape;62;g2293768f2b7_1_5:notes"/>
-          <p:cNvSpPr/>
+          <p:cNvSpPr>
+            <a:spLocks noGrp="1" noRot="1" noChangeAspect="1"/>
+          </p:cNvSpPr>
           <p:nvPr>
-            <p:ph idx="2" type="sldImg"/>
+            <p:ph type="sldImg" idx="2"/>
           </p:nvPr>
         </p:nvSpPr>
         <p:spPr>
           <a:xfrm>
-            <a:off x="381300" y="685800"/>
+            <a:off x="381000" y="685800"/>
             <a:ext cx="6096000" cy="3429000"/>
           </a:xfrm>
           <a:custGeom>
-            <a:rect b="b" l="l" r="r" t="t"/>
+            <a:avLst/>
+            <a:gdLst/>
+            <a:ahLst/>
+            <a:cxnLst/>
+            <a:rect l="l" t="t" r="r" b="b"/>
             <a:pathLst>
-              <a:path extrusionOk="0" h="120000" w="120000">
+              <a:path w="120000" h="120000" extrusionOk="0">
                 <a:moveTo>
                   <a:pt x="0" y="0"/>
                 </a:moveTo>
@@ -852,9 +878,11 @@
       <p:sp>
         <p:nvSpPr>
           <p:cNvPr id="63" name="Google Shape;63;g2293768f2b7_1_5:notes"/>
-          <p:cNvSpPr txBox="1"/>
+          <p:cNvSpPr txBox="1">
+            <a:spLocks noGrp="1"/>
+          </p:cNvSpPr>
           <p:nvPr>
-            <p:ph idx="1" type="body"/>
+            <p:ph type="body" idx="1"/>
           </p:nvPr>
         </p:nvSpPr>
         <p:spPr>
@@ -867,12 +895,12 @@
           </a:prstGeom>
         </p:spPr>
         <p:txBody>
-          <a:bodyPr anchorCtr="0" anchor="t" bIns="91425" lIns="91425" spcFirstLastPara="1" rIns="91425" wrap="square" tIns="91425">
+          <a:bodyPr spcFirstLastPara="1" wrap="square" lIns="91425" tIns="91425" rIns="91425" bIns="91425" anchor="t" anchorCtr="0">
             <a:noAutofit/>
           </a:bodyPr>
           <a:lstStyle/>
           <a:p>
-            <a:pPr indent="0" lvl="0" marL="0" rtl="0" algn="l">
+            <a:pPr marL="0" lvl="0" indent="0" algn="l" rtl="0">
               <a:spcBef>
                 <a:spcPts val="0"/>
               </a:spcBef>
@@ -881,9 +909,6 @@
               </a:spcAft>
               <a:buNone/>
             </a:pPr>
-            <a:r>
-              <a:t/>
-            </a:r>
             <a:endParaRPr/>
           </a:p>
         </p:txBody>
@@ -897,11 +922,11 @@
 </file>
 
 <file path=ppt/notesSlides/notesSlide3.xml><?xml version="1.0" encoding="utf-8"?>
-<p:notes xmlns:a="http://schemas.openxmlformats.org/drawingml/2006/main" xmlns:r="http://schemas.openxmlformats.org/officeDocument/2006/relationships" xmlns:mc="http://schemas.openxmlformats.org/markup-compatibility/2006" xmlns:mv="urn:schemas-microsoft-com:mac:vml" xmlns:p="http://schemas.openxmlformats.org/presentationml/2006/main" xmlns:c="http://schemas.openxmlformats.org/drawingml/2006/chart" xmlns:dgm="http://schemas.openxmlformats.org/drawingml/2006/diagram" xmlns:o="urn:schemas-microsoft-com:office:office" xmlns:v="urn:schemas-microsoft-com:vml" xmlns:pvml="urn:schemas-microsoft-com:office:powerpoint" xmlns:com="http://schemas.openxmlformats.org/drawingml/2006/compatibility" xmlns:p14="http://schemas.microsoft.com/office/powerpoint/2010/main" xmlns:p15="http://schemas.microsoft.com/office/powerpoint/2012/main" xmlns:ahyp="http://schemas.microsoft.com/office/drawing/2018/hyperlinkcolor" showMasterPhAnim="0" showMasterSp="0">
+<p:notes xmlns:a="http://schemas.openxmlformats.org/drawingml/2006/main" xmlns:r="http://schemas.openxmlformats.org/officeDocument/2006/relationships" xmlns:p="http://schemas.openxmlformats.org/presentationml/2006/main" showMasterSp="0" showMasterPhAnim="0">
   <p:cSld>
     <p:spTree>
       <p:nvGrpSpPr>
-        <p:cNvPr id="68" name="Shape 68"/>
+        <p:cNvPr id="1" name="Shape 68"/>
         <p:cNvGrpSpPr/>
         <p:nvPr/>
       </p:nvGrpSpPr>
@@ -916,20 +941,26 @@
       <p:sp>
         <p:nvSpPr>
           <p:cNvPr id="69" name="Google Shape;69;g2293768f2b7_0_50:notes"/>
-          <p:cNvSpPr/>
+          <p:cNvSpPr>
+            <a:spLocks noGrp="1" noRot="1" noChangeAspect="1"/>
+          </p:cNvSpPr>
           <p:nvPr>
-            <p:ph idx="2" type="sldImg"/>
+            <p:ph type="sldImg" idx="2"/>
           </p:nvPr>
         </p:nvSpPr>
         <p:spPr>
           <a:xfrm>
-            <a:off x="381300" y="685800"/>
+            <a:off x="381000" y="685800"/>
             <a:ext cx="6096000" cy="3429000"/>
           </a:xfrm>
           <a:custGeom>
-            <a:rect b="b" l="l" r="r" t="t"/>
+            <a:avLst/>
+            <a:gdLst/>
+            <a:ahLst/>
+            <a:cxnLst/>
+            <a:rect l="l" t="t" r="r" b="b"/>
             <a:pathLst>
-              <a:path extrusionOk="0" h="120000" w="120000">
+              <a:path w="120000" h="120000" extrusionOk="0">
                 <a:moveTo>
                   <a:pt x="0" y="0"/>
                 </a:moveTo>
@@ -951,9 +982,11 @@
       <p:sp>
         <p:nvSpPr>
           <p:cNvPr id="70" name="Google Shape;70;g2293768f2b7_0_50:notes"/>
-          <p:cNvSpPr txBox="1"/>
+          <p:cNvSpPr txBox="1">
+            <a:spLocks noGrp="1"/>
+          </p:cNvSpPr>
           <p:nvPr>
-            <p:ph idx="1" type="body"/>
+            <p:ph type="body" idx="1"/>
           </p:nvPr>
         </p:nvSpPr>
         <p:spPr>
@@ -966,12 +999,12 @@
           </a:prstGeom>
         </p:spPr>
         <p:txBody>
-          <a:bodyPr anchorCtr="0" anchor="t" bIns="91425" lIns="91425" spcFirstLastPara="1" rIns="91425" wrap="square" tIns="91425">
+          <a:bodyPr spcFirstLastPara="1" wrap="square" lIns="91425" tIns="91425" rIns="91425" bIns="91425" anchor="t" anchorCtr="0">
             <a:noAutofit/>
           </a:bodyPr>
           <a:lstStyle/>
           <a:p>
-            <a:pPr indent="0" lvl="0" marL="0" rtl="0" algn="l">
+            <a:pPr marL="0" lvl="0" indent="0" algn="l" rtl="0">
               <a:spcBef>
                 <a:spcPts val="0"/>
               </a:spcBef>
@@ -980,9 +1013,6 @@
               </a:spcAft>
               <a:buNone/>
             </a:pPr>
-            <a:r>
-              <a:t/>
-            </a:r>
             <a:endParaRPr/>
           </a:p>
         </p:txBody>
@@ -996,11 +1026,11 @@
 </file>
 
 <file path=ppt/notesSlides/notesSlide4.xml><?xml version="1.0" encoding="utf-8"?>
-<p:notes xmlns:a="http://schemas.openxmlformats.org/drawingml/2006/main" xmlns:r="http://schemas.openxmlformats.org/officeDocument/2006/relationships" xmlns:mc="http://schemas.openxmlformats.org/markup-compatibility/2006" xmlns:mv="urn:schemas-microsoft-com:mac:vml" xmlns:p="http://schemas.openxmlformats.org/presentationml/2006/main" xmlns:c="http://schemas.openxmlformats.org/drawingml/2006/chart" xmlns:dgm="http://schemas.openxmlformats.org/drawingml/2006/diagram" xmlns:o="urn:schemas-microsoft-com:office:office" xmlns:v="urn:schemas-microsoft-com:vml" xmlns:pvml="urn:schemas-microsoft-com:office:powerpoint" xmlns:com="http://schemas.openxmlformats.org/drawingml/2006/compatibility" xmlns:p14="http://schemas.microsoft.com/office/powerpoint/2010/main" xmlns:p15="http://schemas.microsoft.com/office/powerpoint/2012/main" xmlns:ahyp="http://schemas.microsoft.com/office/drawing/2018/hyperlinkcolor" showMasterPhAnim="0" showMasterSp="0">
+<p:notes xmlns:a="http://schemas.openxmlformats.org/drawingml/2006/main" xmlns:r="http://schemas.openxmlformats.org/officeDocument/2006/relationships" xmlns:p="http://schemas.openxmlformats.org/presentationml/2006/main" showMasterSp="0" showMasterPhAnim="0">
   <p:cSld>
     <p:spTree>
       <p:nvGrpSpPr>
-        <p:cNvPr id="74" name="Shape 74"/>
+        <p:cNvPr id="1" name="Shape 74"/>
         <p:cNvGrpSpPr/>
         <p:nvPr/>
       </p:nvGrpSpPr>
@@ -1015,20 +1045,26 @@
       <p:sp>
         <p:nvSpPr>
           <p:cNvPr id="75" name="Google Shape;75;g2293768f2b7_1_12:notes"/>
-          <p:cNvSpPr/>
+          <p:cNvSpPr>
+            <a:spLocks noGrp="1" noRot="1" noChangeAspect="1"/>
+          </p:cNvSpPr>
           <p:nvPr>
-            <p:ph idx="2" type="sldImg"/>
+            <p:ph type="sldImg" idx="2"/>
           </p:nvPr>
         </p:nvSpPr>
         <p:spPr>
           <a:xfrm>
-            <a:off x="381300" y="685800"/>
+            <a:off x="381000" y="685800"/>
             <a:ext cx="6096000" cy="3429000"/>
           </a:xfrm>
           <a:custGeom>
-            <a:rect b="b" l="l" r="r" t="t"/>
+            <a:avLst/>
+            <a:gdLst/>
+            <a:ahLst/>
+            <a:cxnLst/>
+            <a:rect l="l" t="t" r="r" b="b"/>
             <a:pathLst>
-              <a:path extrusionOk="0" h="120000" w="120000">
+              <a:path w="120000" h="120000" extrusionOk="0">
                 <a:moveTo>
                   <a:pt x="0" y="0"/>
                 </a:moveTo>
@@ -1050,9 +1086,11 @@
       <p:sp>
         <p:nvSpPr>
           <p:cNvPr id="76" name="Google Shape;76;g2293768f2b7_1_12:notes"/>
-          <p:cNvSpPr txBox="1"/>
+          <p:cNvSpPr txBox="1">
+            <a:spLocks noGrp="1"/>
+          </p:cNvSpPr>
           <p:nvPr>
-            <p:ph idx="1" type="body"/>
+            <p:ph type="body" idx="1"/>
           </p:nvPr>
         </p:nvSpPr>
         <p:spPr>
@@ -1065,12 +1103,12 @@
           </a:prstGeom>
         </p:spPr>
         <p:txBody>
-          <a:bodyPr anchorCtr="0" anchor="t" bIns="91425" lIns="91425" spcFirstLastPara="1" rIns="91425" wrap="square" tIns="91425">
+          <a:bodyPr spcFirstLastPara="1" wrap="square" lIns="91425" tIns="91425" rIns="91425" bIns="91425" anchor="t" anchorCtr="0">
             <a:noAutofit/>
           </a:bodyPr>
           <a:lstStyle/>
           <a:p>
-            <a:pPr indent="0" lvl="0" marL="0" rtl="0" algn="l">
+            <a:pPr marL="0" lvl="0" indent="0" algn="l" rtl="0">
               <a:spcBef>
                 <a:spcPts val="0"/>
               </a:spcBef>
@@ -1079,9 +1117,6 @@
               </a:spcAft>
               <a:buNone/>
             </a:pPr>
-            <a:r>
-              <a:t/>
-            </a:r>
             <a:endParaRPr/>
           </a:p>
         </p:txBody>
@@ -1095,18 +1130,19 @@
 </file>
 
 <file path=ppt/slideLayouts/slideLayout1.xml><?xml version="1.0" encoding="utf-8"?>
-<p:sldLayout xmlns:a="http://schemas.openxmlformats.org/drawingml/2006/main" xmlns:r="http://schemas.openxmlformats.org/officeDocument/2006/relationships" xmlns:mc="http://schemas.openxmlformats.org/markup-compatibility/2006" xmlns:mv="urn:schemas-microsoft-com:mac:vml" xmlns:p="http://schemas.openxmlformats.org/presentationml/2006/main" xmlns:c="http://schemas.openxmlformats.org/drawingml/2006/chart" xmlns:dgm="http://schemas.openxmlformats.org/drawingml/2006/diagram" xmlns:o="urn:schemas-microsoft-com:office:office" xmlns:v="urn:schemas-microsoft-com:vml" xmlns:pvml="urn:schemas-microsoft-com:office:powerpoint" xmlns:com="http://schemas.openxmlformats.org/drawingml/2006/compatibility" xmlns:p14="http://schemas.microsoft.com/office/powerpoint/2010/main" xmlns:p15="http://schemas.microsoft.com/office/powerpoint/2012/main" xmlns:ahyp="http://schemas.microsoft.com/office/drawing/2018/hyperlinkcolor" matchingName="Title slide" type="title">
+<p:sldLayout xmlns:a="http://schemas.openxmlformats.org/drawingml/2006/main" xmlns:r="http://schemas.openxmlformats.org/officeDocument/2006/relationships" xmlns:p="http://schemas.openxmlformats.org/presentationml/2006/main" matchingName="Title slide" type="title">
   <p:cSld name="TITLE">
     <p:bg>
       <p:bgPr>
         <a:solidFill>
           <a:schemeClr val="dk1"/>
         </a:solidFill>
+        <a:effectLst/>
       </p:bgPr>
     </p:bg>
     <p:spTree>
       <p:nvGrpSpPr>
-        <p:cNvPr id="9" name="Shape 9"/>
+        <p:cNvPr id="1" name="Shape 9"/>
         <p:cNvGrpSpPr/>
         <p:nvPr/>
       </p:nvGrpSpPr>
@@ -1133,21 +1169,23 @@
             <a:avLst/>
           </a:prstGeom>
           <a:noFill/>
-          <a:ln cap="flat" cmpd="sng" w="19050">
+          <a:ln w="19050" cap="flat" cmpd="sng">
             <a:solidFill>
               <a:schemeClr val="lt2"/>
             </a:solidFill>
             <a:prstDash val="solid"/>
             <a:round/>
-            <a:headEnd len="sm" w="sm" type="none"/>
-            <a:tailEnd len="sm" w="sm" type="none"/>
+            <a:headEnd type="none" w="sm" len="sm"/>
+            <a:tailEnd type="none" w="sm" len="sm"/>
           </a:ln>
         </p:spPr>
       </p:cxnSp>
       <p:sp>
         <p:nvSpPr>
           <p:cNvPr id="11" name="Google Shape;11;p2"/>
-          <p:cNvSpPr txBox="1"/>
+          <p:cNvSpPr txBox="1">
+            <a:spLocks noGrp="1"/>
+          </p:cNvSpPr>
           <p:nvPr>
             <p:ph type="ctrTitle"/>
           </p:nvPr>
@@ -1162,7 +1200,7 @@
           </a:prstGeom>
         </p:spPr>
         <p:txBody>
-          <a:bodyPr anchorCtr="0" anchor="b" bIns="91425" lIns="91425" spcFirstLastPara="1" rIns="91425" wrap="square" tIns="91425">
+          <a:bodyPr spcFirstLastPara="1" wrap="square" lIns="91425" tIns="91425" rIns="91425" bIns="91425" anchor="b" anchorCtr="0">
             <a:normAutofit/>
           </a:bodyPr>
           <a:lstStyle>
@@ -1329,15 +1367,19 @@
               </a:defRPr>
             </a:lvl9pPr>
           </a:lstStyle>
-          <a:p/>
+          <a:p>
+            <a:endParaRPr/>
+          </a:p>
         </p:txBody>
       </p:sp>
       <p:sp>
         <p:nvSpPr>
           <p:cNvPr id="12" name="Google Shape;12;p2"/>
-          <p:cNvSpPr txBox="1"/>
+          <p:cNvSpPr txBox="1">
+            <a:spLocks noGrp="1"/>
+          </p:cNvSpPr>
           <p:nvPr>
-            <p:ph idx="1" type="subTitle"/>
+            <p:ph type="subTitle" idx="1"/>
           </p:nvPr>
         </p:nvSpPr>
         <p:spPr>
@@ -1350,7 +1392,7 @@
           </a:prstGeom>
         </p:spPr>
         <p:txBody>
-          <a:bodyPr anchorCtr="0" anchor="t" bIns="91425" lIns="91425" spcFirstLastPara="1" rIns="91425" wrap="square" tIns="91425">
+          <a:bodyPr spcFirstLastPara="1" wrap="square" lIns="91425" tIns="91425" rIns="91425" bIns="91425" anchor="t" anchorCtr="0">
             <a:normAutofit/>
           </a:bodyPr>
           <a:lstStyle>
@@ -1544,15 +1586,19 @@
               </a:defRPr>
             </a:lvl9pPr>
           </a:lstStyle>
-          <a:p/>
+          <a:p>
+            <a:endParaRPr/>
+          </a:p>
         </p:txBody>
       </p:sp>
       <p:sp>
         <p:nvSpPr>
           <p:cNvPr id="13" name="Google Shape;13;p2"/>
-          <p:cNvSpPr txBox="1"/>
+          <p:cNvSpPr txBox="1">
+            <a:spLocks noGrp="1"/>
+          </p:cNvSpPr>
           <p:nvPr>
-            <p:ph idx="12" type="sldNum"/>
+            <p:ph type="sldNum" idx="12"/>
           </p:nvPr>
         </p:nvSpPr>
         <p:spPr>
@@ -1565,7 +1611,7 @@
           </a:prstGeom>
         </p:spPr>
         <p:txBody>
-          <a:bodyPr anchorCtr="0" anchor="ctr" bIns="91425" lIns="91425" spcFirstLastPara="1" rIns="91425" wrap="square" tIns="91425">
+          <a:bodyPr spcFirstLastPara="1" wrap="square" lIns="91425" tIns="91425" rIns="91425" bIns="91425" anchor="ctr" anchorCtr="0">
             <a:normAutofit/>
           </a:bodyPr>
           <a:lstStyle>
@@ -1643,7 +1689,7 @@
             </a:lvl9pPr>
           </a:lstStyle>
           <a:p>
-            <a:pPr indent="0" lvl="0" marL="0" rtl="0" algn="r">
+            <a:pPr marL="0" lvl="0" indent="0" algn="r" rtl="0">
               <a:spcBef>
                 <a:spcPts val="0"/>
               </a:spcBef>
@@ -1654,7 +1700,7 @@
             </a:pPr>
             <a:fld id="{00000000-1234-1234-1234-123412341234}" type="slidenum">
               <a:rPr lang="es"/>
-              <a:t>‹#›</a:t>
+              <a:t>‹Nº›</a:t>
             </a:fld>
             <a:endParaRPr/>
           </a:p>
@@ -1669,11 +1715,11 @@
 </file>
 
 <file path=ppt/slideLayouts/slideLayout10.xml><?xml version="1.0" encoding="utf-8"?>
-<p:sldLayout xmlns:a="http://schemas.openxmlformats.org/drawingml/2006/main" xmlns:r="http://schemas.openxmlformats.org/officeDocument/2006/relationships" xmlns:mc="http://schemas.openxmlformats.org/markup-compatibility/2006" xmlns:mv="urn:schemas-microsoft-com:mac:vml" xmlns:p="http://schemas.openxmlformats.org/presentationml/2006/main" xmlns:c="http://schemas.openxmlformats.org/drawingml/2006/chart" xmlns:dgm="http://schemas.openxmlformats.org/drawingml/2006/diagram" xmlns:o="urn:schemas-microsoft-com:office:office" xmlns:v="urn:schemas-microsoft-com:vml" xmlns:pvml="urn:schemas-microsoft-com:office:powerpoint" xmlns:com="http://schemas.openxmlformats.org/drawingml/2006/compatibility" xmlns:p14="http://schemas.microsoft.com/office/powerpoint/2010/main" xmlns:p15="http://schemas.microsoft.com/office/powerpoint/2012/main" xmlns:ahyp="http://schemas.microsoft.com/office/drawing/2018/hyperlinkcolor" matchingName="Big number">
+<p:sldLayout xmlns:a="http://schemas.openxmlformats.org/drawingml/2006/main" xmlns:r="http://schemas.openxmlformats.org/officeDocument/2006/relationships" xmlns:p="http://schemas.openxmlformats.org/presentationml/2006/main" matchingName="Big number">
   <p:cSld name="BIG_NUMBER">
     <p:spTree>
       <p:nvGrpSpPr>
-        <p:cNvPr id="48" name="Shape 48"/>
+        <p:cNvPr id="1" name="Shape 48"/>
         <p:cNvGrpSpPr/>
         <p:nvPr/>
       </p:nvGrpSpPr>
@@ -1707,12 +1753,12 @@
           </a:ln>
         </p:spPr>
         <p:txBody>
-          <a:bodyPr anchorCtr="0" anchor="ctr" bIns="91425" lIns="91425" spcFirstLastPara="1" rIns="91425" wrap="square" tIns="91425">
+          <a:bodyPr spcFirstLastPara="1" wrap="square" lIns="91425" tIns="91425" rIns="91425" bIns="91425" anchor="ctr" anchorCtr="0">
             <a:noAutofit/>
           </a:bodyPr>
           <a:lstStyle/>
           <a:p>
-            <a:pPr indent="0" lvl="0" marL="0" rtl="0" algn="l">
+            <a:pPr marL="0" lvl="0" indent="0" algn="l" rtl="0">
               <a:spcBef>
                 <a:spcPts val="0"/>
               </a:spcBef>
@@ -1721,9 +1767,6 @@
               </a:spcAft>
               <a:buNone/>
             </a:pPr>
-            <a:r>
-              <a:t/>
-            </a:r>
             <a:endParaRPr/>
           </a:p>
         </p:txBody>
@@ -1731,9 +1774,11 @@
       <p:sp>
         <p:nvSpPr>
           <p:cNvPr id="50" name="Google Shape;50;p11"/>
-          <p:cNvSpPr txBox="1"/>
+          <p:cNvSpPr txBox="1">
+            <a:spLocks noGrp="1"/>
+          </p:cNvSpPr>
           <p:nvPr>
-            <p:ph hasCustomPrompt="1" type="title"/>
+            <p:ph type="title" hasCustomPrompt="1"/>
           </p:nvPr>
         </p:nvSpPr>
         <p:spPr>
@@ -1746,7 +1791,7 @@
           </a:prstGeom>
         </p:spPr>
         <p:txBody>
-          <a:bodyPr anchorCtr="0" anchor="ctr" bIns="91425" lIns="91425" spcFirstLastPara="1" rIns="91425" wrap="square" tIns="91425">
+          <a:bodyPr spcFirstLastPara="1" wrap="square" lIns="91425" tIns="91425" rIns="91425" bIns="91425" anchor="ctr" anchorCtr="0">
             <a:normAutofit/>
           </a:bodyPr>
           <a:lstStyle>
@@ -1759,7 +1804,7 @@
               </a:spcAft>
               <a:buSzPts val="14000"/>
               <a:buNone/>
-              <a:defRPr b="1" sz="14000"/>
+              <a:defRPr sz="14000" b="1"/>
             </a:lvl1pPr>
             <a:lvl2pPr lvl="1" algn="ctr">
               <a:spcBef>
@@ -1770,7 +1815,7 @@
               </a:spcAft>
               <a:buSzPts val="14000"/>
               <a:buNone/>
-              <a:defRPr b="1" sz="14000"/>
+              <a:defRPr sz="14000" b="1"/>
             </a:lvl2pPr>
             <a:lvl3pPr lvl="2" algn="ctr">
               <a:spcBef>
@@ -1781,7 +1826,7 @@
               </a:spcAft>
               <a:buSzPts val="14000"/>
               <a:buNone/>
-              <a:defRPr b="1" sz="14000"/>
+              <a:defRPr sz="14000" b="1"/>
             </a:lvl3pPr>
             <a:lvl4pPr lvl="3" algn="ctr">
               <a:spcBef>
@@ -1792,7 +1837,7 @@
               </a:spcAft>
               <a:buSzPts val="14000"/>
               <a:buNone/>
-              <a:defRPr b="1" sz="14000"/>
+              <a:defRPr sz="14000" b="1"/>
             </a:lvl4pPr>
             <a:lvl5pPr lvl="4" algn="ctr">
               <a:spcBef>
@@ -1803,7 +1848,7 @@
               </a:spcAft>
               <a:buSzPts val="14000"/>
               <a:buNone/>
-              <a:defRPr b="1" sz="14000"/>
+              <a:defRPr sz="14000" b="1"/>
             </a:lvl5pPr>
             <a:lvl6pPr lvl="5" algn="ctr">
               <a:spcBef>
@@ -1814,7 +1859,7 @@
               </a:spcAft>
               <a:buSzPts val="14000"/>
               <a:buNone/>
-              <a:defRPr b="1" sz="14000"/>
+              <a:defRPr sz="14000" b="1"/>
             </a:lvl6pPr>
             <a:lvl7pPr lvl="6" algn="ctr">
               <a:spcBef>
@@ -1825,7 +1870,7 @@
               </a:spcAft>
               <a:buSzPts val="14000"/>
               <a:buNone/>
-              <a:defRPr b="1" sz="14000"/>
+              <a:defRPr sz="14000" b="1"/>
             </a:lvl7pPr>
             <a:lvl8pPr lvl="7" algn="ctr">
               <a:spcBef>
@@ -1836,7 +1881,7 @@
               </a:spcAft>
               <a:buSzPts val="14000"/>
               <a:buNone/>
-              <a:defRPr b="1" sz="14000"/>
+              <a:defRPr sz="14000" b="1"/>
             </a:lvl8pPr>
             <a:lvl9pPr lvl="8" algn="ctr">
               <a:spcBef>
@@ -1847,7 +1892,7 @@
               </a:spcAft>
               <a:buSzPts val="14000"/>
               <a:buNone/>
-              <a:defRPr b="1" sz="14000"/>
+              <a:defRPr sz="14000" b="1"/>
             </a:lvl9pPr>
           </a:lstStyle>
           <a:p>
@@ -1860,9 +1905,11 @@
       <p:sp>
         <p:nvSpPr>
           <p:cNvPr id="51" name="Google Shape;51;p11"/>
-          <p:cNvSpPr txBox="1"/>
+          <p:cNvSpPr txBox="1">
+            <a:spLocks noGrp="1"/>
+          </p:cNvSpPr>
           <p:nvPr>
-            <p:ph idx="1" type="body"/>
+            <p:ph type="body" idx="1"/>
           </p:nvPr>
         </p:nvSpPr>
         <p:spPr>
@@ -1875,11 +1922,11 @@
           </a:prstGeom>
         </p:spPr>
         <p:txBody>
-          <a:bodyPr anchorCtr="0" anchor="t" bIns="91425" lIns="91425" spcFirstLastPara="1" rIns="91425" wrap="square" tIns="91425">
+          <a:bodyPr spcFirstLastPara="1" wrap="square" lIns="91425" tIns="91425" rIns="91425" bIns="91425" anchor="t" anchorCtr="0">
             <a:normAutofit/>
           </a:bodyPr>
           <a:lstStyle>
-            <a:lvl1pPr indent="-342900" lvl="0" marL="457200" algn="ctr">
+            <a:lvl1pPr marL="457200" lvl="0" indent="-342900" algn="ctr">
               <a:spcBef>
                 <a:spcPts val="0"/>
               </a:spcBef>
@@ -1890,7 +1937,7 @@
               <a:buChar char="●"/>
               <a:defRPr/>
             </a:lvl1pPr>
-            <a:lvl2pPr indent="-317500" lvl="1" marL="914400" algn="ctr">
+            <a:lvl2pPr marL="914400" lvl="1" indent="-317500" algn="ctr">
               <a:spcBef>
                 <a:spcPts val="0"/>
               </a:spcBef>
@@ -1901,7 +1948,7 @@
               <a:buChar char="○"/>
               <a:defRPr/>
             </a:lvl2pPr>
-            <a:lvl3pPr indent="-317500" lvl="2" marL="1371600" algn="ctr">
+            <a:lvl3pPr marL="1371600" lvl="2" indent="-317500" algn="ctr">
               <a:spcBef>
                 <a:spcPts val="0"/>
               </a:spcBef>
@@ -1912,7 +1959,7 @@
               <a:buChar char="■"/>
               <a:defRPr/>
             </a:lvl3pPr>
-            <a:lvl4pPr indent="-317500" lvl="3" marL="1828800" algn="ctr">
+            <a:lvl4pPr marL="1828800" lvl="3" indent="-317500" algn="ctr">
               <a:spcBef>
                 <a:spcPts val="0"/>
               </a:spcBef>
@@ -1923,7 +1970,7 @@
               <a:buChar char="●"/>
               <a:defRPr/>
             </a:lvl4pPr>
-            <a:lvl5pPr indent="-317500" lvl="4" marL="2286000" algn="ctr">
+            <a:lvl5pPr marL="2286000" lvl="4" indent="-317500" algn="ctr">
               <a:spcBef>
                 <a:spcPts val="0"/>
               </a:spcBef>
@@ -1934,7 +1981,7 @@
               <a:buChar char="○"/>
               <a:defRPr/>
             </a:lvl5pPr>
-            <a:lvl6pPr indent="-317500" lvl="5" marL="2743200" algn="ctr">
+            <a:lvl6pPr marL="2743200" lvl="5" indent="-317500" algn="ctr">
               <a:spcBef>
                 <a:spcPts val="0"/>
               </a:spcBef>
@@ -1945,7 +1992,7 @@
               <a:buChar char="■"/>
               <a:defRPr/>
             </a:lvl6pPr>
-            <a:lvl7pPr indent="-317500" lvl="6" marL="3200400" algn="ctr">
+            <a:lvl7pPr marL="3200400" lvl="6" indent="-317500" algn="ctr">
               <a:spcBef>
                 <a:spcPts val="0"/>
               </a:spcBef>
@@ -1956,7 +2003,7 @@
               <a:buChar char="●"/>
               <a:defRPr/>
             </a:lvl7pPr>
-            <a:lvl8pPr indent="-317500" lvl="7" marL="3657600" algn="ctr">
+            <a:lvl8pPr marL="3657600" lvl="7" indent="-317500" algn="ctr">
               <a:spcBef>
                 <a:spcPts val="0"/>
               </a:spcBef>
@@ -1967,7 +2014,7 @@
               <a:buChar char="○"/>
               <a:defRPr/>
             </a:lvl8pPr>
-            <a:lvl9pPr indent="-317500" lvl="8" marL="4114800" algn="ctr">
+            <a:lvl9pPr marL="4114800" lvl="8" indent="-317500" algn="ctr">
               <a:spcBef>
                 <a:spcPts val="0"/>
               </a:spcBef>
@@ -1979,15 +2026,19 @@
               <a:defRPr/>
             </a:lvl9pPr>
           </a:lstStyle>
-          <a:p/>
+          <a:p>
+            <a:endParaRPr/>
+          </a:p>
         </p:txBody>
       </p:sp>
       <p:sp>
         <p:nvSpPr>
           <p:cNvPr id="52" name="Google Shape;52;p11"/>
-          <p:cNvSpPr txBox="1"/>
+          <p:cNvSpPr txBox="1">
+            <a:spLocks noGrp="1"/>
+          </p:cNvSpPr>
           <p:nvPr>
-            <p:ph idx="12" type="sldNum"/>
+            <p:ph type="sldNum" idx="12"/>
           </p:nvPr>
         </p:nvSpPr>
         <p:spPr>
@@ -2000,7 +2051,7 @@
           </a:prstGeom>
         </p:spPr>
         <p:txBody>
-          <a:bodyPr anchorCtr="0" anchor="ctr" bIns="91425" lIns="91425" spcFirstLastPara="1" rIns="91425" wrap="square" tIns="91425">
+          <a:bodyPr spcFirstLastPara="1" wrap="square" lIns="91425" tIns="91425" rIns="91425" bIns="91425" anchor="ctr" anchorCtr="0">
             <a:normAutofit/>
           </a:bodyPr>
           <a:lstStyle>
@@ -2042,7 +2093,7 @@
             </a:lvl9pPr>
           </a:lstStyle>
           <a:p>
-            <a:pPr indent="0" lvl="0" marL="0" rtl="0" algn="r">
+            <a:pPr marL="0" lvl="0" indent="0" algn="r" rtl="0">
               <a:spcBef>
                 <a:spcPts val="0"/>
               </a:spcBef>
@@ -2053,7 +2104,7 @@
             </a:pPr>
             <a:fld id="{00000000-1234-1234-1234-123412341234}" type="slidenum">
               <a:rPr lang="es"/>
-              <a:t>‹#›</a:t>
+              <a:t>‹Nº›</a:t>
             </a:fld>
             <a:endParaRPr/>
           </a:p>
@@ -2068,11 +2119,11 @@
 </file>
 
 <file path=ppt/slideLayouts/slideLayout11.xml><?xml version="1.0" encoding="utf-8"?>
-<p:sldLayout xmlns:a="http://schemas.openxmlformats.org/drawingml/2006/main" xmlns:r="http://schemas.openxmlformats.org/officeDocument/2006/relationships" xmlns:mc="http://schemas.openxmlformats.org/markup-compatibility/2006" xmlns:mv="urn:schemas-microsoft-com:mac:vml" xmlns:p="http://schemas.openxmlformats.org/presentationml/2006/main" xmlns:c="http://schemas.openxmlformats.org/drawingml/2006/chart" xmlns:dgm="http://schemas.openxmlformats.org/drawingml/2006/diagram" xmlns:o="urn:schemas-microsoft-com:office:office" xmlns:v="urn:schemas-microsoft-com:vml" xmlns:pvml="urn:schemas-microsoft-com:office:powerpoint" xmlns:com="http://schemas.openxmlformats.org/drawingml/2006/compatibility" xmlns:p14="http://schemas.microsoft.com/office/powerpoint/2010/main" xmlns:p15="http://schemas.microsoft.com/office/powerpoint/2012/main" xmlns:ahyp="http://schemas.microsoft.com/office/drawing/2018/hyperlinkcolor" matchingName="Blank" type="blank">
+<p:sldLayout xmlns:a="http://schemas.openxmlformats.org/drawingml/2006/main" xmlns:r="http://schemas.openxmlformats.org/officeDocument/2006/relationships" xmlns:p="http://schemas.openxmlformats.org/presentationml/2006/main" matchingName="Blank" type="blank">
   <p:cSld name="BLANK">
     <p:spTree>
       <p:nvGrpSpPr>
-        <p:cNvPr id="53" name="Shape 53"/>
+        <p:cNvPr id="1" name="Shape 53"/>
         <p:cNvGrpSpPr/>
         <p:nvPr/>
       </p:nvGrpSpPr>
@@ -2087,9 +2138,11 @@
       <p:sp>
         <p:nvSpPr>
           <p:cNvPr id="54" name="Google Shape;54;p12"/>
-          <p:cNvSpPr txBox="1"/>
+          <p:cNvSpPr txBox="1">
+            <a:spLocks noGrp="1"/>
+          </p:cNvSpPr>
           <p:nvPr>
-            <p:ph idx="12" type="sldNum"/>
+            <p:ph type="sldNum" idx="12"/>
           </p:nvPr>
         </p:nvSpPr>
         <p:spPr>
@@ -2102,7 +2155,7 @@
           </a:prstGeom>
         </p:spPr>
         <p:txBody>
-          <a:bodyPr anchorCtr="0" anchor="ctr" bIns="91425" lIns="91425" spcFirstLastPara="1" rIns="91425" wrap="square" tIns="91425">
+          <a:bodyPr spcFirstLastPara="1" wrap="square" lIns="91425" tIns="91425" rIns="91425" bIns="91425" anchor="ctr" anchorCtr="0">
             <a:normAutofit/>
           </a:bodyPr>
           <a:lstStyle>
@@ -2144,7 +2197,7 @@
             </a:lvl9pPr>
           </a:lstStyle>
           <a:p>
-            <a:pPr indent="0" lvl="0" marL="0" rtl="0" algn="r">
+            <a:pPr marL="0" lvl="0" indent="0" algn="r" rtl="0">
               <a:spcBef>
                 <a:spcPts val="0"/>
               </a:spcBef>
@@ -2155,7 +2208,7 @@
             </a:pPr>
             <a:fld id="{00000000-1234-1234-1234-123412341234}" type="slidenum">
               <a:rPr lang="es"/>
-              <a:t>‹#›</a:t>
+              <a:t>‹Nº›</a:t>
             </a:fld>
             <a:endParaRPr/>
           </a:p>
@@ -2170,18 +2223,19 @@
 </file>
 
 <file path=ppt/slideLayouts/slideLayout2.xml><?xml version="1.0" encoding="utf-8"?>
-<p:sldLayout xmlns:a="http://schemas.openxmlformats.org/drawingml/2006/main" xmlns:r="http://schemas.openxmlformats.org/officeDocument/2006/relationships" xmlns:mc="http://schemas.openxmlformats.org/markup-compatibility/2006" xmlns:mv="urn:schemas-microsoft-com:mac:vml" xmlns:p="http://schemas.openxmlformats.org/presentationml/2006/main" xmlns:c="http://schemas.openxmlformats.org/drawingml/2006/chart" xmlns:dgm="http://schemas.openxmlformats.org/drawingml/2006/diagram" xmlns:o="urn:schemas-microsoft-com:office:office" xmlns:v="urn:schemas-microsoft-com:vml" xmlns:pvml="urn:schemas-microsoft-com:office:powerpoint" xmlns:com="http://schemas.openxmlformats.org/drawingml/2006/compatibility" xmlns:p14="http://schemas.microsoft.com/office/powerpoint/2010/main" xmlns:p15="http://schemas.microsoft.com/office/powerpoint/2012/main" xmlns:ahyp="http://schemas.microsoft.com/office/drawing/2018/hyperlinkcolor" matchingName="Section header" type="secHead">
+<p:sldLayout xmlns:a="http://schemas.openxmlformats.org/drawingml/2006/main" xmlns:r="http://schemas.openxmlformats.org/officeDocument/2006/relationships" xmlns:p="http://schemas.openxmlformats.org/presentationml/2006/main" matchingName="Section header" type="secHead">
   <p:cSld name="SECTION_HEADER">
     <p:bg>
       <p:bgPr>
         <a:solidFill>
           <a:schemeClr val="dk1"/>
         </a:solidFill>
+        <a:effectLst/>
       </p:bgPr>
     </p:bg>
     <p:spTree>
       <p:nvGrpSpPr>
-        <p:cNvPr id="14" name="Shape 14"/>
+        <p:cNvPr id="1" name="Shape 14"/>
         <p:cNvGrpSpPr/>
         <p:nvPr/>
       </p:nvGrpSpPr>
@@ -2208,21 +2262,23 @@
             <a:avLst/>
           </a:prstGeom>
           <a:noFill/>
-          <a:ln cap="flat" cmpd="sng" w="19050">
+          <a:ln w="19050" cap="flat" cmpd="sng">
             <a:solidFill>
               <a:schemeClr val="lt2"/>
             </a:solidFill>
             <a:prstDash val="solid"/>
             <a:round/>
-            <a:headEnd len="sm" w="sm" type="none"/>
-            <a:tailEnd len="sm" w="sm" type="none"/>
+            <a:headEnd type="none" w="sm" len="sm"/>
+            <a:tailEnd type="none" w="sm" len="sm"/>
           </a:ln>
         </p:spPr>
       </p:cxnSp>
       <p:sp>
         <p:nvSpPr>
           <p:cNvPr id="16" name="Google Shape;16;p3"/>
-          <p:cNvSpPr txBox="1"/>
+          <p:cNvSpPr txBox="1">
+            <a:spLocks noGrp="1"/>
+          </p:cNvSpPr>
           <p:nvPr>
             <p:ph type="title"/>
           </p:nvPr>
@@ -2237,7 +2293,7 @@
           </a:prstGeom>
         </p:spPr>
         <p:txBody>
-          <a:bodyPr anchorCtr="0" anchor="b" bIns="91425" lIns="91425" spcFirstLastPara="1" rIns="91425" wrap="square" tIns="91425">
+          <a:bodyPr spcFirstLastPara="1" wrap="square" lIns="91425" tIns="91425" rIns="91425" bIns="91425" anchor="b" anchorCtr="0">
             <a:normAutofit/>
           </a:bodyPr>
           <a:lstStyle>
@@ -2404,15 +2460,19 @@
               </a:defRPr>
             </a:lvl9pPr>
           </a:lstStyle>
-          <a:p/>
+          <a:p>
+            <a:endParaRPr/>
+          </a:p>
         </p:txBody>
       </p:sp>
       <p:sp>
         <p:nvSpPr>
           <p:cNvPr id="17" name="Google Shape;17;p3"/>
-          <p:cNvSpPr txBox="1"/>
+          <p:cNvSpPr txBox="1">
+            <a:spLocks noGrp="1"/>
+          </p:cNvSpPr>
           <p:nvPr>
-            <p:ph idx="12" type="sldNum"/>
+            <p:ph type="sldNum" idx="12"/>
           </p:nvPr>
         </p:nvSpPr>
         <p:spPr>
@@ -2425,7 +2485,7 @@
           </a:prstGeom>
         </p:spPr>
         <p:txBody>
-          <a:bodyPr anchorCtr="0" anchor="ctr" bIns="91425" lIns="91425" spcFirstLastPara="1" rIns="91425" wrap="square" tIns="91425">
+          <a:bodyPr spcFirstLastPara="1" wrap="square" lIns="91425" tIns="91425" rIns="91425" bIns="91425" anchor="ctr" anchorCtr="0">
             <a:normAutofit/>
           </a:bodyPr>
           <a:lstStyle>
@@ -2503,7 +2563,7 @@
             </a:lvl9pPr>
           </a:lstStyle>
           <a:p>
-            <a:pPr indent="0" lvl="0" marL="0" rtl="0" algn="r">
+            <a:pPr marL="0" lvl="0" indent="0" algn="r" rtl="0">
               <a:spcBef>
                 <a:spcPts val="0"/>
               </a:spcBef>
@@ -2514,7 +2574,7 @@
             </a:pPr>
             <a:fld id="{00000000-1234-1234-1234-123412341234}" type="slidenum">
               <a:rPr lang="es"/>
-              <a:t>‹#›</a:t>
+              <a:t>‹Nº›</a:t>
             </a:fld>
             <a:endParaRPr/>
           </a:p>
@@ -2529,11 +2589,11 @@
 </file>
 
 <file path=ppt/slideLayouts/slideLayout3.xml><?xml version="1.0" encoding="utf-8"?>
-<p:sldLayout xmlns:a="http://schemas.openxmlformats.org/drawingml/2006/main" xmlns:r="http://schemas.openxmlformats.org/officeDocument/2006/relationships" xmlns:mc="http://schemas.openxmlformats.org/markup-compatibility/2006" xmlns:mv="urn:schemas-microsoft-com:mac:vml" xmlns:p="http://schemas.openxmlformats.org/presentationml/2006/main" xmlns:c="http://schemas.openxmlformats.org/drawingml/2006/chart" xmlns:dgm="http://schemas.openxmlformats.org/drawingml/2006/diagram" xmlns:o="urn:schemas-microsoft-com:office:office" xmlns:v="urn:schemas-microsoft-com:vml" xmlns:pvml="urn:schemas-microsoft-com:office:powerpoint" xmlns:com="http://schemas.openxmlformats.org/drawingml/2006/compatibility" xmlns:p14="http://schemas.microsoft.com/office/powerpoint/2010/main" xmlns:p15="http://schemas.microsoft.com/office/powerpoint/2012/main" xmlns:ahyp="http://schemas.microsoft.com/office/drawing/2018/hyperlinkcolor" matchingName="Title and body" type="tx">
+<p:sldLayout xmlns:a="http://schemas.openxmlformats.org/drawingml/2006/main" xmlns:r="http://schemas.openxmlformats.org/officeDocument/2006/relationships" xmlns:p="http://schemas.openxmlformats.org/presentationml/2006/main" matchingName="Title and body" type="tx">
   <p:cSld name="TITLE_AND_BODY">
     <p:spTree>
       <p:nvGrpSpPr>
-        <p:cNvPr id="18" name="Shape 18"/>
+        <p:cNvPr id="1" name="Shape 18"/>
         <p:cNvGrpSpPr/>
         <p:nvPr/>
       </p:nvGrpSpPr>
@@ -2567,12 +2627,12 @@
           </a:ln>
         </p:spPr>
         <p:txBody>
-          <a:bodyPr anchorCtr="0" anchor="ctr" bIns="91425" lIns="91425" spcFirstLastPara="1" rIns="91425" wrap="square" tIns="91425">
+          <a:bodyPr spcFirstLastPara="1" wrap="square" lIns="91425" tIns="91425" rIns="91425" bIns="91425" anchor="ctr" anchorCtr="0">
             <a:noAutofit/>
           </a:bodyPr>
           <a:lstStyle/>
           <a:p>
-            <a:pPr indent="0" lvl="0" marL="0" rtl="0" algn="l">
+            <a:pPr marL="0" lvl="0" indent="0" algn="l" rtl="0">
               <a:spcBef>
                 <a:spcPts val="0"/>
               </a:spcBef>
@@ -2581,9 +2641,6 @@
               </a:spcAft>
               <a:buNone/>
             </a:pPr>
-            <a:r>
-              <a:t/>
-            </a:r>
             <a:endParaRPr/>
           </a:p>
         </p:txBody>
@@ -2591,7 +2648,9 @@
       <p:sp>
         <p:nvSpPr>
           <p:cNvPr id="20" name="Google Shape;20;p4"/>
-          <p:cNvSpPr txBox="1"/>
+          <p:cNvSpPr txBox="1">
+            <a:spLocks noGrp="1"/>
+          </p:cNvSpPr>
           <p:nvPr>
             <p:ph type="title"/>
           </p:nvPr>
@@ -2606,7 +2665,7 @@
           </a:prstGeom>
         </p:spPr>
         <p:txBody>
-          <a:bodyPr anchorCtr="0" anchor="t" bIns="91425" lIns="91425" spcFirstLastPara="1" rIns="91425" wrap="square" tIns="91425">
+          <a:bodyPr spcFirstLastPara="1" wrap="square" lIns="91425" tIns="91425" rIns="91425" bIns="91425" anchor="t" anchorCtr="0">
             <a:normAutofit/>
           </a:bodyPr>
           <a:lstStyle>
@@ -2710,15 +2769,19 @@
               <a:defRPr/>
             </a:lvl9pPr>
           </a:lstStyle>
-          <a:p/>
+          <a:p>
+            <a:endParaRPr/>
+          </a:p>
         </p:txBody>
       </p:sp>
       <p:sp>
         <p:nvSpPr>
           <p:cNvPr id="21" name="Google Shape;21;p4"/>
-          <p:cNvSpPr txBox="1"/>
+          <p:cNvSpPr txBox="1">
+            <a:spLocks noGrp="1"/>
+          </p:cNvSpPr>
           <p:nvPr>
-            <p:ph idx="1" type="body"/>
+            <p:ph type="body" idx="1"/>
           </p:nvPr>
         </p:nvSpPr>
         <p:spPr>
@@ -2731,11 +2794,11 @@
           </a:prstGeom>
         </p:spPr>
         <p:txBody>
-          <a:bodyPr anchorCtr="0" anchor="t" bIns="91425" lIns="91425" spcFirstLastPara="1" rIns="91425" wrap="square" tIns="91425">
+          <a:bodyPr spcFirstLastPara="1" wrap="square" lIns="91425" tIns="91425" rIns="91425" bIns="91425" anchor="t" anchorCtr="0">
             <a:normAutofit/>
           </a:bodyPr>
           <a:lstStyle>
-            <a:lvl1pPr indent="-342900" lvl="0" marL="457200">
+            <a:lvl1pPr marL="457200" lvl="0" indent="-342900">
               <a:spcBef>
                 <a:spcPts val="0"/>
               </a:spcBef>
@@ -2746,7 +2809,7 @@
               <a:buChar char="●"/>
               <a:defRPr/>
             </a:lvl1pPr>
-            <a:lvl2pPr indent="-317500" lvl="1" marL="914400">
+            <a:lvl2pPr marL="914400" lvl="1" indent="-317500">
               <a:spcBef>
                 <a:spcPts val="0"/>
               </a:spcBef>
@@ -2757,7 +2820,7 @@
               <a:buChar char="○"/>
               <a:defRPr/>
             </a:lvl2pPr>
-            <a:lvl3pPr indent="-317500" lvl="2" marL="1371600">
+            <a:lvl3pPr marL="1371600" lvl="2" indent="-317500">
               <a:spcBef>
                 <a:spcPts val="0"/>
               </a:spcBef>
@@ -2768,7 +2831,7 @@
               <a:buChar char="■"/>
               <a:defRPr/>
             </a:lvl3pPr>
-            <a:lvl4pPr indent="-317500" lvl="3" marL="1828800">
+            <a:lvl4pPr marL="1828800" lvl="3" indent="-317500">
               <a:spcBef>
                 <a:spcPts val="0"/>
               </a:spcBef>
@@ -2779,7 +2842,7 @@
               <a:buChar char="●"/>
               <a:defRPr/>
             </a:lvl4pPr>
-            <a:lvl5pPr indent="-317500" lvl="4" marL="2286000">
+            <a:lvl5pPr marL="2286000" lvl="4" indent="-317500">
               <a:spcBef>
                 <a:spcPts val="0"/>
               </a:spcBef>
@@ -2790,7 +2853,7 @@
               <a:buChar char="○"/>
               <a:defRPr/>
             </a:lvl5pPr>
-            <a:lvl6pPr indent="-317500" lvl="5" marL="2743200">
+            <a:lvl6pPr marL="2743200" lvl="5" indent="-317500">
               <a:spcBef>
                 <a:spcPts val="0"/>
               </a:spcBef>
@@ -2801,7 +2864,7 @@
               <a:buChar char="■"/>
               <a:defRPr/>
             </a:lvl6pPr>
-            <a:lvl7pPr indent="-317500" lvl="6" marL="3200400">
+            <a:lvl7pPr marL="3200400" lvl="6" indent="-317500">
               <a:spcBef>
                 <a:spcPts val="0"/>
               </a:spcBef>
@@ -2812,7 +2875,7 @@
               <a:buChar char="●"/>
               <a:defRPr/>
             </a:lvl7pPr>
-            <a:lvl8pPr indent="-317500" lvl="7" marL="3657600">
+            <a:lvl8pPr marL="3657600" lvl="7" indent="-317500">
               <a:spcBef>
                 <a:spcPts val="0"/>
               </a:spcBef>
@@ -2823,7 +2886,7 @@
               <a:buChar char="○"/>
               <a:defRPr/>
             </a:lvl8pPr>
-            <a:lvl9pPr indent="-317500" lvl="8" marL="4114800">
+            <a:lvl9pPr marL="4114800" lvl="8" indent="-317500">
               <a:spcBef>
                 <a:spcPts val="0"/>
               </a:spcBef>
@@ -2835,15 +2898,19 @@
               <a:defRPr/>
             </a:lvl9pPr>
           </a:lstStyle>
-          <a:p/>
+          <a:p>
+            <a:endParaRPr/>
+          </a:p>
         </p:txBody>
       </p:sp>
       <p:sp>
         <p:nvSpPr>
           <p:cNvPr id="22" name="Google Shape;22;p4"/>
-          <p:cNvSpPr txBox="1"/>
+          <p:cNvSpPr txBox="1">
+            <a:spLocks noGrp="1"/>
+          </p:cNvSpPr>
           <p:nvPr>
-            <p:ph idx="12" type="sldNum"/>
+            <p:ph type="sldNum" idx="12"/>
           </p:nvPr>
         </p:nvSpPr>
         <p:spPr>
@@ -2856,7 +2923,7 @@
           </a:prstGeom>
         </p:spPr>
         <p:txBody>
-          <a:bodyPr anchorCtr="0" anchor="ctr" bIns="91425" lIns="91425" spcFirstLastPara="1" rIns="91425" wrap="square" tIns="91425">
+          <a:bodyPr spcFirstLastPara="1" wrap="square" lIns="91425" tIns="91425" rIns="91425" bIns="91425" anchor="ctr" anchorCtr="0">
             <a:normAutofit/>
           </a:bodyPr>
           <a:lstStyle>
@@ -2898,7 +2965,7 @@
             </a:lvl9pPr>
           </a:lstStyle>
           <a:p>
-            <a:pPr indent="0" lvl="0" marL="0" rtl="0" algn="r">
+            <a:pPr marL="0" lvl="0" indent="0" algn="r" rtl="0">
               <a:spcBef>
                 <a:spcPts val="0"/>
               </a:spcBef>
@@ -2909,7 +2976,7 @@
             </a:pPr>
             <a:fld id="{00000000-1234-1234-1234-123412341234}" type="slidenum">
               <a:rPr lang="es"/>
-              <a:t>‹#›</a:t>
+              <a:t>‹Nº›</a:t>
             </a:fld>
             <a:endParaRPr/>
           </a:p>
@@ -2924,11 +2991,11 @@
 </file>
 
 <file path=ppt/slideLayouts/slideLayout4.xml><?xml version="1.0" encoding="utf-8"?>
-<p:sldLayout xmlns:a="http://schemas.openxmlformats.org/drawingml/2006/main" xmlns:r="http://schemas.openxmlformats.org/officeDocument/2006/relationships" xmlns:mc="http://schemas.openxmlformats.org/markup-compatibility/2006" xmlns:mv="urn:schemas-microsoft-com:mac:vml" xmlns:p="http://schemas.openxmlformats.org/presentationml/2006/main" xmlns:c="http://schemas.openxmlformats.org/drawingml/2006/chart" xmlns:dgm="http://schemas.openxmlformats.org/drawingml/2006/diagram" xmlns:o="urn:schemas-microsoft-com:office:office" xmlns:v="urn:schemas-microsoft-com:vml" xmlns:pvml="urn:schemas-microsoft-com:office:powerpoint" xmlns:com="http://schemas.openxmlformats.org/drawingml/2006/compatibility" xmlns:p14="http://schemas.microsoft.com/office/powerpoint/2010/main" xmlns:p15="http://schemas.microsoft.com/office/powerpoint/2012/main" xmlns:ahyp="http://schemas.microsoft.com/office/drawing/2018/hyperlinkcolor" matchingName="Title and two columns" type="twoColTx">
+<p:sldLayout xmlns:a="http://schemas.openxmlformats.org/drawingml/2006/main" xmlns:r="http://schemas.openxmlformats.org/officeDocument/2006/relationships" xmlns:p="http://schemas.openxmlformats.org/presentationml/2006/main" matchingName="Title and two columns" type="twoColTx">
   <p:cSld name="TITLE_AND_TWO_COLUMNS">
     <p:spTree>
       <p:nvGrpSpPr>
-        <p:cNvPr id="23" name="Shape 23"/>
+        <p:cNvPr id="1" name="Shape 23"/>
         <p:cNvGrpSpPr/>
         <p:nvPr/>
       </p:nvGrpSpPr>
@@ -2943,7 +3010,9 @@
       <p:sp>
         <p:nvSpPr>
           <p:cNvPr id="24" name="Google Shape;24;p5"/>
-          <p:cNvSpPr txBox="1"/>
+          <p:cNvSpPr txBox="1">
+            <a:spLocks noGrp="1"/>
+          </p:cNvSpPr>
           <p:nvPr>
             <p:ph type="title"/>
           </p:nvPr>
@@ -2958,7 +3027,7 @@
           </a:prstGeom>
         </p:spPr>
         <p:txBody>
-          <a:bodyPr anchorCtr="0" anchor="t" bIns="91425" lIns="91425" spcFirstLastPara="1" rIns="91425" wrap="square" tIns="91425">
+          <a:bodyPr spcFirstLastPara="1" wrap="square" lIns="91425" tIns="91425" rIns="91425" bIns="91425" anchor="t" anchorCtr="0">
             <a:normAutofit/>
           </a:bodyPr>
           <a:lstStyle>
@@ -3062,15 +3131,19 @@
               <a:defRPr/>
             </a:lvl9pPr>
           </a:lstStyle>
-          <a:p/>
+          <a:p>
+            <a:endParaRPr/>
+          </a:p>
         </p:txBody>
       </p:sp>
       <p:sp>
         <p:nvSpPr>
           <p:cNvPr id="25" name="Google Shape;25;p5"/>
-          <p:cNvSpPr txBox="1"/>
+          <p:cNvSpPr txBox="1">
+            <a:spLocks noGrp="1"/>
+          </p:cNvSpPr>
           <p:nvPr>
-            <p:ph idx="1" type="body"/>
+            <p:ph type="body" idx="1"/>
           </p:nvPr>
         </p:nvSpPr>
         <p:spPr>
@@ -3083,11 +3156,11 @@
           </a:prstGeom>
         </p:spPr>
         <p:txBody>
-          <a:bodyPr anchorCtr="0" anchor="t" bIns="91425" lIns="91425" spcFirstLastPara="1" rIns="91425" wrap="square" tIns="91425">
+          <a:bodyPr spcFirstLastPara="1" wrap="square" lIns="91425" tIns="91425" rIns="91425" bIns="91425" anchor="t" anchorCtr="0">
             <a:normAutofit/>
           </a:bodyPr>
           <a:lstStyle>
-            <a:lvl1pPr indent="-317500" lvl="0" marL="457200">
+            <a:lvl1pPr marL="457200" lvl="0" indent="-317500">
               <a:spcBef>
                 <a:spcPts val="0"/>
               </a:spcBef>
@@ -3098,7 +3171,7 @@
               <a:buChar char="●"/>
               <a:defRPr sz="1400"/>
             </a:lvl1pPr>
-            <a:lvl2pPr indent="-304800" lvl="1" marL="914400">
+            <a:lvl2pPr marL="914400" lvl="1" indent="-304800">
               <a:spcBef>
                 <a:spcPts val="0"/>
               </a:spcBef>
@@ -3109,7 +3182,7 @@
               <a:buChar char="○"/>
               <a:defRPr sz="1200"/>
             </a:lvl2pPr>
-            <a:lvl3pPr indent="-304800" lvl="2" marL="1371600">
+            <a:lvl3pPr marL="1371600" lvl="2" indent="-304800">
               <a:spcBef>
                 <a:spcPts val="0"/>
               </a:spcBef>
@@ -3120,7 +3193,7 @@
               <a:buChar char="■"/>
               <a:defRPr sz="1200"/>
             </a:lvl3pPr>
-            <a:lvl4pPr indent="-304800" lvl="3" marL="1828800">
+            <a:lvl4pPr marL="1828800" lvl="3" indent="-304800">
               <a:spcBef>
                 <a:spcPts val="0"/>
               </a:spcBef>
@@ -3131,7 +3204,7 @@
               <a:buChar char="●"/>
               <a:defRPr sz="1200"/>
             </a:lvl4pPr>
-            <a:lvl5pPr indent="-304800" lvl="4" marL="2286000">
+            <a:lvl5pPr marL="2286000" lvl="4" indent="-304800">
               <a:spcBef>
                 <a:spcPts val="0"/>
               </a:spcBef>
@@ -3142,7 +3215,7 @@
               <a:buChar char="○"/>
               <a:defRPr sz="1200"/>
             </a:lvl5pPr>
-            <a:lvl6pPr indent="-304800" lvl="5" marL="2743200">
+            <a:lvl6pPr marL="2743200" lvl="5" indent="-304800">
               <a:spcBef>
                 <a:spcPts val="0"/>
               </a:spcBef>
@@ -3153,7 +3226,7 @@
               <a:buChar char="■"/>
               <a:defRPr sz="1200"/>
             </a:lvl6pPr>
-            <a:lvl7pPr indent="-304800" lvl="6" marL="3200400">
+            <a:lvl7pPr marL="3200400" lvl="6" indent="-304800">
               <a:spcBef>
                 <a:spcPts val="0"/>
               </a:spcBef>
@@ -3164,7 +3237,7 @@
               <a:buChar char="●"/>
               <a:defRPr sz="1200"/>
             </a:lvl7pPr>
-            <a:lvl8pPr indent="-304800" lvl="7" marL="3657600">
+            <a:lvl8pPr marL="3657600" lvl="7" indent="-304800">
               <a:spcBef>
                 <a:spcPts val="0"/>
               </a:spcBef>
@@ -3175,7 +3248,7 @@
               <a:buChar char="○"/>
               <a:defRPr sz="1200"/>
             </a:lvl8pPr>
-            <a:lvl9pPr indent="-304800" lvl="8" marL="4114800">
+            <a:lvl9pPr marL="4114800" lvl="8" indent="-304800">
               <a:spcBef>
                 <a:spcPts val="0"/>
               </a:spcBef>
@@ -3187,15 +3260,19 @@
               <a:defRPr sz="1200"/>
             </a:lvl9pPr>
           </a:lstStyle>
-          <a:p/>
+          <a:p>
+            <a:endParaRPr/>
+          </a:p>
         </p:txBody>
       </p:sp>
       <p:sp>
         <p:nvSpPr>
           <p:cNvPr id="26" name="Google Shape;26;p5"/>
-          <p:cNvSpPr txBox="1"/>
+          <p:cNvSpPr txBox="1">
+            <a:spLocks noGrp="1"/>
+          </p:cNvSpPr>
           <p:nvPr>
-            <p:ph idx="2" type="body"/>
+            <p:ph type="body" idx="2"/>
           </p:nvPr>
         </p:nvSpPr>
         <p:spPr>
@@ -3208,11 +3285,11 @@
           </a:prstGeom>
         </p:spPr>
         <p:txBody>
-          <a:bodyPr anchorCtr="0" anchor="t" bIns="91425" lIns="91425" spcFirstLastPara="1" rIns="91425" wrap="square" tIns="91425">
+          <a:bodyPr spcFirstLastPara="1" wrap="square" lIns="91425" tIns="91425" rIns="91425" bIns="91425" anchor="t" anchorCtr="0">
             <a:normAutofit/>
           </a:bodyPr>
           <a:lstStyle>
-            <a:lvl1pPr indent="-317500" lvl="0" marL="457200">
+            <a:lvl1pPr marL="457200" lvl="0" indent="-317500">
               <a:spcBef>
                 <a:spcPts val="0"/>
               </a:spcBef>
@@ -3223,7 +3300,7 @@
               <a:buChar char="●"/>
               <a:defRPr sz="1400"/>
             </a:lvl1pPr>
-            <a:lvl2pPr indent="-304800" lvl="1" marL="914400">
+            <a:lvl2pPr marL="914400" lvl="1" indent="-304800">
               <a:spcBef>
                 <a:spcPts val="0"/>
               </a:spcBef>
@@ -3234,7 +3311,7 @@
               <a:buChar char="○"/>
               <a:defRPr sz="1200"/>
             </a:lvl2pPr>
-            <a:lvl3pPr indent="-304800" lvl="2" marL="1371600">
+            <a:lvl3pPr marL="1371600" lvl="2" indent="-304800">
               <a:spcBef>
                 <a:spcPts val="0"/>
               </a:spcBef>
@@ -3245,7 +3322,7 @@
               <a:buChar char="■"/>
               <a:defRPr sz="1200"/>
             </a:lvl3pPr>
-            <a:lvl4pPr indent="-304800" lvl="3" marL="1828800">
+            <a:lvl4pPr marL="1828800" lvl="3" indent="-304800">
               <a:spcBef>
                 <a:spcPts val="0"/>
               </a:spcBef>
@@ -3256,7 +3333,7 @@
               <a:buChar char="●"/>
               <a:defRPr sz="1200"/>
             </a:lvl4pPr>
-            <a:lvl5pPr indent="-304800" lvl="4" marL="2286000">
+            <a:lvl5pPr marL="2286000" lvl="4" indent="-304800">
               <a:spcBef>
                 <a:spcPts val="0"/>
               </a:spcBef>
@@ -3267,7 +3344,7 @@
               <a:buChar char="○"/>
               <a:defRPr sz="1200"/>
             </a:lvl5pPr>
-            <a:lvl6pPr indent="-304800" lvl="5" marL="2743200">
+            <a:lvl6pPr marL="2743200" lvl="5" indent="-304800">
               <a:spcBef>
                 <a:spcPts val="0"/>
               </a:spcBef>
@@ -3278,7 +3355,7 @@
               <a:buChar char="■"/>
               <a:defRPr sz="1200"/>
             </a:lvl6pPr>
-            <a:lvl7pPr indent="-304800" lvl="6" marL="3200400">
+            <a:lvl7pPr marL="3200400" lvl="6" indent="-304800">
               <a:spcBef>
                 <a:spcPts val="0"/>
               </a:spcBef>
@@ -3289,7 +3366,7 @@
               <a:buChar char="●"/>
               <a:defRPr sz="1200"/>
             </a:lvl7pPr>
-            <a:lvl8pPr indent="-304800" lvl="7" marL="3657600">
+            <a:lvl8pPr marL="3657600" lvl="7" indent="-304800">
               <a:spcBef>
                 <a:spcPts val="0"/>
               </a:spcBef>
@@ -3300,7 +3377,7 @@
               <a:buChar char="○"/>
               <a:defRPr sz="1200"/>
             </a:lvl8pPr>
-            <a:lvl9pPr indent="-304800" lvl="8" marL="4114800">
+            <a:lvl9pPr marL="4114800" lvl="8" indent="-304800">
               <a:spcBef>
                 <a:spcPts val="0"/>
               </a:spcBef>
@@ -3312,15 +3389,19 @@
               <a:defRPr sz="1200"/>
             </a:lvl9pPr>
           </a:lstStyle>
-          <a:p/>
+          <a:p>
+            <a:endParaRPr/>
+          </a:p>
         </p:txBody>
       </p:sp>
       <p:sp>
         <p:nvSpPr>
           <p:cNvPr id="27" name="Google Shape;27;p5"/>
-          <p:cNvSpPr txBox="1"/>
+          <p:cNvSpPr txBox="1">
+            <a:spLocks noGrp="1"/>
+          </p:cNvSpPr>
           <p:nvPr>
-            <p:ph idx="12" type="sldNum"/>
+            <p:ph type="sldNum" idx="12"/>
           </p:nvPr>
         </p:nvSpPr>
         <p:spPr>
@@ -3333,7 +3414,7 @@
           </a:prstGeom>
         </p:spPr>
         <p:txBody>
-          <a:bodyPr anchorCtr="0" anchor="ctr" bIns="91425" lIns="91425" spcFirstLastPara="1" rIns="91425" wrap="square" tIns="91425">
+          <a:bodyPr spcFirstLastPara="1" wrap="square" lIns="91425" tIns="91425" rIns="91425" bIns="91425" anchor="ctr" anchorCtr="0">
             <a:normAutofit/>
           </a:bodyPr>
           <a:lstStyle>
@@ -3375,7 +3456,7 @@
             </a:lvl9pPr>
           </a:lstStyle>
           <a:p>
-            <a:pPr indent="0" lvl="0" marL="0" rtl="0" algn="r">
+            <a:pPr marL="0" lvl="0" indent="0" algn="r" rtl="0">
               <a:spcBef>
                 <a:spcPts val="0"/>
               </a:spcBef>
@@ -3386,7 +3467,7 @@
             </a:pPr>
             <a:fld id="{00000000-1234-1234-1234-123412341234}" type="slidenum">
               <a:rPr lang="es"/>
-              <a:t>‹#›</a:t>
+              <a:t>‹Nº›</a:t>
             </a:fld>
             <a:endParaRPr/>
           </a:p>
@@ -3401,11 +3482,11 @@
 </file>
 
 <file path=ppt/slideLayouts/slideLayout5.xml><?xml version="1.0" encoding="utf-8"?>
-<p:sldLayout xmlns:a="http://schemas.openxmlformats.org/drawingml/2006/main" xmlns:r="http://schemas.openxmlformats.org/officeDocument/2006/relationships" xmlns:mc="http://schemas.openxmlformats.org/markup-compatibility/2006" xmlns:mv="urn:schemas-microsoft-com:mac:vml" xmlns:p="http://schemas.openxmlformats.org/presentationml/2006/main" xmlns:c="http://schemas.openxmlformats.org/drawingml/2006/chart" xmlns:dgm="http://schemas.openxmlformats.org/drawingml/2006/diagram" xmlns:o="urn:schemas-microsoft-com:office:office" xmlns:v="urn:schemas-microsoft-com:vml" xmlns:pvml="urn:schemas-microsoft-com:office:powerpoint" xmlns:com="http://schemas.openxmlformats.org/drawingml/2006/compatibility" xmlns:p14="http://schemas.microsoft.com/office/powerpoint/2010/main" xmlns:p15="http://schemas.microsoft.com/office/powerpoint/2012/main" xmlns:ahyp="http://schemas.microsoft.com/office/drawing/2018/hyperlinkcolor" matchingName="Title only" type="titleOnly">
+<p:sldLayout xmlns:a="http://schemas.openxmlformats.org/drawingml/2006/main" xmlns:r="http://schemas.openxmlformats.org/officeDocument/2006/relationships" xmlns:p="http://schemas.openxmlformats.org/presentationml/2006/main" matchingName="Title only" type="titleOnly">
   <p:cSld name="TITLE_ONLY">
     <p:spTree>
       <p:nvGrpSpPr>
-        <p:cNvPr id="28" name="Shape 28"/>
+        <p:cNvPr id="1" name="Shape 28"/>
         <p:cNvGrpSpPr/>
         <p:nvPr/>
       </p:nvGrpSpPr>
@@ -3420,7 +3501,9 @@
       <p:sp>
         <p:nvSpPr>
           <p:cNvPr id="29" name="Google Shape;29;p6"/>
-          <p:cNvSpPr txBox="1"/>
+          <p:cNvSpPr txBox="1">
+            <a:spLocks noGrp="1"/>
+          </p:cNvSpPr>
           <p:nvPr>
             <p:ph type="title"/>
           </p:nvPr>
@@ -3435,7 +3518,7 @@
           </a:prstGeom>
         </p:spPr>
         <p:txBody>
-          <a:bodyPr anchorCtr="0" anchor="t" bIns="91425" lIns="91425" spcFirstLastPara="1" rIns="91425" wrap="square" tIns="91425">
+          <a:bodyPr spcFirstLastPara="1" wrap="square" lIns="91425" tIns="91425" rIns="91425" bIns="91425" anchor="t" anchorCtr="0">
             <a:normAutofit/>
           </a:bodyPr>
           <a:lstStyle>
@@ -3539,15 +3622,19 @@
               <a:defRPr/>
             </a:lvl9pPr>
           </a:lstStyle>
-          <a:p/>
+          <a:p>
+            <a:endParaRPr/>
+          </a:p>
         </p:txBody>
       </p:sp>
       <p:sp>
         <p:nvSpPr>
           <p:cNvPr id="30" name="Google Shape;30;p6"/>
-          <p:cNvSpPr txBox="1"/>
+          <p:cNvSpPr txBox="1">
+            <a:spLocks noGrp="1"/>
+          </p:cNvSpPr>
           <p:nvPr>
-            <p:ph idx="12" type="sldNum"/>
+            <p:ph type="sldNum" idx="12"/>
           </p:nvPr>
         </p:nvSpPr>
         <p:spPr>
@@ -3560,7 +3647,7 @@
           </a:prstGeom>
         </p:spPr>
         <p:txBody>
-          <a:bodyPr anchorCtr="0" anchor="ctr" bIns="91425" lIns="91425" spcFirstLastPara="1" rIns="91425" wrap="square" tIns="91425">
+          <a:bodyPr spcFirstLastPara="1" wrap="square" lIns="91425" tIns="91425" rIns="91425" bIns="91425" anchor="ctr" anchorCtr="0">
             <a:normAutofit/>
           </a:bodyPr>
           <a:lstStyle>
@@ -3602,7 +3689,7 @@
             </a:lvl9pPr>
           </a:lstStyle>
           <a:p>
-            <a:pPr indent="0" lvl="0" marL="0" rtl="0" algn="r">
+            <a:pPr marL="0" lvl="0" indent="0" algn="r" rtl="0">
               <a:spcBef>
                 <a:spcPts val="0"/>
               </a:spcBef>
@@ -3613,7 +3700,7 @@
             </a:pPr>
             <a:fld id="{00000000-1234-1234-1234-123412341234}" type="slidenum">
               <a:rPr lang="es"/>
-              <a:t>‹#›</a:t>
+              <a:t>‹Nº›</a:t>
             </a:fld>
             <a:endParaRPr/>
           </a:p>
@@ -3628,11 +3715,11 @@
 </file>
 
 <file path=ppt/slideLayouts/slideLayout6.xml><?xml version="1.0" encoding="utf-8"?>
-<p:sldLayout xmlns:a="http://schemas.openxmlformats.org/drawingml/2006/main" xmlns:r="http://schemas.openxmlformats.org/officeDocument/2006/relationships" xmlns:mc="http://schemas.openxmlformats.org/markup-compatibility/2006" xmlns:mv="urn:schemas-microsoft-com:mac:vml" xmlns:p="http://schemas.openxmlformats.org/presentationml/2006/main" xmlns:c="http://schemas.openxmlformats.org/drawingml/2006/chart" xmlns:dgm="http://schemas.openxmlformats.org/drawingml/2006/diagram" xmlns:o="urn:schemas-microsoft-com:office:office" xmlns:v="urn:schemas-microsoft-com:vml" xmlns:pvml="urn:schemas-microsoft-com:office:powerpoint" xmlns:com="http://schemas.openxmlformats.org/drawingml/2006/compatibility" xmlns:p14="http://schemas.microsoft.com/office/powerpoint/2010/main" xmlns:p15="http://schemas.microsoft.com/office/powerpoint/2012/main" xmlns:ahyp="http://schemas.microsoft.com/office/drawing/2018/hyperlinkcolor" matchingName="One column text">
+<p:sldLayout xmlns:a="http://schemas.openxmlformats.org/drawingml/2006/main" xmlns:r="http://schemas.openxmlformats.org/officeDocument/2006/relationships" xmlns:p="http://schemas.openxmlformats.org/presentationml/2006/main" matchingName="One column text">
   <p:cSld name="ONE_COLUMN_TEXT">
     <p:spTree>
       <p:nvGrpSpPr>
-        <p:cNvPr id="31" name="Shape 31"/>
+        <p:cNvPr id="1" name="Shape 31"/>
         <p:cNvGrpSpPr/>
         <p:nvPr/>
       </p:nvGrpSpPr>
@@ -3647,7 +3734,9 @@
       <p:sp>
         <p:nvSpPr>
           <p:cNvPr id="32" name="Google Shape;32;p7"/>
-          <p:cNvSpPr txBox="1"/>
+          <p:cNvSpPr txBox="1">
+            <a:spLocks noGrp="1"/>
+          </p:cNvSpPr>
           <p:nvPr>
             <p:ph type="title"/>
           </p:nvPr>
@@ -3662,7 +3751,7 @@
           </a:prstGeom>
         </p:spPr>
         <p:txBody>
-          <a:bodyPr anchorCtr="0" anchor="b" bIns="91425" lIns="91425" spcFirstLastPara="1" rIns="91425" wrap="square" tIns="91425">
+          <a:bodyPr spcFirstLastPara="1" wrap="square" lIns="91425" tIns="91425" rIns="91425" bIns="91425" anchor="b" anchorCtr="0">
             <a:normAutofit/>
           </a:bodyPr>
           <a:lstStyle>
@@ -3766,15 +3855,19 @@
               <a:defRPr sz="2400"/>
             </a:lvl9pPr>
           </a:lstStyle>
-          <a:p/>
+          <a:p>
+            <a:endParaRPr/>
+          </a:p>
         </p:txBody>
       </p:sp>
       <p:sp>
         <p:nvSpPr>
           <p:cNvPr id="33" name="Google Shape;33;p7"/>
-          <p:cNvSpPr txBox="1"/>
+          <p:cNvSpPr txBox="1">
+            <a:spLocks noGrp="1"/>
+          </p:cNvSpPr>
           <p:nvPr>
-            <p:ph idx="1" type="body"/>
+            <p:ph type="body" idx="1"/>
           </p:nvPr>
         </p:nvSpPr>
         <p:spPr>
@@ -3787,11 +3880,11 @@
           </a:prstGeom>
         </p:spPr>
         <p:txBody>
-          <a:bodyPr anchorCtr="0" anchor="t" bIns="91425" lIns="91425" spcFirstLastPara="1" rIns="91425" wrap="square" tIns="91425">
+          <a:bodyPr spcFirstLastPara="1" wrap="square" lIns="91425" tIns="91425" rIns="91425" bIns="91425" anchor="t" anchorCtr="0">
             <a:normAutofit/>
           </a:bodyPr>
           <a:lstStyle>
-            <a:lvl1pPr indent="-304800" lvl="0" marL="457200">
+            <a:lvl1pPr marL="457200" lvl="0" indent="-304800">
               <a:spcBef>
                 <a:spcPts val="0"/>
               </a:spcBef>
@@ -3802,7 +3895,7 @@
               <a:buChar char="●"/>
               <a:defRPr sz="1200"/>
             </a:lvl1pPr>
-            <a:lvl2pPr indent="-304800" lvl="1" marL="914400">
+            <a:lvl2pPr marL="914400" lvl="1" indent="-304800">
               <a:spcBef>
                 <a:spcPts val="0"/>
               </a:spcBef>
@@ -3813,7 +3906,7 @@
               <a:buChar char="○"/>
               <a:defRPr sz="1200"/>
             </a:lvl2pPr>
-            <a:lvl3pPr indent="-304800" lvl="2" marL="1371600">
+            <a:lvl3pPr marL="1371600" lvl="2" indent="-304800">
               <a:spcBef>
                 <a:spcPts val="0"/>
               </a:spcBef>
@@ -3824,7 +3917,7 @@
               <a:buChar char="■"/>
               <a:defRPr sz="1200"/>
             </a:lvl3pPr>
-            <a:lvl4pPr indent="-304800" lvl="3" marL="1828800">
+            <a:lvl4pPr marL="1828800" lvl="3" indent="-304800">
               <a:spcBef>
                 <a:spcPts val="0"/>
               </a:spcBef>
@@ -3835,7 +3928,7 @@
               <a:buChar char="●"/>
               <a:defRPr sz="1200"/>
             </a:lvl4pPr>
-            <a:lvl5pPr indent="-304800" lvl="4" marL="2286000">
+            <a:lvl5pPr marL="2286000" lvl="4" indent="-304800">
               <a:spcBef>
                 <a:spcPts val="0"/>
               </a:spcBef>
@@ -3846,7 +3939,7 @@
               <a:buChar char="○"/>
               <a:defRPr sz="1200"/>
             </a:lvl5pPr>
-            <a:lvl6pPr indent="-304800" lvl="5" marL="2743200">
+            <a:lvl6pPr marL="2743200" lvl="5" indent="-304800">
               <a:spcBef>
                 <a:spcPts val="0"/>
               </a:spcBef>
@@ -3857,7 +3950,7 @@
               <a:buChar char="■"/>
               <a:defRPr sz="1200"/>
             </a:lvl6pPr>
-            <a:lvl7pPr indent="-304800" lvl="6" marL="3200400">
+            <a:lvl7pPr marL="3200400" lvl="6" indent="-304800">
               <a:spcBef>
                 <a:spcPts val="0"/>
               </a:spcBef>
@@ -3868,7 +3961,7 @@
               <a:buChar char="●"/>
               <a:defRPr sz="1200"/>
             </a:lvl7pPr>
-            <a:lvl8pPr indent="-304800" lvl="7" marL="3657600">
+            <a:lvl8pPr marL="3657600" lvl="7" indent="-304800">
               <a:spcBef>
                 <a:spcPts val="0"/>
               </a:spcBef>
@@ -3879,7 +3972,7 @@
               <a:buChar char="○"/>
               <a:defRPr sz="1200"/>
             </a:lvl8pPr>
-            <a:lvl9pPr indent="-304800" lvl="8" marL="4114800">
+            <a:lvl9pPr marL="4114800" lvl="8" indent="-304800">
               <a:spcBef>
                 <a:spcPts val="0"/>
               </a:spcBef>
@@ -3891,15 +3984,19 @@
               <a:defRPr sz="1200"/>
             </a:lvl9pPr>
           </a:lstStyle>
-          <a:p/>
+          <a:p>
+            <a:endParaRPr/>
+          </a:p>
         </p:txBody>
       </p:sp>
       <p:sp>
         <p:nvSpPr>
           <p:cNvPr id="34" name="Google Shape;34;p7"/>
-          <p:cNvSpPr txBox="1"/>
+          <p:cNvSpPr txBox="1">
+            <a:spLocks noGrp="1"/>
+          </p:cNvSpPr>
           <p:nvPr>
-            <p:ph idx="12" type="sldNum"/>
+            <p:ph type="sldNum" idx="12"/>
           </p:nvPr>
         </p:nvSpPr>
         <p:spPr>
@@ -3912,7 +4009,7 @@
           </a:prstGeom>
         </p:spPr>
         <p:txBody>
-          <a:bodyPr anchorCtr="0" anchor="ctr" bIns="91425" lIns="91425" spcFirstLastPara="1" rIns="91425" wrap="square" tIns="91425">
+          <a:bodyPr spcFirstLastPara="1" wrap="square" lIns="91425" tIns="91425" rIns="91425" bIns="91425" anchor="ctr" anchorCtr="0">
             <a:normAutofit/>
           </a:bodyPr>
           <a:lstStyle>
@@ -3954,7 +4051,7 @@
             </a:lvl9pPr>
           </a:lstStyle>
           <a:p>
-            <a:pPr indent="0" lvl="0" marL="0" rtl="0" algn="r">
+            <a:pPr marL="0" lvl="0" indent="0" algn="r" rtl="0">
               <a:spcBef>
                 <a:spcPts val="0"/>
               </a:spcBef>
@@ -3965,7 +4062,7 @@
             </a:pPr>
             <a:fld id="{00000000-1234-1234-1234-123412341234}" type="slidenum">
               <a:rPr lang="es"/>
-              <a:t>‹#›</a:t>
+              <a:t>‹Nº›</a:t>
             </a:fld>
             <a:endParaRPr/>
           </a:p>
@@ -3980,18 +4077,19 @@
 </file>
 
 <file path=ppt/slideLayouts/slideLayout7.xml><?xml version="1.0" encoding="utf-8"?>
-<p:sldLayout xmlns:a="http://schemas.openxmlformats.org/drawingml/2006/main" xmlns:r="http://schemas.openxmlformats.org/officeDocument/2006/relationships" xmlns:mc="http://schemas.openxmlformats.org/markup-compatibility/2006" xmlns:mv="urn:schemas-microsoft-com:mac:vml" xmlns:p="http://schemas.openxmlformats.org/presentationml/2006/main" xmlns:c="http://schemas.openxmlformats.org/drawingml/2006/chart" xmlns:dgm="http://schemas.openxmlformats.org/drawingml/2006/diagram" xmlns:o="urn:schemas-microsoft-com:office:office" xmlns:v="urn:schemas-microsoft-com:vml" xmlns:pvml="urn:schemas-microsoft-com:office:powerpoint" xmlns:com="http://schemas.openxmlformats.org/drawingml/2006/compatibility" xmlns:p14="http://schemas.microsoft.com/office/powerpoint/2010/main" xmlns:p15="http://schemas.microsoft.com/office/powerpoint/2012/main" xmlns:ahyp="http://schemas.microsoft.com/office/drawing/2018/hyperlinkcolor" matchingName="Main point">
+<p:sldLayout xmlns:a="http://schemas.openxmlformats.org/drawingml/2006/main" xmlns:r="http://schemas.openxmlformats.org/officeDocument/2006/relationships" xmlns:p="http://schemas.openxmlformats.org/presentationml/2006/main" matchingName="Main point">
   <p:cSld name="MAIN_POINT">
     <p:bg>
       <p:bgPr>
         <a:solidFill>
           <a:schemeClr val="lt2"/>
         </a:solidFill>
+        <a:effectLst/>
       </p:bgPr>
     </p:bg>
     <p:spTree>
       <p:nvGrpSpPr>
-        <p:cNvPr id="35" name="Shape 35"/>
+        <p:cNvPr id="1" name="Shape 35"/>
         <p:cNvGrpSpPr/>
         <p:nvPr/>
       </p:nvGrpSpPr>
@@ -4006,7 +4104,9 @@
       <p:sp>
         <p:nvSpPr>
           <p:cNvPr id="36" name="Google Shape;36;p8"/>
-          <p:cNvSpPr txBox="1"/>
+          <p:cNvSpPr txBox="1">
+            <a:spLocks noGrp="1"/>
+          </p:cNvSpPr>
           <p:nvPr>
             <p:ph type="title"/>
           </p:nvPr>
@@ -4021,7 +4121,7 @@
           </a:prstGeom>
         </p:spPr>
         <p:txBody>
-          <a:bodyPr anchorCtr="0" anchor="ctr" bIns="91425" lIns="91425" spcFirstLastPara="1" rIns="91425" wrap="square" tIns="91425">
+          <a:bodyPr spcFirstLastPara="1" wrap="square" lIns="91425" tIns="91425" rIns="91425" bIns="91425" anchor="ctr" anchorCtr="0">
             <a:normAutofit/>
           </a:bodyPr>
           <a:lstStyle>
@@ -4125,15 +4225,19 @@
               <a:defRPr sz="4800"/>
             </a:lvl9pPr>
           </a:lstStyle>
-          <a:p/>
+          <a:p>
+            <a:endParaRPr/>
+          </a:p>
         </p:txBody>
       </p:sp>
       <p:sp>
         <p:nvSpPr>
           <p:cNvPr id="37" name="Google Shape;37;p8"/>
-          <p:cNvSpPr txBox="1"/>
+          <p:cNvSpPr txBox="1">
+            <a:spLocks noGrp="1"/>
+          </p:cNvSpPr>
           <p:nvPr>
-            <p:ph idx="12" type="sldNum"/>
+            <p:ph type="sldNum" idx="12"/>
           </p:nvPr>
         </p:nvSpPr>
         <p:spPr>
@@ -4146,7 +4250,7 @@
           </a:prstGeom>
         </p:spPr>
         <p:txBody>
-          <a:bodyPr anchorCtr="0" anchor="ctr" bIns="91425" lIns="91425" spcFirstLastPara="1" rIns="91425" wrap="square" tIns="91425">
+          <a:bodyPr spcFirstLastPara="1" wrap="square" lIns="91425" tIns="91425" rIns="91425" bIns="91425" anchor="ctr" anchorCtr="0">
             <a:normAutofit/>
           </a:bodyPr>
           <a:lstStyle>
@@ -4188,7 +4292,7 @@
             </a:lvl9pPr>
           </a:lstStyle>
           <a:p>
-            <a:pPr indent="0" lvl="0" marL="0" rtl="0" algn="r">
+            <a:pPr marL="0" lvl="0" indent="0" algn="r" rtl="0">
               <a:spcBef>
                 <a:spcPts val="0"/>
               </a:spcBef>
@@ -4199,7 +4303,7 @@
             </a:pPr>
             <a:fld id="{00000000-1234-1234-1234-123412341234}" type="slidenum">
               <a:rPr lang="es"/>
-              <a:t>‹#›</a:t>
+              <a:t>‹Nº›</a:t>
             </a:fld>
             <a:endParaRPr/>
           </a:p>
@@ -4214,11 +4318,11 @@
 </file>
 
 <file path=ppt/slideLayouts/slideLayout8.xml><?xml version="1.0" encoding="utf-8"?>
-<p:sldLayout xmlns:a="http://schemas.openxmlformats.org/drawingml/2006/main" xmlns:r="http://schemas.openxmlformats.org/officeDocument/2006/relationships" xmlns:mc="http://schemas.openxmlformats.org/markup-compatibility/2006" xmlns:mv="urn:schemas-microsoft-com:mac:vml" xmlns:p="http://schemas.openxmlformats.org/presentationml/2006/main" xmlns:c="http://schemas.openxmlformats.org/drawingml/2006/chart" xmlns:dgm="http://schemas.openxmlformats.org/drawingml/2006/diagram" xmlns:o="urn:schemas-microsoft-com:office:office" xmlns:v="urn:schemas-microsoft-com:vml" xmlns:pvml="urn:schemas-microsoft-com:office:powerpoint" xmlns:com="http://schemas.openxmlformats.org/drawingml/2006/compatibility" xmlns:p14="http://schemas.microsoft.com/office/powerpoint/2010/main" xmlns:p15="http://schemas.microsoft.com/office/powerpoint/2012/main" xmlns:ahyp="http://schemas.microsoft.com/office/drawing/2018/hyperlinkcolor" matchingName="Section title and description">
+<p:sldLayout xmlns:a="http://schemas.openxmlformats.org/drawingml/2006/main" xmlns:r="http://schemas.openxmlformats.org/officeDocument/2006/relationships" xmlns:p="http://schemas.openxmlformats.org/presentationml/2006/main" matchingName="Section title and description">
   <p:cSld name="SECTION_TITLE_AND_DESCRIPTION">
     <p:spTree>
       <p:nvGrpSpPr>
-        <p:cNvPr id="38" name="Shape 38"/>
+        <p:cNvPr id="1" name="Shape 38"/>
         <p:cNvGrpSpPr/>
         <p:nvPr/>
       </p:nvGrpSpPr>
@@ -4252,12 +4356,12 @@
           </a:ln>
         </p:spPr>
         <p:txBody>
-          <a:bodyPr anchorCtr="0" anchor="ctr" bIns="91425" lIns="91425" spcFirstLastPara="1" rIns="91425" wrap="square" tIns="91425">
+          <a:bodyPr spcFirstLastPara="1" wrap="square" lIns="91425" tIns="91425" rIns="91425" bIns="91425" anchor="ctr" anchorCtr="0">
             <a:noAutofit/>
           </a:bodyPr>
           <a:lstStyle/>
           <a:p>
-            <a:pPr indent="0" lvl="0" marL="0" rtl="0" algn="l">
+            <a:pPr marL="0" lvl="0" indent="0" algn="l" rtl="0">
               <a:spcBef>
                 <a:spcPts val="0"/>
               </a:spcBef>
@@ -4266,9 +4370,6 @@
               </a:spcAft>
               <a:buNone/>
             </a:pPr>
-            <a:r>
-              <a:t/>
-            </a:r>
             <a:endParaRPr/>
           </a:p>
         </p:txBody>
@@ -4288,21 +4389,23 @@
             <a:avLst/>
           </a:prstGeom>
           <a:noFill/>
-          <a:ln cap="flat" cmpd="sng" w="19050">
+          <a:ln w="19050" cap="flat" cmpd="sng">
             <a:solidFill>
               <a:schemeClr val="lt2"/>
             </a:solidFill>
             <a:prstDash val="solid"/>
             <a:round/>
-            <a:headEnd len="sm" w="sm" type="none"/>
-            <a:tailEnd len="sm" w="sm" type="none"/>
+            <a:headEnd type="none" w="sm" len="sm"/>
+            <a:tailEnd type="none" w="sm" len="sm"/>
           </a:ln>
         </p:spPr>
       </p:cxnSp>
       <p:sp>
         <p:nvSpPr>
           <p:cNvPr id="41" name="Google Shape;41;p9"/>
-          <p:cNvSpPr txBox="1"/>
+          <p:cNvSpPr txBox="1">
+            <a:spLocks noGrp="1"/>
+          </p:cNvSpPr>
           <p:nvPr>
             <p:ph type="title"/>
           </p:nvPr>
@@ -4317,7 +4420,7 @@
           </a:prstGeom>
         </p:spPr>
         <p:txBody>
-          <a:bodyPr anchorCtr="0" anchor="b" bIns="91425" lIns="91425" spcFirstLastPara="1" rIns="91425" wrap="square" tIns="91425">
+          <a:bodyPr spcFirstLastPara="1" wrap="square" lIns="91425" tIns="91425" rIns="91425" bIns="91425" anchor="b" anchorCtr="0">
             <a:normAutofit/>
           </a:bodyPr>
           <a:lstStyle>
@@ -4421,15 +4524,19 @@
               <a:defRPr sz="4200"/>
             </a:lvl9pPr>
           </a:lstStyle>
-          <a:p/>
+          <a:p>
+            <a:endParaRPr/>
+          </a:p>
         </p:txBody>
       </p:sp>
       <p:sp>
         <p:nvSpPr>
           <p:cNvPr id="42" name="Google Shape;42;p9"/>
-          <p:cNvSpPr txBox="1"/>
+          <p:cNvSpPr txBox="1">
+            <a:spLocks noGrp="1"/>
+          </p:cNvSpPr>
           <p:nvPr>
-            <p:ph idx="1" type="subTitle"/>
+            <p:ph type="subTitle" idx="1"/>
           </p:nvPr>
         </p:nvSpPr>
         <p:spPr>
@@ -4442,7 +4549,7 @@
           </a:prstGeom>
         </p:spPr>
         <p:txBody>
-          <a:bodyPr anchorCtr="0" anchor="t" bIns="91425" lIns="91425" spcFirstLastPara="1" rIns="91425" wrap="square" tIns="91425">
+          <a:bodyPr spcFirstLastPara="1" wrap="square" lIns="91425" tIns="91425" rIns="91425" bIns="91425" anchor="t" anchorCtr="0">
             <a:normAutofit/>
           </a:bodyPr>
           <a:lstStyle>
@@ -4573,15 +4680,19 @@
               <a:defRPr sz="2100"/>
             </a:lvl9pPr>
           </a:lstStyle>
-          <a:p/>
+          <a:p>
+            <a:endParaRPr/>
+          </a:p>
         </p:txBody>
       </p:sp>
       <p:sp>
         <p:nvSpPr>
           <p:cNvPr id="43" name="Google Shape;43;p9"/>
-          <p:cNvSpPr txBox="1"/>
+          <p:cNvSpPr txBox="1">
+            <a:spLocks noGrp="1"/>
+          </p:cNvSpPr>
           <p:nvPr>
-            <p:ph idx="2" type="body"/>
+            <p:ph type="body" idx="2"/>
           </p:nvPr>
         </p:nvSpPr>
         <p:spPr>
@@ -4594,11 +4705,11 @@
           </a:prstGeom>
         </p:spPr>
         <p:txBody>
-          <a:bodyPr anchorCtr="0" anchor="ctr" bIns="91425" lIns="91425" spcFirstLastPara="1" rIns="91425" wrap="square" tIns="91425">
+          <a:bodyPr spcFirstLastPara="1" wrap="square" lIns="91425" tIns="91425" rIns="91425" bIns="91425" anchor="ctr" anchorCtr="0">
             <a:normAutofit/>
           </a:bodyPr>
           <a:lstStyle>
-            <a:lvl1pPr indent="-342900" lvl="0" marL="457200">
+            <a:lvl1pPr marL="457200" lvl="0" indent="-342900">
               <a:spcBef>
                 <a:spcPts val="0"/>
               </a:spcBef>
@@ -4616,7 +4727,7 @@
                 </a:solidFill>
               </a:defRPr>
             </a:lvl1pPr>
-            <a:lvl2pPr indent="-317500" lvl="1" marL="914400">
+            <a:lvl2pPr marL="914400" lvl="1" indent="-317500">
               <a:spcBef>
                 <a:spcPts val="0"/>
               </a:spcBef>
@@ -4634,7 +4745,7 @@
                 </a:solidFill>
               </a:defRPr>
             </a:lvl2pPr>
-            <a:lvl3pPr indent="-317500" lvl="2" marL="1371600">
+            <a:lvl3pPr marL="1371600" lvl="2" indent="-317500">
               <a:spcBef>
                 <a:spcPts val="0"/>
               </a:spcBef>
@@ -4652,7 +4763,7 @@
                 </a:solidFill>
               </a:defRPr>
             </a:lvl3pPr>
-            <a:lvl4pPr indent="-317500" lvl="3" marL="1828800">
+            <a:lvl4pPr marL="1828800" lvl="3" indent="-317500">
               <a:spcBef>
                 <a:spcPts val="0"/>
               </a:spcBef>
@@ -4670,7 +4781,7 @@
                 </a:solidFill>
               </a:defRPr>
             </a:lvl4pPr>
-            <a:lvl5pPr indent="-317500" lvl="4" marL="2286000">
+            <a:lvl5pPr marL="2286000" lvl="4" indent="-317500">
               <a:spcBef>
                 <a:spcPts val="0"/>
               </a:spcBef>
@@ -4688,7 +4799,7 @@
                 </a:solidFill>
               </a:defRPr>
             </a:lvl5pPr>
-            <a:lvl6pPr indent="-317500" lvl="5" marL="2743200">
+            <a:lvl6pPr marL="2743200" lvl="5" indent="-317500">
               <a:spcBef>
                 <a:spcPts val="0"/>
               </a:spcBef>
@@ -4706,7 +4817,7 @@
                 </a:solidFill>
               </a:defRPr>
             </a:lvl6pPr>
-            <a:lvl7pPr indent="-317500" lvl="6" marL="3200400">
+            <a:lvl7pPr marL="3200400" lvl="6" indent="-317500">
               <a:spcBef>
                 <a:spcPts val="0"/>
               </a:spcBef>
@@ -4724,7 +4835,7 @@
                 </a:solidFill>
               </a:defRPr>
             </a:lvl7pPr>
-            <a:lvl8pPr indent="-317500" lvl="7" marL="3657600">
+            <a:lvl8pPr marL="3657600" lvl="7" indent="-317500">
               <a:spcBef>
                 <a:spcPts val="0"/>
               </a:spcBef>
@@ -4742,7 +4853,7 @@
                 </a:solidFill>
               </a:defRPr>
             </a:lvl8pPr>
-            <a:lvl9pPr indent="-317500" lvl="8" marL="4114800">
+            <a:lvl9pPr marL="4114800" lvl="8" indent="-317500">
               <a:spcBef>
                 <a:spcPts val="0"/>
               </a:spcBef>
@@ -4761,15 +4872,19 @@
               </a:defRPr>
             </a:lvl9pPr>
           </a:lstStyle>
-          <a:p/>
+          <a:p>
+            <a:endParaRPr/>
+          </a:p>
         </p:txBody>
       </p:sp>
       <p:sp>
         <p:nvSpPr>
           <p:cNvPr id="44" name="Google Shape;44;p9"/>
-          <p:cNvSpPr txBox="1"/>
+          <p:cNvSpPr txBox="1">
+            <a:spLocks noGrp="1"/>
+          </p:cNvSpPr>
           <p:nvPr>
-            <p:ph idx="12" type="sldNum"/>
+            <p:ph type="sldNum" idx="12"/>
           </p:nvPr>
         </p:nvSpPr>
         <p:spPr>
@@ -4782,7 +4897,7 @@
           </a:prstGeom>
         </p:spPr>
         <p:txBody>
-          <a:bodyPr anchorCtr="0" anchor="ctr" bIns="91425" lIns="91425" spcFirstLastPara="1" rIns="91425" wrap="square" tIns="91425">
+          <a:bodyPr spcFirstLastPara="1" wrap="square" lIns="91425" tIns="91425" rIns="91425" bIns="91425" anchor="ctr" anchorCtr="0">
             <a:normAutofit/>
           </a:bodyPr>
           <a:lstStyle>
@@ -4860,7 +4975,7 @@
             </a:lvl9pPr>
           </a:lstStyle>
           <a:p>
-            <a:pPr indent="0" lvl="0" marL="0" rtl="0" algn="r">
+            <a:pPr marL="0" lvl="0" indent="0" algn="r" rtl="0">
               <a:spcBef>
                 <a:spcPts val="0"/>
               </a:spcBef>
@@ -4871,7 +4986,7 @@
             </a:pPr>
             <a:fld id="{00000000-1234-1234-1234-123412341234}" type="slidenum">
               <a:rPr lang="es"/>
-              <a:t>‹#›</a:t>
+              <a:t>‹Nº›</a:t>
             </a:fld>
             <a:endParaRPr/>
           </a:p>
@@ -4886,11 +5001,11 @@
 </file>
 
 <file path=ppt/slideLayouts/slideLayout9.xml><?xml version="1.0" encoding="utf-8"?>
-<p:sldLayout xmlns:a="http://schemas.openxmlformats.org/drawingml/2006/main" xmlns:r="http://schemas.openxmlformats.org/officeDocument/2006/relationships" xmlns:mc="http://schemas.openxmlformats.org/markup-compatibility/2006" xmlns:mv="urn:schemas-microsoft-com:mac:vml" xmlns:p="http://schemas.openxmlformats.org/presentationml/2006/main" xmlns:c="http://schemas.openxmlformats.org/drawingml/2006/chart" xmlns:dgm="http://schemas.openxmlformats.org/drawingml/2006/diagram" xmlns:o="urn:schemas-microsoft-com:office:office" xmlns:v="urn:schemas-microsoft-com:vml" xmlns:pvml="urn:schemas-microsoft-com:office:powerpoint" xmlns:com="http://schemas.openxmlformats.org/drawingml/2006/compatibility" xmlns:p14="http://schemas.microsoft.com/office/powerpoint/2010/main" xmlns:p15="http://schemas.microsoft.com/office/powerpoint/2012/main" xmlns:ahyp="http://schemas.microsoft.com/office/drawing/2018/hyperlinkcolor" matchingName="Caption">
+<p:sldLayout xmlns:a="http://schemas.openxmlformats.org/drawingml/2006/main" xmlns:r="http://schemas.openxmlformats.org/officeDocument/2006/relationships" xmlns:p="http://schemas.openxmlformats.org/presentationml/2006/main" matchingName="Caption">
   <p:cSld name="CAPTION_ONLY">
     <p:spTree>
       <p:nvGrpSpPr>
-        <p:cNvPr id="45" name="Shape 45"/>
+        <p:cNvPr id="1" name="Shape 45"/>
         <p:cNvGrpSpPr/>
         <p:nvPr/>
       </p:nvGrpSpPr>
@@ -4905,9 +5020,11 @@
       <p:sp>
         <p:nvSpPr>
           <p:cNvPr id="46" name="Google Shape;46;p10"/>
-          <p:cNvSpPr txBox="1"/>
+          <p:cNvSpPr txBox="1">
+            <a:spLocks noGrp="1"/>
+          </p:cNvSpPr>
           <p:nvPr>
-            <p:ph idx="1" type="body"/>
+            <p:ph type="body" idx="1"/>
           </p:nvPr>
         </p:nvSpPr>
         <p:spPr>
@@ -4920,11 +5037,11 @@
           </a:prstGeom>
         </p:spPr>
         <p:txBody>
-          <a:bodyPr anchorCtr="0" anchor="ctr" bIns="91425" lIns="91425" spcFirstLastPara="1" rIns="91425" wrap="square" tIns="91425">
+          <a:bodyPr spcFirstLastPara="1" wrap="square" lIns="91425" tIns="91425" rIns="91425" bIns="91425" anchor="ctr" anchorCtr="0">
             <a:normAutofit/>
           </a:bodyPr>
           <a:lstStyle>
-            <a:lvl1pPr indent="-228600" lvl="0" marL="457200">
+            <a:lvl1pPr marL="457200" lvl="0" indent="-228600">
               <a:lnSpc>
                 <a:spcPct val="100000"/>
               </a:lnSpc>
@@ -4939,15 +5056,19 @@
               <a:defRPr sz="2100"/>
             </a:lvl1pPr>
           </a:lstStyle>
-          <a:p/>
+          <a:p>
+            <a:endParaRPr/>
+          </a:p>
         </p:txBody>
       </p:sp>
       <p:sp>
         <p:nvSpPr>
           <p:cNvPr id="47" name="Google Shape;47;p10"/>
-          <p:cNvSpPr txBox="1"/>
+          <p:cNvSpPr txBox="1">
+            <a:spLocks noGrp="1"/>
+          </p:cNvSpPr>
           <p:nvPr>
-            <p:ph idx="12" type="sldNum"/>
+            <p:ph type="sldNum" idx="12"/>
           </p:nvPr>
         </p:nvSpPr>
         <p:spPr>
@@ -4960,7 +5081,7 @@
           </a:prstGeom>
         </p:spPr>
         <p:txBody>
-          <a:bodyPr anchorCtr="0" anchor="ctr" bIns="91425" lIns="91425" spcFirstLastPara="1" rIns="91425" wrap="square" tIns="91425">
+          <a:bodyPr spcFirstLastPara="1" wrap="square" lIns="91425" tIns="91425" rIns="91425" bIns="91425" anchor="ctr" anchorCtr="0">
             <a:normAutofit/>
           </a:bodyPr>
           <a:lstStyle>
@@ -5002,7 +5123,7 @@
             </a:lvl9pPr>
           </a:lstStyle>
           <a:p>
-            <a:pPr indent="0" lvl="0" marL="0" rtl="0" algn="r">
+            <a:pPr marL="0" lvl="0" indent="0" algn="r" rtl="0">
               <a:spcBef>
                 <a:spcPts val="0"/>
               </a:spcBef>
@@ -5013,7 +5134,7 @@
             </a:pPr>
             <a:fld id="{00000000-1234-1234-1234-123412341234}" type="slidenum">
               <a:rPr lang="es"/>
-              <a:t>‹#›</a:t>
+              <a:t>‹Nº›</a:t>
             </a:fld>
             <a:endParaRPr/>
           </a:p>
@@ -5028,18 +5149,19 @@
 </file>
 
 <file path=ppt/slideMasters/slideMaster1.xml><?xml version="1.0" encoding="utf-8"?>
-<p:sldMaster xmlns:a="http://schemas.openxmlformats.org/drawingml/2006/main" xmlns:r="http://schemas.openxmlformats.org/officeDocument/2006/relationships" xmlns:mc="http://schemas.openxmlformats.org/markup-compatibility/2006" xmlns:mv="urn:schemas-microsoft-com:mac:vml" xmlns:p="http://schemas.openxmlformats.org/presentationml/2006/main" xmlns:c="http://schemas.openxmlformats.org/drawingml/2006/chart" xmlns:dgm="http://schemas.openxmlformats.org/drawingml/2006/diagram" xmlns:o="urn:schemas-microsoft-com:office:office" xmlns:v="urn:schemas-microsoft-com:vml" xmlns:pvml="urn:schemas-microsoft-com:office:powerpoint" xmlns:com="http://schemas.openxmlformats.org/drawingml/2006/compatibility" xmlns:p14="http://schemas.microsoft.com/office/powerpoint/2010/main" xmlns:p15="http://schemas.microsoft.com/office/powerpoint/2012/main" xmlns:ahyp="http://schemas.microsoft.com/office/drawing/2018/hyperlinkcolor">
+<p:sldMaster xmlns:a="http://schemas.openxmlformats.org/drawingml/2006/main" xmlns:r="http://schemas.openxmlformats.org/officeDocument/2006/relationships" xmlns:p="http://schemas.openxmlformats.org/presentationml/2006/main">
   <p:cSld name="spearmint">
     <p:bg>
       <p:bgPr>
         <a:solidFill>
           <a:schemeClr val="lt1"/>
         </a:solidFill>
+        <a:effectLst/>
       </p:bgPr>
     </p:bg>
     <p:spTree>
       <p:nvGrpSpPr>
-        <p:cNvPr id="5" name="Shape 5"/>
+        <p:cNvPr id="1" name="Shape 5"/>
         <p:cNvGrpSpPr/>
         <p:nvPr/>
       </p:nvGrpSpPr>
@@ -5054,7 +5176,9 @@
       <p:sp>
         <p:nvSpPr>
           <p:cNvPr id="6" name="Google Shape;6;p1"/>
-          <p:cNvSpPr txBox="1"/>
+          <p:cNvSpPr txBox="1">
+            <a:spLocks noGrp="1"/>
+          </p:cNvSpPr>
           <p:nvPr>
             <p:ph type="title"/>
           </p:nvPr>
@@ -5073,7 +5197,7 @@
           </a:ln>
         </p:spPr>
         <p:txBody>
-          <a:bodyPr anchorCtr="0" anchor="t" bIns="91425" lIns="91425" spcFirstLastPara="1" rIns="91425" wrap="square" tIns="91425">
+          <a:bodyPr spcFirstLastPara="1" wrap="square" lIns="91425" tIns="91425" rIns="91425" bIns="91425" anchor="t" anchorCtr="0">
             <a:normAutofit/>
           </a:bodyPr>
           <a:lstStyle>
@@ -5285,15 +5409,19 @@
               </a:defRPr>
             </a:lvl9pPr>
           </a:lstStyle>
-          <a:p/>
+          <a:p>
+            <a:endParaRPr/>
+          </a:p>
         </p:txBody>
       </p:sp>
       <p:sp>
         <p:nvSpPr>
           <p:cNvPr id="7" name="Google Shape;7;p1"/>
-          <p:cNvSpPr txBox="1"/>
+          <p:cNvSpPr txBox="1">
+            <a:spLocks noGrp="1"/>
+          </p:cNvSpPr>
           <p:nvPr>
-            <p:ph idx="1" type="body"/>
+            <p:ph type="body" idx="1"/>
           </p:nvPr>
         </p:nvSpPr>
         <p:spPr>
@@ -5310,11 +5438,11 @@
           </a:ln>
         </p:spPr>
         <p:txBody>
-          <a:bodyPr anchorCtr="0" anchor="t" bIns="91425" lIns="91425" spcFirstLastPara="1" rIns="91425" wrap="square" tIns="91425">
+          <a:bodyPr spcFirstLastPara="1" wrap="square" lIns="91425" tIns="91425" rIns="91425" bIns="91425" anchor="t" anchorCtr="0">
             <a:normAutofit/>
           </a:bodyPr>
           <a:lstStyle>
-            <a:lvl1pPr indent="-342900" lvl="0" marL="457200">
+            <a:lvl1pPr marL="457200" lvl="0" indent="-342900">
               <a:lnSpc>
                 <a:spcPct val="115000"/>
               </a:lnSpc>
@@ -5340,7 +5468,7 @@
                 <a:sym typeface="Proxima Nova"/>
               </a:defRPr>
             </a:lvl1pPr>
-            <a:lvl2pPr indent="-317500" lvl="1" marL="914400">
+            <a:lvl2pPr marL="914400" lvl="1" indent="-317500">
               <a:lnSpc>
                 <a:spcPct val="115000"/>
               </a:lnSpc>
@@ -5366,7 +5494,7 @@
                 <a:sym typeface="Proxima Nova"/>
               </a:defRPr>
             </a:lvl2pPr>
-            <a:lvl3pPr indent="-317500" lvl="2" marL="1371600">
+            <a:lvl3pPr marL="1371600" lvl="2" indent="-317500">
               <a:lnSpc>
                 <a:spcPct val="115000"/>
               </a:lnSpc>
@@ -5392,7 +5520,7 @@
                 <a:sym typeface="Proxima Nova"/>
               </a:defRPr>
             </a:lvl3pPr>
-            <a:lvl4pPr indent="-317500" lvl="3" marL="1828800">
+            <a:lvl4pPr marL="1828800" lvl="3" indent="-317500">
               <a:lnSpc>
                 <a:spcPct val="115000"/>
               </a:lnSpc>
@@ -5418,7 +5546,7 @@
                 <a:sym typeface="Proxima Nova"/>
               </a:defRPr>
             </a:lvl4pPr>
-            <a:lvl5pPr indent="-317500" lvl="4" marL="2286000">
+            <a:lvl5pPr marL="2286000" lvl="4" indent="-317500">
               <a:lnSpc>
                 <a:spcPct val="115000"/>
               </a:lnSpc>
@@ -5444,7 +5572,7 @@
                 <a:sym typeface="Proxima Nova"/>
               </a:defRPr>
             </a:lvl5pPr>
-            <a:lvl6pPr indent="-317500" lvl="5" marL="2743200">
+            <a:lvl6pPr marL="2743200" lvl="5" indent="-317500">
               <a:lnSpc>
                 <a:spcPct val="115000"/>
               </a:lnSpc>
@@ -5470,7 +5598,7 @@
                 <a:sym typeface="Proxima Nova"/>
               </a:defRPr>
             </a:lvl6pPr>
-            <a:lvl7pPr indent="-317500" lvl="6" marL="3200400">
+            <a:lvl7pPr marL="3200400" lvl="6" indent="-317500">
               <a:lnSpc>
                 <a:spcPct val="115000"/>
               </a:lnSpc>
@@ -5496,7 +5624,7 @@
                 <a:sym typeface="Proxima Nova"/>
               </a:defRPr>
             </a:lvl7pPr>
-            <a:lvl8pPr indent="-317500" lvl="7" marL="3657600">
+            <a:lvl8pPr marL="3657600" lvl="7" indent="-317500">
               <a:lnSpc>
                 <a:spcPct val="115000"/>
               </a:lnSpc>
@@ -5522,7 +5650,7 @@
                 <a:sym typeface="Proxima Nova"/>
               </a:defRPr>
             </a:lvl8pPr>
-            <a:lvl9pPr indent="-317500" lvl="8" marL="4114800">
+            <a:lvl9pPr marL="4114800" lvl="8" indent="-317500">
               <a:lnSpc>
                 <a:spcPct val="115000"/>
               </a:lnSpc>
@@ -5549,15 +5677,19 @@
               </a:defRPr>
             </a:lvl9pPr>
           </a:lstStyle>
-          <a:p/>
+          <a:p>
+            <a:endParaRPr/>
+          </a:p>
         </p:txBody>
       </p:sp>
       <p:sp>
         <p:nvSpPr>
           <p:cNvPr id="8" name="Google Shape;8;p1"/>
-          <p:cNvSpPr txBox="1"/>
+          <p:cNvSpPr txBox="1">
+            <a:spLocks noGrp="1"/>
+          </p:cNvSpPr>
           <p:nvPr>
-            <p:ph idx="12" type="sldNum"/>
+            <p:ph type="sldNum" idx="12"/>
           </p:nvPr>
         </p:nvSpPr>
         <p:spPr>
@@ -5574,7 +5706,7 @@
           </a:ln>
         </p:spPr>
         <p:txBody>
-          <a:bodyPr anchorCtr="0" anchor="ctr" bIns="91425" lIns="91425" spcFirstLastPara="1" rIns="91425" wrap="square" tIns="91425">
+          <a:bodyPr spcFirstLastPara="1" wrap="square" lIns="91425" tIns="91425" rIns="91425" bIns="91425" anchor="ctr" anchorCtr="0">
             <a:normAutofit/>
           </a:bodyPr>
           <a:lstStyle>
@@ -5688,7 +5820,7 @@
             </a:lvl9pPr>
           </a:lstStyle>
           <a:p>
-            <a:pPr indent="0" lvl="0" marL="0" rtl="0" algn="r">
+            <a:pPr marL="0" lvl="0" indent="0" algn="r" rtl="0">
               <a:spcBef>
                 <a:spcPts val="0"/>
               </a:spcBef>
@@ -5699,7 +5831,7 @@
             </a:pPr>
             <a:fld id="{00000000-1234-1234-1234-123412341234}" type="slidenum">
               <a:rPr lang="es"/>
-              <a:t>‹#›</a:t>
+              <a:t>‹Nº›</a:t>
             </a:fld>
             <a:endParaRPr/>
           </a:p>
@@ -5707,7 +5839,7 @@
       </p:sp>
     </p:spTree>
   </p:cSld>
-  <p:clrMap accent1="accent1" accent2="accent2" accent3="accent3" accent4="accent4" accent5="accent5" accent6="accent6" bg1="lt1" bg2="dk2" tx1="dk1" tx2="lt2" folHlink="folHlink" hlink="hlink"/>
+  <p:clrMap bg1="lt1" tx1="dk1" bg2="dk2" tx2="lt2" accent1="accent1" accent2="accent2" accent3="accent3" accent4="accent4" accent5="accent5" accent6="accent6" hlink="hlink" folHlink="folHlink"/>
   <p:sldLayoutIdLst>
     <p:sldLayoutId id="2147483648" r:id="rId1"/>
     <p:sldLayoutId id="2147483649" r:id="rId2"/>
@@ -5721,10 +5853,10 @@
     <p:sldLayoutId id="2147483657" r:id="rId10"/>
     <p:sldLayoutId id="2147483658" r:id="rId11"/>
   </p:sldLayoutIdLst>
-  <p:hf dt="0" ftr="0" hdr="0" sldNum="0"/>
+  <p:hf sldNum="0" hdr="0" ftr="0" dt="0"/>
   <p:txStyles>
     <p:titleStyle>
-      <a:defPPr lvl="0" marR="0" rtl="0" algn="l">
+      <a:defPPr marR="0" lvl="0" algn="l" rtl="0">
         <a:lnSpc>
           <a:spcPct val="100000"/>
         </a:lnSpc>
@@ -5735,7 +5867,7 @@
           <a:spcPts val="0"/>
         </a:spcAft>
       </a:defPPr>
-      <a:lvl1pPr lvl="0" marR="0" rtl="0" algn="l">
+      <a:lvl1pPr marR="0" lvl="0" algn="l" rtl="0">
         <a:lnSpc>
           <a:spcPct val="100000"/>
         </a:lnSpc>
@@ -5749,7 +5881,7 @@
           <a:srgbClr val="000000"/>
         </a:buClr>
         <a:buFont typeface="Arial"/>
-        <a:defRPr b="0" i="0" sz="1400" u="none" cap="none" strike="noStrike">
+        <a:defRPr sz="1400" b="0" i="0" u="none" strike="noStrike" cap="none">
           <a:solidFill>
             <a:srgbClr val="000000"/>
           </a:solidFill>
@@ -5759,7 +5891,7 @@
           <a:sym typeface="Arial"/>
         </a:defRPr>
       </a:lvl1pPr>
-      <a:lvl2pPr lvl="1" marR="0" rtl="0" algn="l">
+      <a:lvl2pPr marR="0" lvl="1" algn="l" rtl="0">
         <a:lnSpc>
           <a:spcPct val="100000"/>
         </a:lnSpc>
@@ -5773,7 +5905,7 @@
           <a:srgbClr val="000000"/>
         </a:buClr>
         <a:buFont typeface="Arial"/>
-        <a:defRPr b="0" i="0" sz="1400" u="none" cap="none" strike="noStrike">
+        <a:defRPr sz="1400" b="0" i="0" u="none" strike="noStrike" cap="none">
           <a:solidFill>
             <a:srgbClr val="000000"/>
           </a:solidFill>
@@ -5783,7 +5915,7 @@
           <a:sym typeface="Arial"/>
         </a:defRPr>
       </a:lvl2pPr>
-      <a:lvl3pPr lvl="2" marR="0" rtl="0" algn="l">
+      <a:lvl3pPr marR="0" lvl="2" algn="l" rtl="0">
         <a:lnSpc>
           <a:spcPct val="100000"/>
         </a:lnSpc>
@@ -5797,7 +5929,7 @@
           <a:srgbClr val="000000"/>
         </a:buClr>
         <a:buFont typeface="Arial"/>
-        <a:defRPr b="0" i="0" sz="1400" u="none" cap="none" strike="noStrike">
+        <a:defRPr sz="1400" b="0" i="0" u="none" strike="noStrike" cap="none">
           <a:solidFill>
             <a:srgbClr val="000000"/>
           </a:solidFill>
@@ -5807,7 +5939,7 @@
           <a:sym typeface="Arial"/>
         </a:defRPr>
       </a:lvl3pPr>
-      <a:lvl4pPr lvl="3" marR="0" rtl="0" algn="l">
+      <a:lvl4pPr marR="0" lvl="3" algn="l" rtl="0">
         <a:lnSpc>
           <a:spcPct val="100000"/>
         </a:lnSpc>
@@ -5821,7 +5953,7 @@
           <a:srgbClr val="000000"/>
         </a:buClr>
         <a:buFont typeface="Arial"/>
-        <a:defRPr b="0" i="0" sz="1400" u="none" cap="none" strike="noStrike">
+        <a:defRPr sz="1400" b="0" i="0" u="none" strike="noStrike" cap="none">
           <a:solidFill>
             <a:srgbClr val="000000"/>
           </a:solidFill>
@@ -5831,7 +5963,7 @@
           <a:sym typeface="Arial"/>
         </a:defRPr>
       </a:lvl4pPr>
-      <a:lvl5pPr lvl="4" marR="0" rtl="0" algn="l">
+      <a:lvl5pPr marR="0" lvl="4" algn="l" rtl="0">
         <a:lnSpc>
           <a:spcPct val="100000"/>
         </a:lnSpc>
@@ -5845,7 +5977,7 @@
           <a:srgbClr val="000000"/>
         </a:buClr>
         <a:buFont typeface="Arial"/>
-        <a:defRPr b="0" i="0" sz="1400" u="none" cap="none" strike="noStrike">
+        <a:defRPr sz="1400" b="0" i="0" u="none" strike="noStrike" cap="none">
           <a:solidFill>
             <a:srgbClr val="000000"/>
           </a:solidFill>
@@ -5855,7 +5987,7 @@
           <a:sym typeface="Arial"/>
         </a:defRPr>
       </a:lvl5pPr>
-      <a:lvl6pPr lvl="5" marR="0" rtl="0" algn="l">
+      <a:lvl6pPr marR="0" lvl="5" algn="l" rtl="0">
         <a:lnSpc>
           <a:spcPct val="100000"/>
         </a:lnSpc>
@@ -5869,7 +6001,7 @@
           <a:srgbClr val="000000"/>
         </a:buClr>
         <a:buFont typeface="Arial"/>
-        <a:defRPr b="0" i="0" sz="1400" u="none" cap="none" strike="noStrike">
+        <a:defRPr sz="1400" b="0" i="0" u="none" strike="noStrike" cap="none">
           <a:solidFill>
             <a:srgbClr val="000000"/>
           </a:solidFill>
@@ -5879,7 +6011,7 @@
           <a:sym typeface="Arial"/>
         </a:defRPr>
       </a:lvl6pPr>
-      <a:lvl7pPr lvl="6" marR="0" rtl="0" algn="l">
+      <a:lvl7pPr marR="0" lvl="6" algn="l" rtl="0">
         <a:lnSpc>
           <a:spcPct val="100000"/>
         </a:lnSpc>
@@ -5893,7 +6025,7 @@
           <a:srgbClr val="000000"/>
         </a:buClr>
         <a:buFont typeface="Arial"/>
-        <a:defRPr b="0" i="0" sz="1400" u="none" cap="none" strike="noStrike">
+        <a:defRPr sz="1400" b="0" i="0" u="none" strike="noStrike" cap="none">
           <a:solidFill>
             <a:srgbClr val="000000"/>
           </a:solidFill>
@@ -5903,7 +6035,7 @@
           <a:sym typeface="Arial"/>
         </a:defRPr>
       </a:lvl7pPr>
-      <a:lvl8pPr lvl="7" marR="0" rtl="0" algn="l">
+      <a:lvl8pPr marR="0" lvl="7" algn="l" rtl="0">
         <a:lnSpc>
           <a:spcPct val="100000"/>
         </a:lnSpc>
@@ -5917,7 +6049,7 @@
           <a:srgbClr val="000000"/>
         </a:buClr>
         <a:buFont typeface="Arial"/>
-        <a:defRPr b="0" i="0" sz="1400" u="none" cap="none" strike="noStrike">
+        <a:defRPr sz="1400" b="0" i="0" u="none" strike="noStrike" cap="none">
           <a:solidFill>
             <a:srgbClr val="000000"/>
           </a:solidFill>
@@ -5927,7 +6059,7 @@
           <a:sym typeface="Arial"/>
         </a:defRPr>
       </a:lvl8pPr>
-      <a:lvl9pPr lvl="8" marR="0" rtl="0" algn="l">
+      <a:lvl9pPr marR="0" lvl="8" algn="l" rtl="0">
         <a:lnSpc>
           <a:spcPct val="100000"/>
         </a:lnSpc>
@@ -5941,7 +6073,7 @@
           <a:srgbClr val="000000"/>
         </a:buClr>
         <a:buFont typeface="Arial"/>
-        <a:defRPr b="0" i="0" sz="1400" u="none" cap="none" strike="noStrike">
+        <a:defRPr sz="1400" b="0" i="0" u="none" strike="noStrike" cap="none">
           <a:solidFill>
             <a:srgbClr val="000000"/>
           </a:solidFill>
@@ -5953,7 +6085,7 @@
       </a:lvl9pPr>
     </p:titleStyle>
     <p:bodyStyle>
-      <a:defPPr lvl="0" marR="0" rtl="0" algn="l">
+      <a:defPPr marR="0" lvl="0" algn="l" rtl="0">
         <a:lnSpc>
           <a:spcPct val="100000"/>
         </a:lnSpc>
@@ -5964,7 +6096,7 @@
           <a:spcPts val="0"/>
         </a:spcAft>
       </a:defPPr>
-      <a:lvl1pPr lvl="0" marR="0" rtl="0" algn="l">
+      <a:lvl1pPr marR="0" lvl="0" algn="l" rtl="0">
         <a:lnSpc>
           <a:spcPct val="100000"/>
         </a:lnSpc>
@@ -5978,7 +6110,7 @@
           <a:srgbClr val="000000"/>
         </a:buClr>
         <a:buFont typeface="Arial"/>
-        <a:defRPr b="0" i="0" sz="1400" u="none" cap="none" strike="noStrike">
+        <a:defRPr sz="1400" b="0" i="0" u="none" strike="noStrike" cap="none">
           <a:solidFill>
             <a:srgbClr val="000000"/>
           </a:solidFill>
@@ -5988,7 +6120,7 @@
           <a:sym typeface="Arial"/>
         </a:defRPr>
       </a:lvl1pPr>
-      <a:lvl2pPr lvl="1" marR="0" rtl="0" algn="l">
+      <a:lvl2pPr marR="0" lvl="1" algn="l" rtl="0">
         <a:lnSpc>
           <a:spcPct val="100000"/>
         </a:lnSpc>
@@ -6002,7 +6134,7 @@
           <a:srgbClr val="000000"/>
         </a:buClr>
         <a:buFont typeface="Arial"/>
-        <a:defRPr b="0" i="0" sz="1400" u="none" cap="none" strike="noStrike">
+        <a:defRPr sz="1400" b="0" i="0" u="none" strike="noStrike" cap="none">
           <a:solidFill>
             <a:srgbClr val="000000"/>
           </a:solidFill>
@@ -6012,7 +6144,7 @@
           <a:sym typeface="Arial"/>
         </a:defRPr>
       </a:lvl2pPr>
-      <a:lvl3pPr lvl="2" marR="0" rtl="0" algn="l">
+      <a:lvl3pPr marR="0" lvl="2" algn="l" rtl="0">
         <a:lnSpc>
           <a:spcPct val="100000"/>
         </a:lnSpc>
@@ -6026,7 +6158,7 @@
           <a:srgbClr val="000000"/>
         </a:buClr>
         <a:buFont typeface="Arial"/>
-        <a:defRPr b="0" i="0" sz="1400" u="none" cap="none" strike="noStrike">
+        <a:defRPr sz="1400" b="0" i="0" u="none" strike="noStrike" cap="none">
           <a:solidFill>
             <a:srgbClr val="000000"/>
           </a:solidFill>
@@ -6036,7 +6168,7 @@
           <a:sym typeface="Arial"/>
         </a:defRPr>
       </a:lvl3pPr>
-      <a:lvl4pPr lvl="3" marR="0" rtl="0" algn="l">
+      <a:lvl4pPr marR="0" lvl="3" algn="l" rtl="0">
         <a:lnSpc>
           <a:spcPct val="100000"/>
         </a:lnSpc>
@@ -6050,7 +6182,7 @@
           <a:srgbClr val="000000"/>
         </a:buClr>
         <a:buFont typeface="Arial"/>
-        <a:defRPr b="0" i="0" sz="1400" u="none" cap="none" strike="noStrike">
+        <a:defRPr sz="1400" b="0" i="0" u="none" strike="noStrike" cap="none">
           <a:solidFill>
             <a:srgbClr val="000000"/>
           </a:solidFill>
@@ -6060,7 +6192,7 @@
           <a:sym typeface="Arial"/>
         </a:defRPr>
       </a:lvl4pPr>
-      <a:lvl5pPr lvl="4" marR="0" rtl="0" algn="l">
+      <a:lvl5pPr marR="0" lvl="4" algn="l" rtl="0">
         <a:lnSpc>
           <a:spcPct val="100000"/>
         </a:lnSpc>
@@ -6074,7 +6206,7 @@
           <a:srgbClr val="000000"/>
         </a:buClr>
         <a:buFont typeface="Arial"/>
-        <a:defRPr b="0" i="0" sz="1400" u="none" cap="none" strike="noStrike">
+        <a:defRPr sz="1400" b="0" i="0" u="none" strike="noStrike" cap="none">
           <a:solidFill>
             <a:srgbClr val="000000"/>
           </a:solidFill>
@@ -6084,7 +6216,7 @@
           <a:sym typeface="Arial"/>
         </a:defRPr>
       </a:lvl5pPr>
-      <a:lvl6pPr lvl="5" marR="0" rtl="0" algn="l">
+      <a:lvl6pPr marR="0" lvl="5" algn="l" rtl="0">
         <a:lnSpc>
           <a:spcPct val="100000"/>
         </a:lnSpc>
@@ -6098,7 +6230,7 @@
           <a:srgbClr val="000000"/>
         </a:buClr>
         <a:buFont typeface="Arial"/>
-        <a:defRPr b="0" i="0" sz="1400" u="none" cap="none" strike="noStrike">
+        <a:defRPr sz="1400" b="0" i="0" u="none" strike="noStrike" cap="none">
           <a:solidFill>
             <a:srgbClr val="000000"/>
           </a:solidFill>
@@ -6108,7 +6240,7 @@
           <a:sym typeface="Arial"/>
         </a:defRPr>
       </a:lvl6pPr>
-      <a:lvl7pPr lvl="6" marR="0" rtl="0" algn="l">
+      <a:lvl7pPr marR="0" lvl="6" algn="l" rtl="0">
         <a:lnSpc>
           <a:spcPct val="100000"/>
         </a:lnSpc>
@@ -6122,7 +6254,7 @@
           <a:srgbClr val="000000"/>
         </a:buClr>
         <a:buFont typeface="Arial"/>
-        <a:defRPr b="0" i="0" sz="1400" u="none" cap="none" strike="noStrike">
+        <a:defRPr sz="1400" b="0" i="0" u="none" strike="noStrike" cap="none">
           <a:solidFill>
             <a:srgbClr val="000000"/>
           </a:solidFill>
@@ -6132,7 +6264,7 @@
           <a:sym typeface="Arial"/>
         </a:defRPr>
       </a:lvl7pPr>
-      <a:lvl8pPr lvl="7" marR="0" rtl="0" algn="l">
+      <a:lvl8pPr marR="0" lvl="7" algn="l" rtl="0">
         <a:lnSpc>
           <a:spcPct val="100000"/>
         </a:lnSpc>
@@ -6146,7 +6278,7 @@
           <a:srgbClr val="000000"/>
         </a:buClr>
         <a:buFont typeface="Arial"/>
-        <a:defRPr b="0" i="0" sz="1400" u="none" cap="none" strike="noStrike">
+        <a:defRPr sz="1400" b="0" i="0" u="none" strike="noStrike" cap="none">
           <a:solidFill>
             <a:srgbClr val="000000"/>
           </a:solidFill>
@@ -6156,7 +6288,7 @@
           <a:sym typeface="Arial"/>
         </a:defRPr>
       </a:lvl8pPr>
-      <a:lvl9pPr lvl="8" marR="0" rtl="0" algn="l">
+      <a:lvl9pPr marR="0" lvl="8" algn="l" rtl="0">
         <a:lnSpc>
           <a:spcPct val="100000"/>
         </a:lnSpc>
@@ -6170,7 +6302,7 @@
           <a:srgbClr val="000000"/>
         </a:buClr>
         <a:buFont typeface="Arial"/>
-        <a:defRPr b="0" i="0" sz="1400" u="none" cap="none" strike="noStrike">
+        <a:defRPr sz="1400" b="0" i="0" u="none" strike="noStrike" cap="none">
           <a:solidFill>
             <a:srgbClr val="000000"/>
           </a:solidFill>
@@ -6182,7 +6314,7 @@
       </a:lvl9pPr>
     </p:bodyStyle>
     <p:otherStyle>
-      <a:defPPr lvl="0" marR="0" rtl="0" algn="l">
+      <a:defPPr marR="0" lvl="0" algn="l" rtl="0">
         <a:lnSpc>
           <a:spcPct val="100000"/>
         </a:lnSpc>
@@ -6193,7 +6325,7 @@
           <a:spcPts val="0"/>
         </a:spcAft>
       </a:defPPr>
-      <a:lvl1pPr lvl="0" marR="0" rtl="0" algn="l">
+      <a:lvl1pPr marR="0" lvl="0" algn="l" rtl="0">
         <a:lnSpc>
           <a:spcPct val="100000"/>
         </a:lnSpc>
@@ -6207,7 +6339,7 @@
           <a:srgbClr val="000000"/>
         </a:buClr>
         <a:buFont typeface="Arial"/>
-        <a:defRPr b="0" i="0" sz="1400" u="none" cap="none" strike="noStrike">
+        <a:defRPr sz="1400" b="0" i="0" u="none" strike="noStrike" cap="none">
           <a:solidFill>
             <a:srgbClr val="000000"/>
           </a:solidFill>
@@ -6217,7 +6349,7 @@
           <a:sym typeface="Arial"/>
         </a:defRPr>
       </a:lvl1pPr>
-      <a:lvl2pPr lvl="1" marR="0" rtl="0" algn="l">
+      <a:lvl2pPr marR="0" lvl="1" algn="l" rtl="0">
         <a:lnSpc>
           <a:spcPct val="100000"/>
         </a:lnSpc>
@@ -6231,7 +6363,7 @@
           <a:srgbClr val="000000"/>
         </a:buClr>
         <a:buFont typeface="Arial"/>
-        <a:defRPr b="0" i="0" sz="1400" u="none" cap="none" strike="noStrike">
+        <a:defRPr sz="1400" b="0" i="0" u="none" strike="noStrike" cap="none">
           <a:solidFill>
             <a:srgbClr val="000000"/>
           </a:solidFill>
@@ -6241,7 +6373,7 @@
           <a:sym typeface="Arial"/>
         </a:defRPr>
       </a:lvl2pPr>
-      <a:lvl3pPr lvl="2" marR="0" rtl="0" algn="l">
+      <a:lvl3pPr marR="0" lvl="2" algn="l" rtl="0">
         <a:lnSpc>
           <a:spcPct val="100000"/>
         </a:lnSpc>
@@ -6255,7 +6387,7 @@
           <a:srgbClr val="000000"/>
         </a:buClr>
         <a:buFont typeface="Arial"/>
-        <a:defRPr b="0" i="0" sz="1400" u="none" cap="none" strike="noStrike">
+        <a:defRPr sz="1400" b="0" i="0" u="none" strike="noStrike" cap="none">
           <a:solidFill>
             <a:srgbClr val="000000"/>
           </a:solidFill>
@@ -6265,7 +6397,7 @@
           <a:sym typeface="Arial"/>
         </a:defRPr>
       </a:lvl3pPr>
-      <a:lvl4pPr lvl="3" marR="0" rtl="0" algn="l">
+      <a:lvl4pPr marR="0" lvl="3" algn="l" rtl="0">
         <a:lnSpc>
           <a:spcPct val="100000"/>
         </a:lnSpc>
@@ -6279,7 +6411,7 @@
           <a:srgbClr val="000000"/>
         </a:buClr>
         <a:buFont typeface="Arial"/>
-        <a:defRPr b="0" i="0" sz="1400" u="none" cap="none" strike="noStrike">
+        <a:defRPr sz="1400" b="0" i="0" u="none" strike="noStrike" cap="none">
           <a:solidFill>
             <a:srgbClr val="000000"/>
           </a:solidFill>
@@ -6289,7 +6421,7 @@
           <a:sym typeface="Arial"/>
         </a:defRPr>
       </a:lvl4pPr>
-      <a:lvl5pPr lvl="4" marR="0" rtl="0" algn="l">
+      <a:lvl5pPr marR="0" lvl="4" algn="l" rtl="0">
         <a:lnSpc>
           <a:spcPct val="100000"/>
         </a:lnSpc>
@@ -6303,7 +6435,7 @@
           <a:srgbClr val="000000"/>
         </a:buClr>
         <a:buFont typeface="Arial"/>
-        <a:defRPr b="0" i="0" sz="1400" u="none" cap="none" strike="noStrike">
+        <a:defRPr sz="1400" b="0" i="0" u="none" strike="noStrike" cap="none">
           <a:solidFill>
             <a:srgbClr val="000000"/>
           </a:solidFill>
@@ -6313,7 +6445,7 @@
           <a:sym typeface="Arial"/>
         </a:defRPr>
       </a:lvl5pPr>
-      <a:lvl6pPr lvl="5" marR="0" rtl="0" algn="l">
+      <a:lvl6pPr marR="0" lvl="5" algn="l" rtl="0">
         <a:lnSpc>
           <a:spcPct val="100000"/>
         </a:lnSpc>
@@ -6327,7 +6459,7 @@
           <a:srgbClr val="000000"/>
         </a:buClr>
         <a:buFont typeface="Arial"/>
-        <a:defRPr b="0" i="0" sz="1400" u="none" cap="none" strike="noStrike">
+        <a:defRPr sz="1400" b="0" i="0" u="none" strike="noStrike" cap="none">
           <a:solidFill>
             <a:srgbClr val="000000"/>
           </a:solidFill>
@@ -6337,7 +6469,7 @@
           <a:sym typeface="Arial"/>
         </a:defRPr>
       </a:lvl6pPr>
-      <a:lvl7pPr lvl="6" marR="0" rtl="0" algn="l">
+      <a:lvl7pPr marR="0" lvl="6" algn="l" rtl="0">
         <a:lnSpc>
           <a:spcPct val="100000"/>
         </a:lnSpc>
@@ -6351,7 +6483,7 @@
           <a:srgbClr val="000000"/>
         </a:buClr>
         <a:buFont typeface="Arial"/>
-        <a:defRPr b="0" i="0" sz="1400" u="none" cap="none" strike="noStrike">
+        <a:defRPr sz="1400" b="0" i="0" u="none" strike="noStrike" cap="none">
           <a:solidFill>
             <a:srgbClr val="000000"/>
           </a:solidFill>
@@ -6361,7 +6493,7 @@
           <a:sym typeface="Arial"/>
         </a:defRPr>
       </a:lvl7pPr>
-      <a:lvl8pPr lvl="7" marR="0" rtl="0" algn="l">
+      <a:lvl8pPr marR="0" lvl="7" algn="l" rtl="0">
         <a:lnSpc>
           <a:spcPct val="100000"/>
         </a:lnSpc>
@@ -6375,7 +6507,7 @@
           <a:srgbClr val="000000"/>
         </a:buClr>
         <a:buFont typeface="Arial"/>
-        <a:defRPr b="0" i="0" sz="1400" u="none" cap="none" strike="noStrike">
+        <a:defRPr sz="1400" b="0" i="0" u="none" strike="noStrike" cap="none">
           <a:solidFill>
             <a:srgbClr val="000000"/>
           </a:solidFill>
@@ -6385,7 +6517,7 @@
           <a:sym typeface="Arial"/>
         </a:defRPr>
       </a:lvl8pPr>
-      <a:lvl9pPr lvl="8" marR="0" rtl="0" algn="l">
+      <a:lvl9pPr marR="0" lvl="8" algn="l" rtl="0">
         <a:lnSpc>
           <a:spcPct val="100000"/>
         </a:lnSpc>
@@ -6399,7 +6531,7 @@
           <a:srgbClr val="000000"/>
         </a:buClr>
         <a:buFont typeface="Arial"/>
-        <a:defRPr b="0" i="0" sz="1400" u="none" cap="none" strike="noStrike">
+        <a:defRPr sz="1400" b="0" i="0" u="none" strike="noStrike" cap="none">
           <a:solidFill>
             <a:srgbClr val="000000"/>
           </a:solidFill>
@@ -6415,11 +6547,11 @@
 </file>
 
 <file path=ppt/slides/slide1.xml><?xml version="1.0" encoding="utf-8"?>
-<p:sld xmlns:a="http://schemas.openxmlformats.org/drawingml/2006/main" xmlns:r="http://schemas.openxmlformats.org/officeDocument/2006/relationships" xmlns:mc="http://schemas.openxmlformats.org/markup-compatibility/2006" xmlns:mv="urn:schemas-microsoft-com:mac:vml" xmlns:p="http://schemas.openxmlformats.org/presentationml/2006/main" xmlns:c="http://schemas.openxmlformats.org/drawingml/2006/chart" xmlns:dgm="http://schemas.openxmlformats.org/drawingml/2006/diagram" xmlns:o="urn:schemas-microsoft-com:office:office" xmlns:v="urn:schemas-microsoft-com:vml" xmlns:pvml="urn:schemas-microsoft-com:office:powerpoint" xmlns:com="http://schemas.openxmlformats.org/drawingml/2006/compatibility" xmlns:p14="http://schemas.microsoft.com/office/powerpoint/2010/main" xmlns:p15="http://schemas.microsoft.com/office/powerpoint/2012/main" xmlns:ahyp="http://schemas.microsoft.com/office/drawing/2018/hyperlinkcolor">
+<p:sld xmlns:a="http://schemas.openxmlformats.org/drawingml/2006/main" xmlns:r="http://schemas.openxmlformats.org/officeDocument/2006/relationships" xmlns:p="http://schemas.openxmlformats.org/presentationml/2006/main">
   <p:cSld>
     <p:spTree>
       <p:nvGrpSpPr>
-        <p:cNvPr id="58" name="Shape 58"/>
+        <p:cNvPr id="1" name="Shape 58"/>
         <p:cNvGrpSpPr/>
         <p:nvPr/>
       </p:nvGrpSpPr>
@@ -6434,7 +6566,9 @@
       <p:sp>
         <p:nvSpPr>
           <p:cNvPr id="59" name="Google Shape;59;p13"/>
-          <p:cNvSpPr txBox="1"/>
+          <p:cNvSpPr txBox="1">
+            <a:spLocks noGrp="1"/>
+          </p:cNvSpPr>
           <p:nvPr>
             <p:ph type="ctrTitle"/>
           </p:nvPr>
@@ -6449,12 +6583,12 @@
           </a:prstGeom>
         </p:spPr>
         <p:txBody>
-          <a:bodyPr anchorCtr="0" anchor="b" bIns="91425" lIns="91425" spcFirstLastPara="1" rIns="91425" wrap="square" tIns="91425">
+          <a:bodyPr spcFirstLastPara="1" wrap="square" lIns="91425" tIns="91425" rIns="91425" bIns="91425" anchor="b" anchorCtr="0">
             <a:normAutofit/>
           </a:bodyPr>
           <a:lstStyle/>
           <a:p>
-            <a:pPr indent="0" lvl="0" marL="0" rtl="0" algn="l">
+            <a:pPr marL="0" lvl="0" indent="0" algn="l" rtl="0">
               <a:spcBef>
                 <a:spcPts val="0"/>
               </a:spcBef>
@@ -6474,9 +6608,11 @@
       <p:sp>
         <p:nvSpPr>
           <p:cNvPr id="60" name="Google Shape;60;p13"/>
-          <p:cNvSpPr txBox="1"/>
+          <p:cNvSpPr txBox="1">
+            <a:spLocks noGrp="1"/>
+          </p:cNvSpPr>
           <p:nvPr>
-            <p:ph idx="1" type="subTitle"/>
+            <p:ph type="subTitle" idx="1"/>
           </p:nvPr>
         </p:nvSpPr>
         <p:spPr>
@@ -6489,12 +6625,12 @@
           </a:prstGeom>
         </p:spPr>
         <p:txBody>
-          <a:bodyPr anchorCtr="0" anchor="t" bIns="91425" lIns="91425" spcFirstLastPara="1" rIns="91425" wrap="square" tIns="91425">
-            <a:normAutofit lnSpcReduction="20000"/>
+          <a:bodyPr spcFirstLastPara="1" wrap="square" lIns="91425" tIns="91425" rIns="91425" bIns="91425" anchor="t" anchorCtr="0">
+            <a:normAutofit/>
           </a:bodyPr>
           <a:lstStyle/>
           <a:p>
-            <a:pPr indent="0" lvl="0" marL="0" rtl="0" algn="l">
+            <a:pPr marL="0" lvl="0" indent="0" algn="l" rtl="0">
               <a:spcBef>
                 <a:spcPts val="0"/>
               </a:spcBef>
@@ -6510,7 +6646,7 @@
             <a:endParaRPr/>
           </a:p>
           <a:p>
-            <a:pPr indent="0" lvl="0" marL="0" rtl="0" algn="l">
+            <a:pPr marL="0" lvl="0" indent="0" algn="l" rtl="0">
               <a:spcBef>
                 <a:spcPts val="0"/>
               </a:spcBef>
@@ -6526,7 +6662,7 @@
             <a:endParaRPr/>
           </a:p>
           <a:p>
-            <a:pPr indent="0" lvl="0" marL="0" rtl="0" algn="l">
+            <a:pPr marL="0" lvl="0" indent="0" algn="l" rtl="0">
               <a:spcBef>
                 <a:spcPts val="0"/>
               </a:spcBef>
@@ -6542,7 +6678,7 @@
             <a:endParaRPr/>
           </a:p>
           <a:p>
-            <a:pPr indent="0" lvl="0" marL="0" rtl="0" algn="l">
+            <a:pPr marL="0" lvl="0" indent="0" algn="l" rtl="0">
               <a:spcBef>
                 <a:spcPts val="0"/>
               </a:spcBef>
@@ -6551,9 +6687,6 @@
               </a:spcAft>
               <a:buNone/>
             </a:pPr>
-            <a:r>
-              <a:t/>
-            </a:r>
             <a:endParaRPr/>
           </a:p>
         </p:txBody>
@@ -6567,11 +6700,11 @@
 </file>
 
 <file path=ppt/slides/slide2.xml><?xml version="1.0" encoding="utf-8"?>
-<p:sld xmlns:a="http://schemas.openxmlformats.org/drawingml/2006/main" xmlns:r="http://schemas.openxmlformats.org/officeDocument/2006/relationships" xmlns:mc="http://schemas.openxmlformats.org/markup-compatibility/2006" xmlns:mv="urn:schemas-microsoft-com:mac:vml" xmlns:p="http://schemas.openxmlformats.org/presentationml/2006/main" xmlns:c="http://schemas.openxmlformats.org/drawingml/2006/chart" xmlns:dgm="http://schemas.openxmlformats.org/drawingml/2006/diagram" xmlns:o="urn:schemas-microsoft-com:office:office" xmlns:v="urn:schemas-microsoft-com:vml" xmlns:pvml="urn:schemas-microsoft-com:office:powerpoint" xmlns:com="http://schemas.openxmlformats.org/drawingml/2006/compatibility" xmlns:p14="http://schemas.microsoft.com/office/powerpoint/2010/main" xmlns:p15="http://schemas.microsoft.com/office/powerpoint/2012/main" xmlns:ahyp="http://schemas.microsoft.com/office/drawing/2018/hyperlinkcolor">
+<p:sld xmlns:a="http://schemas.openxmlformats.org/drawingml/2006/main" xmlns:r="http://schemas.openxmlformats.org/officeDocument/2006/relationships" xmlns:p="http://schemas.openxmlformats.org/presentationml/2006/main">
   <p:cSld>
     <p:spTree>
       <p:nvGrpSpPr>
-        <p:cNvPr id="64" name="Shape 64"/>
+        <p:cNvPr id="1" name="Shape 64"/>
         <p:cNvGrpSpPr/>
         <p:nvPr/>
       </p:nvGrpSpPr>
@@ -6586,7 +6719,9 @@
       <p:sp>
         <p:nvSpPr>
           <p:cNvPr id="65" name="Google Shape;65;p14"/>
-          <p:cNvSpPr txBox="1"/>
+          <p:cNvSpPr txBox="1">
+            <a:spLocks noGrp="1"/>
+          </p:cNvSpPr>
           <p:nvPr>
             <p:ph type="ctrTitle"/>
           </p:nvPr>
@@ -6601,12 +6736,12 @@
           </a:prstGeom>
         </p:spPr>
         <p:txBody>
-          <a:bodyPr anchorCtr="0" anchor="b" bIns="91425" lIns="91425" spcFirstLastPara="1" rIns="91425" wrap="square" tIns="91425">
+          <a:bodyPr spcFirstLastPara="1" wrap="square" lIns="91425" tIns="91425" rIns="91425" bIns="91425" anchor="b" anchorCtr="0">
             <a:normAutofit/>
           </a:bodyPr>
           <a:lstStyle/>
           <a:p>
-            <a:pPr indent="0" lvl="0" marL="0" rtl="0" algn="just">
+            <a:pPr marL="0" lvl="0" indent="0" algn="just" rtl="0">
               <a:spcBef>
                 <a:spcPts val="0"/>
               </a:spcBef>
@@ -6653,30 +6788,74 @@
       </p:pic>
       <p:pic>
         <p:nvPicPr>
-          <p:cNvPr id="67" name="Google Shape;67;p14"/>
-          <p:cNvPicPr preferRelativeResize="0"/>
+          <p:cNvPr id="2" name="Imagen 1"/>
+          <p:cNvPicPr>
+            <a:picLocks noChangeAspect="1"/>
+          </p:cNvPicPr>
           <p:nvPr/>
         </p:nvPicPr>
         <p:blipFill>
-          <a:blip r:embed="rId4">
-            <a:alphaModFix/>
-          </a:blip>
+          <a:blip r:embed="rId4"/>
           <a:stretch>
             <a:fillRect/>
           </a:stretch>
         </p:blipFill>
         <p:spPr>
           <a:xfrm>
-            <a:off x="4931375" y="2231377"/>
-            <a:ext cx="3955450" cy="2208675"/>
+            <a:off x="4289965" y="1426291"/>
+            <a:ext cx="2647547" cy="1411318"/>
           </a:xfrm>
           <a:prstGeom prst="rect">
             <a:avLst/>
           </a:prstGeom>
-          <a:noFill/>
-          <a:ln>
-            <a:noFill/>
-          </a:ln>
+        </p:spPr>
+      </p:pic>
+      <p:pic>
+        <p:nvPicPr>
+          <p:cNvPr id="3" name="Imagen 2"/>
+          <p:cNvPicPr>
+            <a:picLocks noChangeAspect="1"/>
+          </p:cNvPicPr>
+          <p:nvPr/>
+        </p:nvPicPr>
+        <p:blipFill>
+          <a:blip r:embed="rId5"/>
+          <a:stretch>
+            <a:fillRect/>
+          </a:stretch>
+        </p:blipFill>
+        <p:spPr>
+          <a:xfrm>
+            <a:off x="6379395" y="3033237"/>
+            <a:ext cx="2453178" cy="1055630"/>
+          </a:xfrm>
+          <a:prstGeom prst="rect">
+            <a:avLst/>
+          </a:prstGeom>
+        </p:spPr>
+      </p:pic>
+      <p:pic>
+        <p:nvPicPr>
+          <p:cNvPr id="4" name="Imagen 3"/>
+          <p:cNvPicPr>
+            <a:picLocks noChangeAspect="1"/>
+          </p:cNvPicPr>
+          <p:nvPr/>
+        </p:nvPicPr>
+        <p:blipFill>
+          <a:blip r:embed="rId6"/>
+          <a:stretch>
+            <a:fillRect/>
+          </a:stretch>
+        </p:blipFill>
+        <p:spPr>
+          <a:xfrm>
+            <a:off x="4289965" y="3699264"/>
+            <a:ext cx="1903271" cy="1184162"/>
+          </a:xfrm>
+          <a:prstGeom prst="rect">
+            <a:avLst/>
+          </a:prstGeom>
         </p:spPr>
       </p:pic>
     </p:spTree>
@@ -6688,11 +6867,11 @@
 </file>
 
 <file path=ppt/slides/slide3.xml><?xml version="1.0" encoding="utf-8"?>
-<p:sld xmlns:a="http://schemas.openxmlformats.org/drawingml/2006/main" xmlns:r="http://schemas.openxmlformats.org/officeDocument/2006/relationships" xmlns:mc="http://schemas.openxmlformats.org/markup-compatibility/2006" xmlns:mv="urn:schemas-microsoft-com:mac:vml" xmlns:p="http://schemas.openxmlformats.org/presentationml/2006/main" xmlns:c="http://schemas.openxmlformats.org/drawingml/2006/chart" xmlns:dgm="http://schemas.openxmlformats.org/drawingml/2006/diagram" xmlns:o="urn:schemas-microsoft-com:office:office" xmlns:v="urn:schemas-microsoft-com:vml" xmlns:pvml="urn:schemas-microsoft-com:office:powerpoint" xmlns:com="http://schemas.openxmlformats.org/drawingml/2006/compatibility" xmlns:p14="http://schemas.microsoft.com/office/powerpoint/2010/main" xmlns:p15="http://schemas.microsoft.com/office/powerpoint/2012/main" xmlns:ahyp="http://schemas.microsoft.com/office/drawing/2018/hyperlinkcolor">
+<p:sld xmlns:a="http://schemas.openxmlformats.org/drawingml/2006/main" xmlns:r="http://schemas.openxmlformats.org/officeDocument/2006/relationships" xmlns:p="http://schemas.openxmlformats.org/presentationml/2006/main">
   <p:cSld>
     <p:spTree>
       <p:nvGrpSpPr>
-        <p:cNvPr id="71" name="Shape 71"/>
+        <p:cNvPr id="1" name="Shape 71"/>
         <p:cNvGrpSpPr/>
         <p:nvPr/>
       </p:nvGrpSpPr>
@@ -6707,9 +6886,11 @@
       <p:sp>
         <p:nvSpPr>
           <p:cNvPr id="72" name="Google Shape;72;p15"/>
-          <p:cNvSpPr txBox="1"/>
+          <p:cNvSpPr txBox="1">
+            <a:spLocks noGrp="1"/>
+          </p:cNvSpPr>
           <p:nvPr>
-            <p:ph idx="1" type="subTitle"/>
+            <p:ph type="subTitle" idx="1"/>
           </p:nvPr>
         </p:nvSpPr>
         <p:spPr>
@@ -6722,12 +6903,12 @@
           </a:prstGeom>
         </p:spPr>
         <p:txBody>
-          <a:bodyPr anchorCtr="0" anchor="t" bIns="91425" lIns="91425" spcFirstLastPara="1" rIns="91425" wrap="square" tIns="91425">
+          <a:bodyPr spcFirstLastPara="1" wrap="square" lIns="91425" tIns="91425" rIns="91425" bIns="91425" anchor="t" anchorCtr="0">
             <a:normAutofit lnSpcReduction="10000"/>
           </a:bodyPr>
           <a:lstStyle/>
           <a:p>
-            <a:pPr indent="0" lvl="0" marL="0" rtl="0" algn="just">
+            <a:pPr marL="0" lvl="0" indent="0" algn="just" rtl="0">
               <a:spcBef>
                 <a:spcPts val="0"/>
               </a:spcBef>
@@ -6781,11 +6962,11 @@
 </file>
 
 <file path=ppt/slides/slide4.xml><?xml version="1.0" encoding="utf-8"?>
-<p:sld xmlns:a="http://schemas.openxmlformats.org/drawingml/2006/main" xmlns:r="http://schemas.openxmlformats.org/officeDocument/2006/relationships" xmlns:mc="http://schemas.openxmlformats.org/markup-compatibility/2006" xmlns:mv="urn:schemas-microsoft-com:mac:vml" xmlns:p="http://schemas.openxmlformats.org/presentationml/2006/main" xmlns:c="http://schemas.openxmlformats.org/drawingml/2006/chart" xmlns:dgm="http://schemas.openxmlformats.org/drawingml/2006/diagram" xmlns:o="urn:schemas-microsoft-com:office:office" xmlns:v="urn:schemas-microsoft-com:vml" xmlns:pvml="urn:schemas-microsoft-com:office:powerpoint" xmlns:com="http://schemas.openxmlformats.org/drawingml/2006/compatibility" xmlns:p14="http://schemas.microsoft.com/office/powerpoint/2010/main" xmlns:p15="http://schemas.microsoft.com/office/powerpoint/2012/main" xmlns:ahyp="http://schemas.microsoft.com/office/drawing/2018/hyperlinkcolor">
+<p:sld xmlns:a="http://schemas.openxmlformats.org/drawingml/2006/main" xmlns:r="http://schemas.openxmlformats.org/officeDocument/2006/relationships" xmlns:p="http://schemas.openxmlformats.org/presentationml/2006/main">
   <p:cSld>
     <p:spTree>
       <p:nvGrpSpPr>
-        <p:cNvPr id="77" name="Shape 77"/>
+        <p:cNvPr id="1" name="Shape 77"/>
         <p:cNvGrpSpPr/>
         <p:nvPr/>
       </p:nvGrpSpPr>
@@ -6800,7 +6981,9 @@
       <p:sp>
         <p:nvSpPr>
           <p:cNvPr id="78" name="Google Shape;78;p16"/>
-          <p:cNvSpPr txBox="1"/>
+          <p:cNvSpPr txBox="1">
+            <a:spLocks noGrp="1"/>
+          </p:cNvSpPr>
           <p:nvPr>
             <p:ph type="ctrTitle"/>
           </p:nvPr>
@@ -6815,12 +6998,12 @@
           </a:prstGeom>
         </p:spPr>
         <p:txBody>
-          <a:bodyPr anchorCtr="0" anchor="b" bIns="91425" lIns="91425" spcFirstLastPara="1" rIns="91425" wrap="square" tIns="91425">
+          <a:bodyPr spcFirstLastPara="1" wrap="square" lIns="91425" tIns="91425" rIns="91425" bIns="91425" anchor="b" anchorCtr="0">
             <a:normAutofit/>
           </a:bodyPr>
           <a:lstStyle/>
           <a:p>
-            <a:pPr indent="0" lvl="0" marL="0" rtl="0" algn="just">
+            <a:pPr marL="0" lvl="0" indent="0" algn="just" rtl="0">
               <a:spcBef>
                 <a:spcPts val="0"/>
               </a:spcBef>
@@ -6857,12 +7040,12 @@
           </a:ln>
         </p:spPr>
         <p:txBody>
-          <a:bodyPr anchorCtr="0" anchor="t" bIns="91425" lIns="91425" spcFirstLastPara="1" rIns="91425" wrap="square" tIns="91425">
+          <a:bodyPr spcFirstLastPara="1" wrap="square" lIns="91425" tIns="91425" rIns="91425" bIns="91425" anchor="t" anchorCtr="0">
             <a:spAutoFit/>
           </a:bodyPr>
           <a:lstStyle/>
           <a:p>
-            <a:pPr indent="0" lvl="0" marL="0" rtl="0" algn="l">
+            <a:pPr marL="0" lvl="0" indent="0" algn="l" rtl="0">
               <a:spcBef>
                 <a:spcPts val="0"/>
               </a:spcBef>
@@ -6881,79 +7064,7 @@
                 <a:cs typeface="Proxima Nova"/>
                 <a:sym typeface="Proxima Nova"/>
               </a:rPr>
-              <a:t>Considero que se </a:t>
-            </a:r>
-            <a:r>
-              <a:rPr lang="es">
-                <a:solidFill>
-                  <a:schemeClr val="lt1"/>
-                </a:solidFill>
-                <a:latin typeface="Proxima Nova"/>
-                <a:ea typeface="Proxima Nova"/>
-                <a:cs typeface="Proxima Nova"/>
-                <a:sym typeface="Proxima Nova"/>
-              </a:rPr>
-              <a:t>debería</a:t>
-            </a:r>
-            <a:r>
-              <a:rPr lang="es">
-                <a:solidFill>
-                  <a:schemeClr val="lt1"/>
-                </a:solidFill>
-                <a:latin typeface="Proxima Nova"/>
-                <a:ea typeface="Proxima Nova"/>
-                <a:cs typeface="Proxima Nova"/>
-                <a:sym typeface="Proxima Nova"/>
-              </a:rPr>
-              <a:t> </a:t>
-            </a:r>
-            <a:r>
-              <a:rPr lang="es">
-                <a:solidFill>
-                  <a:schemeClr val="lt1"/>
-                </a:solidFill>
-                <a:latin typeface="Proxima Nova"/>
-                <a:ea typeface="Proxima Nova"/>
-                <a:cs typeface="Proxima Nova"/>
-                <a:sym typeface="Proxima Nova"/>
-              </a:rPr>
-              <a:t>mantener</a:t>
-            </a:r>
-            <a:r>
-              <a:rPr lang="es">
-                <a:solidFill>
-                  <a:schemeClr val="lt1"/>
-                </a:solidFill>
-                <a:latin typeface="Proxima Nova"/>
-                <a:ea typeface="Proxima Nova"/>
-                <a:cs typeface="Proxima Nova"/>
-                <a:sym typeface="Proxima Nova"/>
-              </a:rPr>
-              <a:t> el uso correcto y formal de todos los conceptos de diseño </a:t>
-            </a:r>
-            <a:r>
-              <a:rPr lang="es">
-                <a:solidFill>
-                  <a:schemeClr val="lt1"/>
-                </a:solidFill>
-                <a:latin typeface="Proxima Nova"/>
-                <a:ea typeface="Proxima Nova"/>
-                <a:cs typeface="Proxima Nova"/>
-                <a:sym typeface="Proxima Nova"/>
-              </a:rPr>
-              <a:t>arquitectónico</a:t>
-            </a:r>
-            <a:r>
-              <a:rPr lang="es">
-                <a:solidFill>
-                  <a:schemeClr val="lt1"/>
-                </a:solidFill>
-                <a:latin typeface="Proxima Nova"/>
-                <a:ea typeface="Proxima Nova"/>
-                <a:cs typeface="Proxima Nova"/>
-                <a:sym typeface="Proxima Nova"/>
-              </a:rPr>
-              <a:t>; puesto que, que de esta manera podemos brindar un producto de buena calidad.</a:t>
+              <a:t>Considero que se debería mantener el uso correcto y formal de todos los conceptos de diseño arquitectónico; puesto que, que de esta manera podemos brindar un producto de buena calidad.</a:t>
             </a:r>
             <a:endParaRPr>
               <a:solidFill>
@@ -6976,7 +7087,288 @@
 </file>
 
 <file path=ppt/theme/theme1.xml><?xml version="1.0" encoding="utf-8"?>
-<a:theme xmlns:a="http://schemas.openxmlformats.org/drawingml/2006/main" xmlns:r="http://schemas.openxmlformats.org/officeDocument/2006/relationships">
+<a:theme xmlns:a="http://schemas.openxmlformats.org/drawingml/2006/main" name="Spearmint">
+  <a:themeElements>
+    <a:clrScheme name="Spearmint">
+      <a:dk1>
+        <a:srgbClr val="202729"/>
+      </a:dk1>
+      <a:lt1>
+        <a:srgbClr val="FFFFFF"/>
+      </a:lt1>
+      <a:dk2>
+        <a:srgbClr val="4BA173"/>
+      </a:dk2>
+      <a:lt2>
+        <a:srgbClr val="63D297"/>
+      </a:lt2>
+      <a:accent1>
+        <a:srgbClr val="353744"/>
+      </a:accent1>
+      <a:accent2>
+        <a:srgbClr val="424242"/>
+      </a:accent2>
+      <a:accent3>
+        <a:srgbClr val="616161"/>
+      </a:accent3>
+      <a:accent4>
+        <a:srgbClr val="999999"/>
+      </a:accent4>
+      <a:accent5>
+        <a:srgbClr val="FF5252"/>
+      </a:accent5>
+      <a:accent6>
+        <a:srgbClr val="FFF176"/>
+      </a:accent6>
+      <a:hlink>
+        <a:srgbClr val="FF5252"/>
+      </a:hlink>
+      <a:folHlink>
+        <a:srgbClr val="FF5252"/>
+      </a:folHlink>
+    </a:clrScheme>
+    <a:fontScheme name="Office">
+      <a:majorFont>
+        <a:latin typeface="Arial"/>
+        <a:ea typeface=""/>
+        <a:cs typeface=""/>
+        <a:font script="Jpan" typeface="ＭＳ Ｐゴシック"/>
+        <a:font script="Hang" typeface="맑은 고딕"/>
+        <a:font script="Hans" typeface="宋体"/>
+        <a:font script="Hant" typeface="新細明體"/>
+        <a:font script="Arab" typeface="Times New Roman"/>
+        <a:font script="Hebr" typeface="Times New Roman"/>
+        <a:font script="Thai" typeface="Angsana New"/>
+        <a:font script="Ethi" typeface="Nyala"/>
+        <a:font script="Beng" typeface="Vrinda"/>
+        <a:font script="Gujr" typeface="Shruti"/>
+        <a:font script="Khmr" typeface="MoolBoran"/>
+        <a:font script="Knda" typeface="Tunga"/>
+        <a:font script="Guru" typeface="Raavi"/>
+        <a:font script="Cans" typeface="Euphemia"/>
+        <a:font script="Cher" typeface="Plantagenet Cherokee"/>
+        <a:font script="Yiii" typeface="Microsoft Yi Baiti"/>
+        <a:font script="Tibt" typeface="Microsoft Himalaya"/>
+        <a:font script="Thaa" typeface="MV Boli"/>
+        <a:font script="Deva" typeface="Mangal"/>
+        <a:font script="Telu" typeface="Gautami"/>
+        <a:font script="Taml" typeface="Latha"/>
+        <a:font script="Syrc" typeface="Estrangelo Edessa"/>
+        <a:font script="Orya" typeface="Kalinga"/>
+        <a:font script="Mlym" typeface="Kartika"/>
+        <a:font script="Laoo" typeface="DokChampa"/>
+        <a:font script="Sinh" typeface="Iskoola Pota"/>
+        <a:font script="Mong" typeface="Mongolian Baiti"/>
+        <a:font script="Viet" typeface="Times New Roman"/>
+        <a:font script="Uigh" typeface="Microsoft Uighur"/>
+        <a:font script="Geor" typeface="Sylfaen"/>
+      </a:majorFont>
+      <a:minorFont>
+        <a:latin typeface="Arial"/>
+        <a:ea typeface=""/>
+        <a:cs typeface=""/>
+        <a:font script="Jpan" typeface="ＭＳ Ｐゴシック"/>
+        <a:font script="Hang" typeface="맑은 고딕"/>
+        <a:font script="Hans" typeface="宋体"/>
+        <a:font script="Hant" typeface="新細明體"/>
+        <a:font script="Arab" typeface="Arial"/>
+        <a:font script="Hebr" typeface="Arial"/>
+        <a:font script="Thai" typeface="Cordia New"/>
+        <a:font script="Ethi" typeface="Nyala"/>
+        <a:font script="Beng" typeface="Vrinda"/>
+        <a:font script="Gujr" typeface="Shruti"/>
+        <a:font script="Khmr" typeface="DaunPenh"/>
+        <a:font script="Knda" typeface="Tunga"/>
+        <a:font script="Guru" typeface="Raavi"/>
+        <a:font script="Cans" typeface="Euphemia"/>
+        <a:font script="Cher" typeface="Plantagenet Cherokee"/>
+        <a:font script="Yiii" typeface="Microsoft Yi Baiti"/>
+        <a:font script="Tibt" typeface="Microsoft Himalaya"/>
+        <a:font script="Thaa" typeface="MV Boli"/>
+        <a:font script="Deva" typeface="Mangal"/>
+        <a:font script="Telu" typeface="Gautami"/>
+        <a:font script="Taml" typeface="Latha"/>
+        <a:font script="Syrc" typeface="Estrangelo Edessa"/>
+        <a:font script="Orya" typeface="Kalinga"/>
+        <a:font script="Mlym" typeface="Kartika"/>
+        <a:font script="Laoo" typeface="DokChampa"/>
+        <a:font script="Sinh" typeface="Iskoola Pota"/>
+        <a:font script="Mong" typeface="Mongolian Baiti"/>
+        <a:font script="Viet" typeface="Arial"/>
+        <a:font script="Uigh" typeface="Microsoft Uighur"/>
+        <a:font script="Geor" typeface="Sylfaen"/>
+      </a:minorFont>
+    </a:fontScheme>
+    <a:fmtScheme name="Office">
+      <a:fillStyleLst>
+        <a:solidFill>
+          <a:schemeClr val="phClr"/>
+        </a:solidFill>
+        <a:gradFill rotWithShape="1">
+          <a:gsLst>
+            <a:gs pos="0">
+              <a:schemeClr val="phClr">
+                <a:tint val="50000"/>
+                <a:satMod val="300000"/>
+              </a:schemeClr>
+            </a:gs>
+            <a:gs pos="35000">
+              <a:schemeClr val="phClr">
+                <a:tint val="37000"/>
+                <a:satMod val="300000"/>
+              </a:schemeClr>
+            </a:gs>
+            <a:gs pos="100000">
+              <a:schemeClr val="phClr">
+                <a:tint val="15000"/>
+                <a:satMod val="350000"/>
+              </a:schemeClr>
+            </a:gs>
+          </a:gsLst>
+          <a:lin ang="16200000" scaled="1"/>
+        </a:gradFill>
+        <a:gradFill rotWithShape="1">
+          <a:gsLst>
+            <a:gs pos="0">
+              <a:schemeClr val="phClr">
+                <a:tint val="100000"/>
+                <a:shade val="100000"/>
+                <a:satMod val="130000"/>
+              </a:schemeClr>
+            </a:gs>
+            <a:gs pos="100000">
+              <a:schemeClr val="phClr">
+                <a:tint val="50000"/>
+                <a:shade val="100000"/>
+                <a:satMod val="350000"/>
+              </a:schemeClr>
+            </a:gs>
+          </a:gsLst>
+          <a:lin ang="16200000" scaled="0"/>
+        </a:gradFill>
+      </a:fillStyleLst>
+      <a:lnStyleLst>
+        <a:ln w="9525" cap="flat" cmpd="sng" algn="ctr">
+          <a:solidFill>
+            <a:schemeClr val="phClr">
+              <a:shade val="95000"/>
+              <a:satMod val="105000"/>
+            </a:schemeClr>
+          </a:solidFill>
+          <a:prstDash val="solid"/>
+        </a:ln>
+        <a:ln w="25400" cap="flat" cmpd="sng" algn="ctr">
+          <a:solidFill>
+            <a:schemeClr val="phClr"/>
+          </a:solidFill>
+          <a:prstDash val="solid"/>
+        </a:ln>
+        <a:ln w="38100" cap="flat" cmpd="sng" algn="ctr">
+          <a:solidFill>
+            <a:schemeClr val="phClr"/>
+          </a:solidFill>
+          <a:prstDash val="solid"/>
+        </a:ln>
+      </a:lnStyleLst>
+      <a:effectStyleLst>
+        <a:effectStyle>
+          <a:effectLst>
+            <a:outerShdw blurRad="40000" dist="20000" dir="5400000" rotWithShape="0">
+              <a:srgbClr val="000000">
+                <a:alpha val="38000"/>
+              </a:srgbClr>
+            </a:outerShdw>
+          </a:effectLst>
+        </a:effectStyle>
+        <a:effectStyle>
+          <a:effectLst>
+            <a:outerShdw blurRad="40000" dist="23000" dir="5400000" rotWithShape="0">
+              <a:srgbClr val="000000">
+                <a:alpha val="35000"/>
+              </a:srgbClr>
+            </a:outerShdw>
+          </a:effectLst>
+        </a:effectStyle>
+        <a:effectStyle>
+          <a:effectLst>
+            <a:outerShdw blurRad="40000" dist="23000" dir="5400000" rotWithShape="0">
+              <a:srgbClr val="000000">
+                <a:alpha val="35000"/>
+              </a:srgbClr>
+            </a:outerShdw>
+          </a:effectLst>
+          <a:scene3d>
+            <a:camera prst="orthographicFront">
+              <a:rot lat="0" lon="0" rev="0"/>
+            </a:camera>
+            <a:lightRig rig="threePt" dir="t">
+              <a:rot lat="0" lon="0" rev="1200000"/>
+            </a:lightRig>
+          </a:scene3d>
+          <a:sp3d>
+            <a:bevelT w="63500" h="25400"/>
+          </a:sp3d>
+        </a:effectStyle>
+      </a:effectStyleLst>
+      <a:bgFillStyleLst>
+        <a:solidFill>
+          <a:schemeClr val="phClr"/>
+        </a:solidFill>
+        <a:gradFill rotWithShape="1">
+          <a:gsLst>
+            <a:gs pos="0">
+              <a:schemeClr val="phClr">
+                <a:tint val="40000"/>
+                <a:satMod val="350000"/>
+              </a:schemeClr>
+            </a:gs>
+            <a:gs pos="40000">
+              <a:schemeClr val="phClr">
+                <a:tint val="45000"/>
+                <a:shade val="99000"/>
+                <a:satMod val="350000"/>
+              </a:schemeClr>
+            </a:gs>
+            <a:gs pos="100000">
+              <a:schemeClr val="phClr">
+                <a:shade val="20000"/>
+                <a:satMod val="255000"/>
+              </a:schemeClr>
+            </a:gs>
+          </a:gsLst>
+          <a:path path="circle">
+            <a:fillToRect l="50000" t="-80000" r="50000" b="180000"/>
+          </a:path>
+        </a:gradFill>
+        <a:gradFill rotWithShape="1">
+          <a:gsLst>
+            <a:gs pos="0">
+              <a:schemeClr val="phClr">
+                <a:tint val="80000"/>
+                <a:satMod val="300000"/>
+              </a:schemeClr>
+            </a:gs>
+            <a:gs pos="100000">
+              <a:schemeClr val="phClr">
+                <a:shade val="30000"/>
+                <a:satMod val="200000"/>
+              </a:schemeClr>
+            </a:gs>
+          </a:gsLst>
+          <a:path path="circle">
+            <a:fillToRect l="50000" t="50000" r="50000" b="50000"/>
+          </a:path>
+        </a:gradFill>
+      </a:bgFillStyleLst>
+    </a:fmtScheme>
+  </a:themeElements>
+  <a:objectDefaults/>
+  <a:extraClrSchemeLst/>
+</a:theme>
+</file>
+
+<file path=ppt/theme/theme2.xml><?xml version="1.0" encoding="utf-8"?>
+<a:theme xmlns:a="http://schemas.openxmlformats.org/drawingml/2006/main">
   <a:themeElements>
     <a:clrScheme name="Default">
       <a:dk1>
@@ -7251,284 +7643,7 @@
       </a:bgFillStyleLst>
     </a:fmtScheme>
   </a:themeElements>
-</a:theme>
-</file>
-
-<file path=ppt/theme/theme2.xml><?xml version="1.0" encoding="utf-8"?>
-<a:theme xmlns:a="http://schemas.openxmlformats.org/drawingml/2006/main" xmlns:r="http://schemas.openxmlformats.org/officeDocument/2006/relationships" name="Spearmint">
-  <a:themeElements>
-    <a:clrScheme name="Spearmint">
-      <a:dk1>
-        <a:srgbClr val="202729"/>
-      </a:dk1>
-      <a:lt1>
-        <a:srgbClr val="FFFFFF"/>
-      </a:lt1>
-      <a:dk2>
-        <a:srgbClr val="4BA173"/>
-      </a:dk2>
-      <a:lt2>
-        <a:srgbClr val="63D297"/>
-      </a:lt2>
-      <a:accent1>
-        <a:srgbClr val="353744"/>
-      </a:accent1>
-      <a:accent2>
-        <a:srgbClr val="424242"/>
-      </a:accent2>
-      <a:accent3>
-        <a:srgbClr val="616161"/>
-      </a:accent3>
-      <a:accent4>
-        <a:srgbClr val="999999"/>
-      </a:accent4>
-      <a:accent5>
-        <a:srgbClr val="FF5252"/>
-      </a:accent5>
-      <a:accent6>
-        <a:srgbClr val="FFF176"/>
-      </a:accent6>
-      <a:hlink>
-        <a:srgbClr val="FF5252"/>
-      </a:hlink>
-      <a:folHlink>
-        <a:srgbClr val="FF5252"/>
-      </a:folHlink>
-    </a:clrScheme>
-    <a:fontScheme name="Office">
-      <a:majorFont>
-        <a:latin typeface="Arial"/>
-        <a:ea typeface=""/>
-        <a:cs typeface=""/>
-        <a:font script="Jpan" typeface="ＭＳ Ｐゴシック"/>
-        <a:font script="Hang" typeface="맑은 고딕"/>
-        <a:font script="Hans" typeface="宋体"/>
-        <a:font script="Hant" typeface="新細明體"/>
-        <a:font script="Arab" typeface="Times New Roman"/>
-        <a:font script="Hebr" typeface="Times New Roman"/>
-        <a:font script="Thai" typeface="Angsana New"/>
-        <a:font script="Ethi" typeface="Nyala"/>
-        <a:font script="Beng" typeface="Vrinda"/>
-        <a:font script="Gujr" typeface="Shruti"/>
-        <a:font script="Khmr" typeface="MoolBoran"/>
-        <a:font script="Knda" typeface="Tunga"/>
-        <a:font script="Guru" typeface="Raavi"/>
-        <a:font script="Cans" typeface="Euphemia"/>
-        <a:font script="Cher" typeface="Plantagenet Cherokee"/>
-        <a:font script="Yiii" typeface="Microsoft Yi Baiti"/>
-        <a:font script="Tibt" typeface="Microsoft Himalaya"/>
-        <a:font script="Thaa" typeface="MV Boli"/>
-        <a:font script="Deva" typeface="Mangal"/>
-        <a:font script="Telu" typeface="Gautami"/>
-        <a:font script="Taml" typeface="Latha"/>
-        <a:font script="Syrc" typeface="Estrangelo Edessa"/>
-        <a:font script="Orya" typeface="Kalinga"/>
-        <a:font script="Mlym" typeface="Kartika"/>
-        <a:font script="Laoo" typeface="DokChampa"/>
-        <a:font script="Sinh" typeface="Iskoola Pota"/>
-        <a:font script="Mong" typeface="Mongolian Baiti"/>
-        <a:font script="Viet" typeface="Times New Roman"/>
-        <a:font script="Uigh" typeface="Microsoft Uighur"/>
-        <a:font script="Geor" typeface="Sylfaen"/>
-      </a:majorFont>
-      <a:minorFont>
-        <a:latin typeface="Arial"/>
-        <a:ea typeface=""/>
-        <a:cs typeface=""/>
-        <a:font script="Jpan" typeface="ＭＳ Ｐゴシック"/>
-        <a:font script="Hang" typeface="맑은 고딕"/>
-        <a:font script="Hans" typeface="宋体"/>
-        <a:font script="Hant" typeface="新細明體"/>
-        <a:font script="Arab" typeface="Arial"/>
-        <a:font script="Hebr" typeface="Arial"/>
-        <a:font script="Thai" typeface="Cordia New"/>
-        <a:font script="Ethi" typeface="Nyala"/>
-        <a:font script="Beng" typeface="Vrinda"/>
-        <a:font script="Gujr" typeface="Shruti"/>
-        <a:font script="Khmr" typeface="DaunPenh"/>
-        <a:font script="Knda" typeface="Tunga"/>
-        <a:font script="Guru" typeface="Raavi"/>
-        <a:font script="Cans" typeface="Euphemia"/>
-        <a:font script="Cher" typeface="Plantagenet Cherokee"/>
-        <a:font script="Yiii" typeface="Microsoft Yi Baiti"/>
-        <a:font script="Tibt" typeface="Microsoft Himalaya"/>
-        <a:font script="Thaa" typeface="MV Boli"/>
-        <a:font script="Deva" typeface="Mangal"/>
-        <a:font script="Telu" typeface="Gautami"/>
-        <a:font script="Taml" typeface="Latha"/>
-        <a:font script="Syrc" typeface="Estrangelo Edessa"/>
-        <a:font script="Orya" typeface="Kalinga"/>
-        <a:font script="Mlym" typeface="Kartika"/>
-        <a:font script="Laoo" typeface="DokChampa"/>
-        <a:font script="Sinh" typeface="Iskoola Pota"/>
-        <a:font script="Mong" typeface="Mongolian Baiti"/>
-        <a:font script="Viet" typeface="Arial"/>
-        <a:font script="Uigh" typeface="Microsoft Uighur"/>
-        <a:font script="Geor" typeface="Sylfaen"/>
-      </a:minorFont>
-    </a:fontScheme>
-    <a:fmtScheme name="Office">
-      <a:fillStyleLst>
-        <a:solidFill>
-          <a:schemeClr val="phClr"/>
-        </a:solidFill>
-        <a:gradFill rotWithShape="1">
-          <a:gsLst>
-            <a:gs pos="0">
-              <a:schemeClr val="phClr">
-                <a:tint val="50000"/>
-                <a:satMod val="300000"/>
-              </a:schemeClr>
-            </a:gs>
-            <a:gs pos="35000">
-              <a:schemeClr val="phClr">
-                <a:tint val="37000"/>
-                <a:satMod val="300000"/>
-              </a:schemeClr>
-            </a:gs>
-            <a:gs pos="100000">
-              <a:schemeClr val="phClr">
-                <a:tint val="15000"/>
-                <a:satMod val="350000"/>
-              </a:schemeClr>
-            </a:gs>
-          </a:gsLst>
-          <a:lin ang="16200000" scaled="1"/>
-        </a:gradFill>
-        <a:gradFill rotWithShape="1">
-          <a:gsLst>
-            <a:gs pos="0">
-              <a:schemeClr val="phClr">
-                <a:tint val="100000"/>
-                <a:shade val="100000"/>
-                <a:satMod val="130000"/>
-              </a:schemeClr>
-            </a:gs>
-            <a:gs pos="100000">
-              <a:schemeClr val="phClr">
-                <a:tint val="50000"/>
-                <a:shade val="100000"/>
-                <a:satMod val="350000"/>
-              </a:schemeClr>
-            </a:gs>
-          </a:gsLst>
-          <a:lin ang="16200000" scaled="0"/>
-        </a:gradFill>
-      </a:fillStyleLst>
-      <a:lnStyleLst>
-        <a:ln w="9525" cap="flat" cmpd="sng" algn="ctr">
-          <a:solidFill>
-            <a:schemeClr val="phClr">
-              <a:shade val="95000"/>
-              <a:satMod val="105000"/>
-            </a:schemeClr>
-          </a:solidFill>
-          <a:prstDash val="solid"/>
-        </a:ln>
-        <a:ln w="25400" cap="flat" cmpd="sng" algn="ctr">
-          <a:solidFill>
-            <a:schemeClr val="phClr"/>
-          </a:solidFill>
-          <a:prstDash val="solid"/>
-        </a:ln>
-        <a:ln w="38100" cap="flat" cmpd="sng" algn="ctr">
-          <a:solidFill>
-            <a:schemeClr val="phClr"/>
-          </a:solidFill>
-          <a:prstDash val="solid"/>
-        </a:ln>
-      </a:lnStyleLst>
-      <a:effectStyleLst>
-        <a:effectStyle>
-          <a:effectLst>
-            <a:outerShdw blurRad="40000" dist="20000" dir="5400000" rotWithShape="0">
-              <a:srgbClr val="000000">
-                <a:alpha val="38000"/>
-              </a:srgbClr>
-            </a:outerShdw>
-          </a:effectLst>
-        </a:effectStyle>
-        <a:effectStyle>
-          <a:effectLst>
-            <a:outerShdw blurRad="40000" dist="23000" dir="5400000" rotWithShape="0">
-              <a:srgbClr val="000000">
-                <a:alpha val="35000"/>
-              </a:srgbClr>
-            </a:outerShdw>
-          </a:effectLst>
-        </a:effectStyle>
-        <a:effectStyle>
-          <a:effectLst>
-            <a:outerShdw blurRad="40000" dist="23000" dir="5400000" rotWithShape="0">
-              <a:srgbClr val="000000">
-                <a:alpha val="35000"/>
-              </a:srgbClr>
-            </a:outerShdw>
-          </a:effectLst>
-          <a:scene3d>
-            <a:camera prst="orthographicFront">
-              <a:rot lat="0" lon="0" rev="0"/>
-            </a:camera>
-            <a:lightRig rig="threePt" dir="t">
-              <a:rot lat="0" lon="0" rev="1200000"/>
-            </a:lightRig>
-          </a:scene3d>
-          <a:sp3d>
-            <a:bevelT w="63500" h="25400"/>
-          </a:sp3d>
-        </a:effectStyle>
-      </a:effectStyleLst>
-      <a:bgFillStyleLst>
-        <a:solidFill>
-          <a:schemeClr val="phClr"/>
-        </a:solidFill>
-        <a:gradFill rotWithShape="1">
-          <a:gsLst>
-            <a:gs pos="0">
-              <a:schemeClr val="phClr">
-                <a:tint val="40000"/>
-                <a:satMod val="350000"/>
-              </a:schemeClr>
-            </a:gs>
-            <a:gs pos="40000">
-              <a:schemeClr val="phClr">
-                <a:tint val="45000"/>
-                <a:shade val="99000"/>
-                <a:satMod val="350000"/>
-              </a:schemeClr>
-            </a:gs>
-            <a:gs pos="100000">
-              <a:schemeClr val="phClr">
-                <a:shade val="20000"/>
-                <a:satMod val="255000"/>
-              </a:schemeClr>
-            </a:gs>
-          </a:gsLst>
-          <a:path path="circle">
-            <a:fillToRect l="50000" t="-80000" r="50000" b="180000"/>
-          </a:path>
-        </a:gradFill>
-        <a:gradFill rotWithShape="1">
-          <a:gsLst>
-            <a:gs pos="0">
-              <a:schemeClr val="phClr">
-                <a:tint val="80000"/>
-                <a:satMod val="300000"/>
-              </a:schemeClr>
-            </a:gs>
-            <a:gs pos="100000">
-              <a:schemeClr val="phClr">
-                <a:shade val="30000"/>
-                <a:satMod val="200000"/>
-              </a:schemeClr>
-            </a:gs>
-          </a:gsLst>
-          <a:path path="circle">
-            <a:fillToRect l="50000" t="50000" r="50000" b="50000"/>
-          </a:path>
-        </a:gradFill>
-      </a:bgFillStyleLst>
-    </a:fmtScheme>
-  </a:themeElements>
+  <a:objectDefaults/>
+  <a:extraClrSchemeLst/>
 </a:theme>
 </file>